--- a/prezentacia/Softvér pre diabetikov.pptx
+++ b/prezentacia/Softvér pre diabetikov.pptx
@@ -6,14 +6,15 @@
   </p:sldMasterIdLst>
   <p:sldIdLst>
     <p:sldId id="256" r:id="rId2"/>
-    <p:sldId id="261" r:id="rId3"/>
-    <p:sldId id="260" r:id="rId4"/>
-    <p:sldId id="257" r:id="rId5"/>
-    <p:sldId id="258" r:id="rId6"/>
-    <p:sldId id="259" r:id="rId7"/>
-    <p:sldId id="262" r:id="rId8"/>
-    <p:sldId id="264" r:id="rId9"/>
-    <p:sldId id="263" r:id="rId10"/>
+    <p:sldId id="265" r:id="rId3"/>
+    <p:sldId id="261" r:id="rId4"/>
+    <p:sldId id="260" r:id="rId5"/>
+    <p:sldId id="257" r:id="rId6"/>
+    <p:sldId id="258" r:id="rId7"/>
+    <p:sldId id="259" r:id="rId8"/>
+    <p:sldId id="262" r:id="rId9"/>
+    <p:sldId id="264" r:id="rId10"/>
+    <p:sldId id="263" r:id="rId11"/>
   </p:sldIdLst>
   <p:sldSz cx="12192000" cy="6858000"/>
   <p:notesSz cx="6858000" cy="9144000"/>
@@ -112,6 +113,11 @@
       </a:defRPr>
     </a:lvl9pPr>
   </p:defaultTextStyle>
+  <p:extLst>
+    <p:ext uri="{EFAFB233-063F-42B5-8137-9DF3F51BA10A}">
+      <p15:sldGuideLst xmlns:p15="http://schemas.microsoft.com/office/powerpoint/2012/main"/>
+    </p:ext>
+  </p:extLst>
 </p:presentation>
 </file>
 
@@ -5783,7 +5789,7 @@
             <a:fld id="{1449AA12-8195-4182-A7AC-2E7E59DFBDAF}" type="datetimeFigureOut">
               <a:rPr lang="en-US" smtClean="0"/>
               <a:pPr algn="r"/>
-              <a:t>11/15/2021</a:t>
+              <a:t>11/30/2021</a:t>
             </a:fld>
             <a:endParaRPr lang="en-US"/>
           </a:p>
@@ -5999,7 +6005,7 @@
           <a:p>
             <a:fld id="{1449AA12-8195-4182-A7AC-2E7E59DFBDAF}" type="datetimeFigureOut">
               <a:rPr lang="en-US" smtClean="0"/>
-              <a:t>11/15/2021</a:t>
+              <a:t>11/30/2021</a:t>
             </a:fld>
             <a:endParaRPr lang="en-US"/>
           </a:p>
@@ -6371,7 +6377,7 @@
           <a:p>
             <a:fld id="{1449AA12-8195-4182-A7AC-2E7E59DFBDAF}" type="datetimeFigureOut">
               <a:rPr lang="en-US" smtClean="0"/>
-              <a:t>11/15/2021</a:t>
+              <a:t>11/30/2021</a:t>
             </a:fld>
             <a:endParaRPr lang="en-US"/>
           </a:p>
@@ -6733,7 +6739,7 @@
           <a:p>
             <a:fld id="{1449AA12-8195-4182-A7AC-2E7E59DFBDAF}" type="datetimeFigureOut">
               <a:rPr lang="en-US" smtClean="0"/>
-              <a:t>11/15/2021</a:t>
+              <a:t>11/30/2021</a:t>
             </a:fld>
             <a:endParaRPr lang="en-US"/>
           </a:p>
@@ -7173,7 +7179,7 @@
           <a:p>
             <a:fld id="{1449AA12-8195-4182-A7AC-2E7E59DFBDAF}" type="datetimeFigureOut">
               <a:rPr lang="en-US" smtClean="0"/>
-              <a:t>11/15/2021</a:t>
+              <a:t>11/30/2021</a:t>
             </a:fld>
             <a:endParaRPr lang="en-US"/>
           </a:p>
@@ -7613,7 +7619,7 @@
           <a:p>
             <a:fld id="{1449AA12-8195-4182-A7AC-2E7E59DFBDAF}" type="datetimeFigureOut">
               <a:rPr lang="en-US" smtClean="0"/>
-              <a:t>11/15/2021</a:t>
+              <a:t>11/30/2021</a:t>
             </a:fld>
             <a:endParaRPr lang="en-US"/>
           </a:p>
@@ -8221,7 +8227,7 @@
           <a:p>
             <a:fld id="{1449AA12-8195-4182-A7AC-2E7E59DFBDAF}" type="datetimeFigureOut">
               <a:rPr lang="en-US" smtClean="0"/>
-              <a:t>11/15/2021</a:t>
+              <a:t>11/30/2021</a:t>
             </a:fld>
             <a:endParaRPr lang="en-US"/>
           </a:p>
@@ -8526,7 +8532,7 @@
           <a:p>
             <a:fld id="{1449AA12-8195-4182-A7AC-2E7E59DFBDAF}" type="datetimeFigureOut">
               <a:rPr lang="en-US" smtClean="0"/>
-              <a:t>11/15/2021</a:t>
+              <a:t>11/30/2021</a:t>
             </a:fld>
             <a:endParaRPr lang="en-US"/>
           </a:p>
@@ -8803,7 +8809,7 @@
           <a:p>
             <a:fld id="{1449AA12-8195-4182-A7AC-2E7E59DFBDAF}" type="datetimeFigureOut">
               <a:rPr lang="en-US" smtClean="0"/>
-              <a:t>11/15/2021</a:t>
+              <a:t>11/30/2021</a:t>
             </a:fld>
             <a:endParaRPr lang="en-US"/>
           </a:p>
@@ -9280,7 +9286,7 @@
           <a:p>
             <a:fld id="{1449AA12-8195-4182-A7AC-2E7E59DFBDAF}" type="datetimeFigureOut">
               <a:rPr lang="en-US" smtClean="0"/>
-              <a:t>11/15/2021</a:t>
+              <a:t>11/30/2021</a:t>
             </a:fld>
             <a:endParaRPr lang="en-US"/>
           </a:p>
@@ -9735,7 +9741,7 @@
           <a:p>
             <a:fld id="{1449AA12-8195-4182-A7AC-2E7E59DFBDAF}" type="datetimeFigureOut">
               <a:rPr lang="en-US" smtClean="0"/>
-              <a:t>11/15/2021</a:t>
+              <a:t>11/30/2021</a:t>
             </a:fld>
             <a:endParaRPr lang="en-US"/>
           </a:p>
@@ -10141,7 +10147,7 @@
             <a:fld id="{1449AA12-8195-4182-A7AC-2E7E59DFBDAF}" type="datetimeFigureOut">
               <a:rPr lang="en-US" smtClean="0"/>
               <a:pPr/>
-              <a:t>11/15/2021</a:t>
+              <a:t>11/30/2021</a:t>
             </a:fld>
             <a:endParaRPr lang="en-US"/>
           </a:p>
@@ -11008,2998 +11014,7 @@
 </p:sld>
 </file>
 
-<file path=ppt/slides/slide2.xml><?xml version="1.0" encoding="utf-8"?>
-<p:sld xmlns:a="http://schemas.openxmlformats.org/drawingml/2006/main" xmlns:r="http://schemas.openxmlformats.org/officeDocument/2006/relationships" xmlns:p="http://schemas.openxmlformats.org/presentationml/2006/main">
-  <p:cSld>
-    <p:bg>
-      <p:bgPr>
-        <a:solidFill>
-          <a:schemeClr val="bg1"/>
-        </a:solidFill>
-        <a:effectLst/>
-      </p:bgPr>
-    </p:bg>
-    <p:spTree>
-      <p:nvGrpSpPr>
-        <p:cNvPr id="1" name=""/>
-        <p:cNvGrpSpPr/>
-        <p:nvPr/>
-      </p:nvGrpSpPr>
-      <p:grpSpPr>
-        <a:xfrm>
-          <a:off x="0" y="0"/>
-          <a:ext cx="0" cy="0"/>
-          <a:chOff x="0" y="0"/>
-          <a:chExt cx="0" cy="0"/>
-        </a:xfrm>
-      </p:grpSpPr>
-      <p:sp useBgFill="1">
-        <p:nvSpPr>
-          <p:cNvPr id="10" name="Rectangle 9">
-            <a:extLst>
-              <a:ext uri="{FF2B5EF4-FFF2-40B4-BE49-F238E27FC236}">
-                <a16:creationId xmlns:a16="http://schemas.microsoft.com/office/drawing/2014/main" id="{C868C70C-E5C4-CD47-888C-FCB3373B6D38}"/>
-              </a:ext>
-              <a:ext uri="{C183D7F6-B498-43B3-948B-1728B52AA6E4}">
-                <adec:decorative xmlns:adec="http://schemas.microsoft.com/office/drawing/2017/decorative" val="1"/>
-              </a:ext>
-            </a:extLst>
-          </p:cNvPr>
-          <p:cNvSpPr>
-            <a:spLocks noGrp="1" noRot="1" noChangeAspect="1" noMove="1" noResize="1" noEditPoints="1" noAdjustHandles="1" noChangeArrowheads="1" noChangeShapeType="1" noTextEdit="1"/>
-          </p:cNvSpPr>
-          <p:nvPr>
-            <p:extLst>
-              <p:ext uri="{386F3935-93C4-4BCD-93E2-E3B085C9AB24}">
-                <p16:designElem xmlns:p16="http://schemas.microsoft.com/office/powerpoint/2015/main" val="1"/>
-              </p:ext>
-            </p:extLst>
-          </p:nvPr>
-        </p:nvSpPr>
-        <p:spPr>
-          <a:xfrm>
-            <a:off x="0" y="0"/>
-            <a:ext cx="12188952" cy="6858000"/>
-          </a:xfrm>
-          <a:prstGeom prst="rect">
-            <a:avLst/>
-          </a:prstGeom>
-          <a:ln>
-            <a:noFill/>
-          </a:ln>
-        </p:spPr>
-        <p:style>
-          <a:lnRef idx="2">
-            <a:schemeClr val="accent1">
-              <a:shade val="50000"/>
-            </a:schemeClr>
-          </a:lnRef>
-          <a:fillRef idx="1">
-            <a:schemeClr val="accent1"/>
-          </a:fillRef>
-          <a:effectRef idx="0">
-            <a:schemeClr val="accent1"/>
-          </a:effectRef>
-          <a:fontRef idx="minor">
-            <a:schemeClr val="lt1"/>
-          </a:fontRef>
-        </p:style>
-        <p:txBody>
-          <a:bodyPr rtlCol="0" anchor="ctr"/>
-          <a:lstStyle/>
-          <a:p>
-            <a:pPr algn="ctr"/>
-            <a:endParaRPr lang="en-US"/>
-          </a:p>
-        </p:txBody>
-      </p:sp>
-      <p:sp>
-        <p:nvSpPr>
-          <p:cNvPr id="12" name="Rectangle 11">
-            <a:extLst>
-              <a:ext uri="{FF2B5EF4-FFF2-40B4-BE49-F238E27FC236}">
-                <a16:creationId xmlns:a16="http://schemas.microsoft.com/office/drawing/2014/main" id="{15A8DDA3-B4FC-D445-AA06-C92ABAE24BAB}"/>
-              </a:ext>
-              <a:ext uri="{C183D7F6-B498-43B3-948B-1728B52AA6E4}">
-                <adec:decorative xmlns:adec="http://schemas.microsoft.com/office/drawing/2017/decorative" val="1"/>
-              </a:ext>
-            </a:extLst>
-          </p:cNvPr>
-          <p:cNvSpPr>
-            <a:spLocks noGrp="1" noRot="1" noChangeAspect="1" noMove="1" noResize="1" noEditPoints="1" noAdjustHandles="1" noChangeArrowheads="1" noChangeShapeType="1" noTextEdit="1"/>
-          </p:cNvSpPr>
-          <p:nvPr>
-            <p:extLst>
-              <p:ext uri="{386F3935-93C4-4BCD-93E2-E3B085C9AB24}">
-                <p16:designElem xmlns:p16="http://schemas.microsoft.com/office/powerpoint/2015/main" val="1"/>
-              </p:ext>
-            </p:extLst>
-          </p:nvPr>
-        </p:nvSpPr>
-        <p:spPr>
-          <a:xfrm>
-            <a:off x="1388543" y="5476671"/>
-            <a:ext cx="2770698" cy="1381329"/>
-          </a:xfrm>
-          <a:prstGeom prst="rect">
-            <a:avLst/>
-          </a:prstGeom>
-          <a:gradFill flip="none" rotWithShape="1">
-            <a:gsLst>
-              <a:gs pos="0">
-                <a:schemeClr val="accent1">
-                  <a:alpha val="50000"/>
-                </a:schemeClr>
-              </a:gs>
-              <a:gs pos="81000">
-                <a:schemeClr val="accent4">
-                  <a:alpha val="50000"/>
-                </a:schemeClr>
-              </a:gs>
-              <a:gs pos="25000">
-                <a:schemeClr val="accent2">
-                  <a:alpha val="60000"/>
-                </a:schemeClr>
-              </a:gs>
-              <a:gs pos="50000">
-                <a:schemeClr val="accent3">
-                  <a:alpha val="55000"/>
-                </a:schemeClr>
-              </a:gs>
-              <a:gs pos="99000">
-                <a:schemeClr val="accent5">
-                  <a:alpha val="50000"/>
-                </a:schemeClr>
-              </a:gs>
-            </a:gsLst>
-            <a:path path="circle">
-              <a:fillToRect r="100000" b="100000"/>
-            </a:path>
-            <a:tileRect l="-100000" t="-100000"/>
-          </a:gradFill>
-          <a:ln>
-            <a:noFill/>
-          </a:ln>
-        </p:spPr>
-        <p:style>
-          <a:lnRef idx="2">
-            <a:schemeClr val="accent1">
-              <a:shade val="50000"/>
-            </a:schemeClr>
-          </a:lnRef>
-          <a:fillRef idx="1">
-            <a:schemeClr val="accent1"/>
-          </a:fillRef>
-          <a:effectRef idx="0">
-            <a:schemeClr val="accent1"/>
-          </a:effectRef>
-          <a:fontRef idx="minor">
-            <a:schemeClr val="lt1"/>
-          </a:fontRef>
-        </p:style>
-        <p:txBody>
-          <a:bodyPr rtlCol="0" anchor="ctr"/>
-          <a:lstStyle/>
-          <a:p>
-            <a:pPr lvl="0" algn="ctr"/>
-            <a:endParaRPr lang="en-US"/>
-          </a:p>
-        </p:txBody>
-      </p:sp>
-      <p:sp>
-        <p:nvSpPr>
-          <p:cNvPr id="14" name="Rectangle 13">
-            <a:extLst>
-              <a:ext uri="{FF2B5EF4-FFF2-40B4-BE49-F238E27FC236}">
-                <a16:creationId xmlns:a16="http://schemas.microsoft.com/office/drawing/2014/main" id="{9FD0692D-A304-5E4A-BCD9-C00690321FBC}"/>
-              </a:ext>
-              <a:ext uri="{C183D7F6-B498-43B3-948B-1728B52AA6E4}">
-                <adec:decorative xmlns:adec="http://schemas.microsoft.com/office/drawing/2017/decorative" val="1"/>
-              </a:ext>
-            </a:extLst>
-          </p:cNvPr>
-          <p:cNvSpPr>
-            <a:spLocks noGrp="1" noRot="1" noChangeAspect="1" noMove="1" noResize="1" noEditPoints="1" noAdjustHandles="1" noChangeArrowheads="1" noChangeShapeType="1" noTextEdit="1"/>
-          </p:cNvSpPr>
-          <p:nvPr>
-            <p:extLst>
-              <p:ext uri="{386F3935-93C4-4BCD-93E2-E3B085C9AB24}">
-                <p16:designElem xmlns:p16="http://schemas.microsoft.com/office/powerpoint/2015/main" val="1"/>
-              </p:ext>
-            </p:extLst>
-          </p:nvPr>
-        </p:nvSpPr>
-        <p:spPr>
-          <a:xfrm>
-            <a:off x="1388542" y="4101177"/>
-            <a:ext cx="1373567" cy="2756824"/>
-          </a:xfrm>
-          <a:prstGeom prst="rect">
-            <a:avLst/>
-          </a:prstGeom>
-          <a:gradFill flip="none" rotWithShape="1">
-            <a:gsLst>
-              <a:gs pos="0">
-                <a:schemeClr val="accent1">
-                  <a:alpha val="50000"/>
-                </a:schemeClr>
-              </a:gs>
-              <a:gs pos="81000">
-                <a:schemeClr val="accent4">
-                  <a:alpha val="50000"/>
-                </a:schemeClr>
-              </a:gs>
-              <a:gs pos="25000">
-                <a:schemeClr val="accent2">
-                  <a:alpha val="60000"/>
-                </a:schemeClr>
-              </a:gs>
-              <a:gs pos="50000">
-                <a:schemeClr val="accent3">
-                  <a:alpha val="55000"/>
-                </a:schemeClr>
-              </a:gs>
-              <a:gs pos="99000">
-                <a:schemeClr val="accent5">
-                  <a:alpha val="50000"/>
-                </a:schemeClr>
-              </a:gs>
-            </a:gsLst>
-            <a:path path="circle">
-              <a:fillToRect r="100000" b="100000"/>
-            </a:path>
-            <a:tileRect l="-100000" t="-100000"/>
-          </a:gradFill>
-          <a:ln>
-            <a:noFill/>
-          </a:ln>
-        </p:spPr>
-        <p:style>
-          <a:lnRef idx="2">
-            <a:schemeClr val="accent1">
-              <a:shade val="50000"/>
-            </a:schemeClr>
-          </a:lnRef>
-          <a:fillRef idx="1">
-            <a:schemeClr val="accent1"/>
-          </a:fillRef>
-          <a:effectRef idx="0">
-            <a:schemeClr val="accent1"/>
-          </a:effectRef>
-          <a:fontRef idx="minor">
-            <a:schemeClr val="lt1"/>
-          </a:fontRef>
-        </p:style>
-        <p:txBody>
-          <a:bodyPr rtlCol="0" anchor="ctr"/>
-          <a:lstStyle/>
-          <a:p>
-            <a:pPr lvl="0" algn="ctr"/>
-            <a:endParaRPr lang="en-US"/>
-          </a:p>
-        </p:txBody>
-      </p:sp>
-      <p:sp>
-        <p:nvSpPr>
-          <p:cNvPr id="2" name="Title 1">
-            <a:extLst>
-              <a:ext uri="{FF2B5EF4-FFF2-40B4-BE49-F238E27FC236}">
-                <a16:creationId xmlns:a16="http://schemas.microsoft.com/office/drawing/2014/main" id="{2FE1E3B3-1AD4-42A7-8225-EF9438DAF73E}"/>
-              </a:ext>
-            </a:extLst>
-          </p:cNvPr>
-          <p:cNvSpPr>
-            <a:spLocks noGrp="1"/>
-          </p:cNvSpPr>
-          <p:nvPr>
-            <p:ph type="title"/>
-          </p:nvPr>
-        </p:nvSpPr>
-        <p:spPr>
-          <a:xfrm>
-            <a:off x="1388542" y="455362"/>
-            <a:ext cx="3183457" cy="3392972"/>
-          </a:xfrm>
-        </p:spPr>
-        <p:txBody>
-          <a:bodyPr>
-            <a:normAutofit/>
-          </a:bodyPr>
-          <a:lstStyle/>
-          <a:p>
-            <a:r>
-              <a:rPr lang="sk-SK" dirty="0"/>
-              <a:t>Obsah</a:t>
-            </a:r>
-            <a:endParaRPr lang="en-US" dirty="0"/>
-          </a:p>
-        </p:txBody>
-      </p:sp>
-      <p:graphicFrame>
-        <p:nvGraphicFramePr>
-          <p:cNvPr id="5" name="Content Placeholder 2">
-            <a:extLst>
-              <a:ext uri="{FF2B5EF4-FFF2-40B4-BE49-F238E27FC236}">
-                <a16:creationId xmlns:a16="http://schemas.microsoft.com/office/drawing/2014/main" id="{6F52C9FE-F921-41C7-9642-D2814F6DF868}"/>
-              </a:ext>
-            </a:extLst>
-          </p:cNvPr>
-          <p:cNvGraphicFramePr>
-            <a:graphicFrameLocks noGrp="1"/>
-          </p:cNvGraphicFramePr>
-          <p:nvPr>
-            <p:ph idx="1"/>
-            <p:extLst>
-              <p:ext uri="{D42A27DB-BD31-4B8C-83A1-F6EECF244321}">
-                <p14:modId xmlns:p14="http://schemas.microsoft.com/office/powerpoint/2010/main" val="4031620901"/>
-              </p:ext>
-            </p:extLst>
-          </p:nvPr>
-        </p:nvGraphicFramePr>
-        <p:xfrm>
-          <a:off x="5224244" y="409518"/>
-          <a:ext cx="6034656" cy="5632254"/>
-        </p:xfrm>
-        <a:graphic>
-          <a:graphicData uri="http://schemas.openxmlformats.org/drawingml/2006/diagram">
-            <dgm:relIds xmlns:dgm="http://schemas.openxmlformats.org/drawingml/2006/diagram" xmlns:r="http://schemas.openxmlformats.org/officeDocument/2006/relationships" r:dm="rId2" r:lo="rId3" r:qs="rId4" r:cs="rId5"/>
-          </a:graphicData>
-        </a:graphic>
-      </p:graphicFrame>
-    </p:spTree>
-    <p:extLst>
-      <p:ext uri="{BB962C8B-B14F-4D97-AF65-F5344CB8AC3E}">
-        <p14:creationId xmlns:p14="http://schemas.microsoft.com/office/powerpoint/2010/main" val="3212083863"/>
-      </p:ext>
-    </p:extLst>
-  </p:cSld>
-  <p:clrMapOvr>
-    <a:masterClrMapping/>
-  </p:clrMapOvr>
-</p:sld>
-</file>
-
-<file path=ppt/slides/slide3.xml><?xml version="1.0" encoding="utf-8"?>
-<p:sld xmlns:a="http://schemas.openxmlformats.org/drawingml/2006/main" xmlns:r="http://schemas.openxmlformats.org/officeDocument/2006/relationships" xmlns:p="http://schemas.openxmlformats.org/presentationml/2006/main">
-  <p:cSld>
-    <p:bg>
-      <p:bgPr>
-        <a:solidFill>
-          <a:schemeClr val="bg1"/>
-        </a:solidFill>
-        <a:effectLst/>
-      </p:bgPr>
-    </p:bg>
-    <p:spTree>
-      <p:nvGrpSpPr>
-        <p:cNvPr id="1" name=""/>
-        <p:cNvGrpSpPr/>
-        <p:nvPr/>
-      </p:nvGrpSpPr>
-      <p:grpSpPr>
-        <a:xfrm>
-          <a:off x="0" y="0"/>
-          <a:ext cx="0" cy="0"/>
-          <a:chOff x="0" y="0"/>
-          <a:chExt cx="0" cy="0"/>
-        </a:xfrm>
-      </p:grpSpPr>
-      <p:sp useBgFill="1">
-        <p:nvSpPr>
-          <p:cNvPr id="9" name="Rectangle 8">
-            <a:extLst>
-              <a:ext uri="{FF2B5EF4-FFF2-40B4-BE49-F238E27FC236}">
-                <a16:creationId xmlns:a16="http://schemas.microsoft.com/office/drawing/2014/main" id="{C868C70C-E5C4-CD47-888C-FCB3373B6D38}"/>
-              </a:ext>
-              <a:ext uri="{C183D7F6-B498-43B3-948B-1728B52AA6E4}">
-                <adec:decorative xmlns:adec="http://schemas.microsoft.com/office/drawing/2017/decorative" val="1"/>
-              </a:ext>
-            </a:extLst>
-          </p:cNvPr>
-          <p:cNvSpPr>
-            <a:spLocks noGrp="1" noRot="1" noChangeAspect="1" noMove="1" noResize="1" noEditPoints="1" noAdjustHandles="1" noChangeArrowheads="1" noChangeShapeType="1" noTextEdit="1"/>
-          </p:cNvSpPr>
-          <p:nvPr>
-            <p:extLst>
-              <p:ext uri="{386F3935-93C4-4BCD-93E2-E3B085C9AB24}">
-                <p16:designElem xmlns:p16="http://schemas.microsoft.com/office/powerpoint/2015/main" val="1"/>
-              </p:ext>
-            </p:extLst>
-          </p:nvPr>
-        </p:nvSpPr>
-        <p:spPr>
-          <a:xfrm>
-            <a:off x="0" y="0"/>
-            <a:ext cx="12188952" cy="6858000"/>
-          </a:xfrm>
-          <a:prstGeom prst="rect">
-            <a:avLst/>
-          </a:prstGeom>
-          <a:ln>
-            <a:noFill/>
-          </a:ln>
-        </p:spPr>
-        <p:style>
-          <a:lnRef idx="2">
-            <a:schemeClr val="accent1">
-              <a:shade val="50000"/>
-            </a:schemeClr>
-          </a:lnRef>
-          <a:fillRef idx="1">
-            <a:schemeClr val="accent1"/>
-          </a:fillRef>
-          <a:effectRef idx="0">
-            <a:schemeClr val="accent1"/>
-          </a:effectRef>
-          <a:fontRef idx="minor">
-            <a:schemeClr val="lt1"/>
-          </a:fontRef>
-        </p:style>
-        <p:txBody>
-          <a:bodyPr rtlCol="0" anchor="ctr"/>
-          <a:lstStyle/>
-          <a:p>
-            <a:pPr algn="ctr"/>
-            <a:endParaRPr lang="en-US"/>
-          </a:p>
-        </p:txBody>
-      </p:sp>
-      <p:pic>
-        <p:nvPicPr>
-          <p:cNvPr id="4" name="Picture 3" descr="https://www.bd.com/en-uk/products/diabetes/diabetes-products/pen-needles/pen-needle-compatibility">
-            <a:extLst>
-              <a:ext uri="{FF2B5EF4-FFF2-40B4-BE49-F238E27FC236}">
-                <a16:creationId xmlns:a16="http://schemas.microsoft.com/office/drawing/2014/main" id="{50F14951-2071-4D70-A763-F3A73B20413C}"/>
-              </a:ext>
-              <a:ext uri="{C183D7F6-B498-43B3-948B-1728B52AA6E4}">
-                <adec:decorative xmlns:adec="http://schemas.microsoft.com/office/drawing/2017/decorative" val="0"/>
-              </a:ext>
-            </a:extLst>
-          </p:cNvPr>
-          <p:cNvPicPr>
-            <a:picLocks noChangeAspect="1"/>
-          </p:cNvPicPr>
-          <p:nvPr/>
-        </p:nvPicPr>
-        <p:blipFill rotWithShape="1">
-          <a:blip r:embed="rId2">
-            <a:extLst>
-              <a:ext uri="{28A0092B-C50C-407E-A947-70E740481C1C}">
-                <a14:useLocalDpi xmlns:a14="http://schemas.microsoft.com/office/drawing/2010/main" val="0"/>
-              </a:ext>
-            </a:extLst>
-          </a:blip>
-          <a:srcRect l="6821" r="13644" b="1"/>
-          <a:stretch/>
-        </p:blipFill>
-        <p:spPr>
-          <a:xfrm>
-            <a:off x="3048" y="10"/>
-            <a:ext cx="12188952" cy="6857990"/>
-          </a:xfrm>
-          <a:prstGeom prst="rect">
-            <a:avLst/>
-          </a:prstGeom>
-        </p:spPr>
-      </p:pic>
-      <p:sp>
-        <p:nvSpPr>
-          <p:cNvPr id="11" name="Rectangle">
-            <a:extLst>
-              <a:ext uri="{FF2B5EF4-FFF2-40B4-BE49-F238E27FC236}">
-                <a16:creationId xmlns:a16="http://schemas.microsoft.com/office/drawing/2014/main" id="{F7C9FD24-3092-E04F-925D-C1183BF54C06}"/>
-              </a:ext>
-              <a:ext uri="{C183D7F6-B498-43B3-948B-1728B52AA6E4}">
-                <adec:decorative xmlns:adec="http://schemas.microsoft.com/office/drawing/2017/decorative" val="1"/>
-              </a:ext>
-            </a:extLst>
-          </p:cNvPr>
-          <p:cNvSpPr>
-            <a:spLocks noGrp="1" noRot="1" noChangeAspect="1" noMove="1" noResize="1" noEditPoints="1" noAdjustHandles="1" noChangeArrowheads="1" noChangeShapeType="1" noTextEdit="1"/>
-          </p:cNvSpPr>
-          <p:nvPr>
-            <p:extLst>
-              <p:ext uri="{386F3935-93C4-4BCD-93E2-E3B085C9AB24}">
-                <p16:designElem xmlns:p16="http://schemas.microsoft.com/office/powerpoint/2015/main" val="1"/>
-              </p:ext>
-            </p:extLst>
-          </p:nvPr>
-        </p:nvSpPr>
-        <p:spPr>
-          <a:xfrm>
-            <a:off x="0" y="-1"/>
-            <a:ext cx="7551978" cy="6858001"/>
-          </a:xfrm>
-          <a:prstGeom prst="rect">
-            <a:avLst/>
-          </a:prstGeom>
-          <a:solidFill>
-            <a:schemeClr val="bg1">
-              <a:alpha val="85000"/>
-            </a:schemeClr>
-          </a:solidFill>
-          <a:ln w="12700">
-            <a:miter lim="400000"/>
-          </a:ln>
-        </p:spPr>
-        <p:txBody>
-          <a:bodyPr lIns="50800" tIns="50800" rIns="50800" bIns="50800" anchor="ctr"/>
-          <a:lstStyle/>
-          <a:p>
-            <a:pPr algn="ctr" defTabSz="457200"/>
-            <a:endParaRPr sz="2600" cap="all" dirty="0">
-              <a:solidFill>
-                <a:srgbClr val="FFFFFF"/>
-              </a:solidFill>
-              <a:sym typeface="Avenir Next"/>
-            </a:endParaRPr>
-          </a:p>
-        </p:txBody>
-      </p:sp>
-      <p:sp>
-        <p:nvSpPr>
-          <p:cNvPr id="13" name="Rectangle 12">
-            <a:extLst>
-              <a:ext uri="{FF2B5EF4-FFF2-40B4-BE49-F238E27FC236}">
-                <a16:creationId xmlns:a16="http://schemas.microsoft.com/office/drawing/2014/main" id="{D8C68F39-5E8A-844C-A8FD-394F253C1E5F}"/>
-              </a:ext>
-              <a:ext uri="{C183D7F6-B498-43B3-948B-1728B52AA6E4}">
-                <adec:decorative xmlns:adec="http://schemas.microsoft.com/office/drawing/2017/decorative" val="1"/>
-              </a:ext>
-            </a:extLst>
-          </p:cNvPr>
-          <p:cNvSpPr>
-            <a:spLocks noGrp="1" noRot="1" noChangeAspect="1" noMove="1" noResize="1" noEditPoints="1" noAdjustHandles="1" noChangeArrowheads="1" noChangeShapeType="1" noTextEdit="1"/>
-          </p:cNvSpPr>
-          <p:nvPr>
-            <p:extLst>
-              <p:ext uri="{386F3935-93C4-4BCD-93E2-E3B085C9AB24}">
-                <p16:designElem xmlns:p16="http://schemas.microsoft.com/office/powerpoint/2015/main" val="1"/>
-              </p:ext>
-            </p:extLst>
-          </p:nvPr>
-        </p:nvSpPr>
-        <p:spPr>
-          <a:xfrm>
-            <a:off x="7547153" y="565153"/>
-            <a:ext cx="1133856" cy="6292847"/>
-          </a:xfrm>
-          <a:prstGeom prst="rect">
-            <a:avLst/>
-          </a:prstGeom>
-          <a:gradFill flip="none" rotWithShape="1">
-            <a:gsLst>
-              <a:gs pos="0">
-                <a:schemeClr val="accent1">
-                  <a:alpha val="50000"/>
-                </a:schemeClr>
-              </a:gs>
-              <a:gs pos="81000">
-                <a:schemeClr val="accent4">
-                  <a:alpha val="50000"/>
-                </a:schemeClr>
-              </a:gs>
-              <a:gs pos="25000">
-                <a:schemeClr val="accent2">
-                  <a:alpha val="60000"/>
-                </a:schemeClr>
-              </a:gs>
-              <a:gs pos="50000">
-                <a:schemeClr val="accent3">
-                  <a:alpha val="55000"/>
-                </a:schemeClr>
-              </a:gs>
-              <a:gs pos="99000">
-                <a:schemeClr val="accent5">
-                  <a:alpha val="50000"/>
-                </a:schemeClr>
-              </a:gs>
-            </a:gsLst>
-            <a:path path="circle">
-              <a:fillToRect r="100000" b="100000"/>
-            </a:path>
-            <a:tileRect l="-100000" t="-100000"/>
-          </a:gradFill>
-          <a:ln>
-            <a:noFill/>
-          </a:ln>
-        </p:spPr>
-        <p:style>
-          <a:lnRef idx="2">
-            <a:schemeClr val="accent1">
-              <a:shade val="50000"/>
-            </a:schemeClr>
-          </a:lnRef>
-          <a:fillRef idx="1">
-            <a:schemeClr val="accent1"/>
-          </a:fillRef>
-          <a:effectRef idx="0">
-            <a:schemeClr val="accent1"/>
-          </a:effectRef>
-          <a:fontRef idx="minor">
-            <a:schemeClr val="lt1"/>
-          </a:fontRef>
-        </p:style>
-        <p:txBody>
-          <a:bodyPr rtlCol="0" anchor="ctr"/>
-          <a:lstStyle/>
-          <a:p>
-            <a:pPr algn="ctr"/>
-            <a:endParaRPr lang="en-US"/>
-          </a:p>
-        </p:txBody>
-      </p:sp>
-      <p:sp>
-        <p:nvSpPr>
-          <p:cNvPr id="15" name="Rectangle 14">
-            <a:extLst>
-              <a:ext uri="{FF2B5EF4-FFF2-40B4-BE49-F238E27FC236}">
-                <a16:creationId xmlns:a16="http://schemas.microsoft.com/office/drawing/2014/main" id="{BC583CEB-AC2B-2640-94F6-5958E6BC5BAB}"/>
-              </a:ext>
-              <a:ext uri="{C183D7F6-B498-43B3-948B-1728B52AA6E4}">
-                <adec:decorative xmlns:adec="http://schemas.microsoft.com/office/drawing/2017/decorative" val="1"/>
-              </a:ext>
-            </a:extLst>
-          </p:cNvPr>
-          <p:cNvSpPr>
-            <a:spLocks noGrp="1" noRot="1" noChangeAspect="1" noMove="1" noResize="1" noEditPoints="1" noAdjustHandles="1" noChangeArrowheads="1" noChangeShapeType="1" noTextEdit="1"/>
-          </p:cNvSpPr>
-          <p:nvPr>
-            <p:extLst>
-              <p:ext uri="{386F3935-93C4-4BCD-93E2-E3B085C9AB24}">
-                <p16:designElem xmlns:p16="http://schemas.microsoft.com/office/powerpoint/2015/main" val="1"/>
-              </p:ext>
-            </p:extLst>
-          </p:nvPr>
-        </p:nvSpPr>
-        <p:spPr>
-          <a:xfrm>
-            <a:off x="7547153" y="-3"/>
-            <a:ext cx="565150" cy="6857999"/>
-          </a:xfrm>
-          <a:prstGeom prst="rect">
-            <a:avLst/>
-          </a:prstGeom>
-          <a:gradFill flip="none" rotWithShape="1">
-            <a:gsLst>
-              <a:gs pos="0">
-                <a:schemeClr val="accent1">
-                  <a:alpha val="50000"/>
-                </a:schemeClr>
-              </a:gs>
-              <a:gs pos="81000">
-                <a:schemeClr val="accent4">
-                  <a:alpha val="50000"/>
-                </a:schemeClr>
-              </a:gs>
-              <a:gs pos="25000">
-                <a:schemeClr val="accent2">
-                  <a:alpha val="60000"/>
-                </a:schemeClr>
-              </a:gs>
-              <a:gs pos="49000">
-                <a:schemeClr val="accent3">
-                  <a:alpha val="55000"/>
-                </a:schemeClr>
-              </a:gs>
-              <a:gs pos="99000">
-                <a:schemeClr val="accent5">
-                  <a:alpha val="50000"/>
-                </a:schemeClr>
-              </a:gs>
-            </a:gsLst>
-            <a:path path="circle">
-              <a:fillToRect r="100000" b="100000"/>
-            </a:path>
-            <a:tileRect l="-100000" t="-100000"/>
-          </a:gradFill>
-          <a:ln>
-            <a:noFill/>
-          </a:ln>
-        </p:spPr>
-        <p:style>
-          <a:lnRef idx="2">
-            <a:schemeClr val="accent1">
-              <a:shade val="50000"/>
-            </a:schemeClr>
-          </a:lnRef>
-          <a:fillRef idx="1">
-            <a:schemeClr val="accent1"/>
-          </a:fillRef>
-          <a:effectRef idx="0">
-            <a:schemeClr val="accent1"/>
-          </a:effectRef>
-          <a:fontRef idx="minor">
-            <a:schemeClr val="lt1"/>
-          </a:fontRef>
-        </p:style>
-        <p:txBody>
-          <a:bodyPr rtlCol="0" anchor="ctr"/>
-          <a:lstStyle/>
-          <a:p>
-            <a:pPr algn="ctr"/>
-            <a:endParaRPr lang="en-US"/>
-          </a:p>
-        </p:txBody>
-      </p:sp>
-      <p:sp>
-        <p:nvSpPr>
-          <p:cNvPr id="2" name="Title 1">
-            <a:extLst>
-              <a:ext uri="{FF2B5EF4-FFF2-40B4-BE49-F238E27FC236}">
-                <a16:creationId xmlns:a16="http://schemas.microsoft.com/office/drawing/2014/main" id="{D7523D4F-CA19-4C20-8064-0E095ED25F9A}"/>
-              </a:ext>
-            </a:extLst>
-          </p:cNvPr>
-          <p:cNvSpPr>
-            <a:spLocks noGrp="1"/>
-          </p:cNvSpPr>
-          <p:nvPr>
-            <p:ph type="title"/>
-          </p:nvPr>
-        </p:nvSpPr>
-        <p:spPr>
-          <a:xfrm>
-            <a:off x="565151" y="455362"/>
-            <a:ext cx="6400798" cy="1550419"/>
-          </a:xfrm>
-        </p:spPr>
-        <p:txBody>
-          <a:bodyPr>
-            <a:normAutofit/>
-          </a:bodyPr>
-          <a:lstStyle/>
-          <a:p>
-            <a:r>
-              <a:rPr lang="sk-SK" dirty="0"/>
-              <a:t>Diabetes Mellitus</a:t>
-            </a:r>
-            <a:endParaRPr lang="en-US" dirty="0"/>
-          </a:p>
-        </p:txBody>
-      </p:sp>
-      <p:sp>
-        <p:nvSpPr>
-          <p:cNvPr id="3" name="Content Placeholder 2">
-            <a:extLst>
-              <a:ext uri="{FF2B5EF4-FFF2-40B4-BE49-F238E27FC236}">
-                <a16:creationId xmlns:a16="http://schemas.microsoft.com/office/drawing/2014/main" id="{448DC4AA-7865-4016-9497-32A111B95E40}"/>
-              </a:ext>
-            </a:extLst>
-          </p:cNvPr>
-          <p:cNvSpPr>
-            <a:spLocks noGrp="1"/>
-          </p:cNvSpPr>
-          <p:nvPr>
-            <p:ph idx="1"/>
-          </p:nvPr>
-        </p:nvSpPr>
-        <p:spPr>
-          <a:xfrm>
-            <a:off x="565151" y="2160016"/>
-            <a:ext cx="6400798" cy="3926152"/>
-          </a:xfrm>
-        </p:spPr>
-        <p:txBody>
-          <a:bodyPr>
-            <a:normAutofit/>
-          </a:bodyPr>
-          <a:lstStyle/>
-          <a:p>
-            <a:r>
-              <a:rPr lang="sk-SK" dirty="0"/>
-              <a:t>Telesná disfunkcia spôsobená odumieraním B-buniek v pankrease alebo rezistenciou na inzulín</a:t>
-            </a:r>
-          </a:p>
-          <a:p>
-            <a:r>
-              <a:rPr lang="sk-SK" dirty="0"/>
-              <a:t>Typy:</a:t>
-            </a:r>
-          </a:p>
-          <a:p>
-            <a:pPr lvl="1"/>
-            <a:r>
-              <a:rPr lang="sk-SK" dirty="0"/>
-              <a:t>Typ 1 – disfunkcia pankreasu (neliečiteľné)</a:t>
-            </a:r>
-          </a:p>
-          <a:p>
-            <a:pPr lvl="1"/>
-            <a:r>
-              <a:rPr lang="sk-SK" dirty="0"/>
-              <a:t>Typ 2 – rezistencia na inzulín (dá sa liečiť)</a:t>
-            </a:r>
-          </a:p>
-          <a:p>
-            <a:pPr lvl="1"/>
-            <a:r>
-              <a:rPr lang="sk-SK" dirty="0"/>
-              <a:t>Tehotenský</a:t>
-            </a:r>
-          </a:p>
-          <a:p>
-            <a:pPr lvl="1"/>
-            <a:r>
-              <a:rPr lang="sk-SK" dirty="0"/>
-              <a:t>Špeciálny </a:t>
-            </a:r>
-          </a:p>
-        </p:txBody>
-      </p:sp>
-    </p:spTree>
-    <p:extLst>
-      <p:ext uri="{BB962C8B-B14F-4D97-AF65-F5344CB8AC3E}">
-        <p14:creationId xmlns:p14="http://schemas.microsoft.com/office/powerpoint/2010/main" val="1536118318"/>
-      </p:ext>
-    </p:extLst>
-  </p:cSld>
-  <p:clrMapOvr>
-    <a:masterClrMapping/>
-  </p:clrMapOvr>
-</p:sld>
-</file>
-
-<file path=ppt/slides/slide4.xml><?xml version="1.0" encoding="utf-8"?>
-<p:sld xmlns:a="http://schemas.openxmlformats.org/drawingml/2006/main" xmlns:r="http://schemas.openxmlformats.org/officeDocument/2006/relationships" xmlns:p="http://schemas.openxmlformats.org/presentationml/2006/main">
-  <p:cSld>
-    <p:bg>
-      <p:bgPr>
-        <a:solidFill>
-          <a:schemeClr val="bg1"/>
-        </a:solidFill>
-        <a:effectLst/>
-      </p:bgPr>
-    </p:bg>
-    <p:spTree>
-      <p:nvGrpSpPr>
-        <p:cNvPr id="1" name=""/>
-        <p:cNvGrpSpPr/>
-        <p:nvPr/>
-      </p:nvGrpSpPr>
-      <p:grpSpPr>
-        <a:xfrm>
-          <a:off x="0" y="0"/>
-          <a:ext cx="0" cy="0"/>
-          <a:chOff x="0" y="0"/>
-          <a:chExt cx="0" cy="0"/>
-        </a:xfrm>
-      </p:grpSpPr>
-      <p:sp useBgFill="1">
-        <p:nvSpPr>
-          <p:cNvPr id="26" name="Rectangle 25">
-            <a:extLst>
-              <a:ext uri="{FF2B5EF4-FFF2-40B4-BE49-F238E27FC236}">
-                <a16:creationId xmlns:a16="http://schemas.microsoft.com/office/drawing/2014/main" id="{C868C70C-E5C4-CD47-888C-FCB3373B6D38}"/>
-              </a:ext>
-              <a:ext uri="{C183D7F6-B498-43B3-948B-1728B52AA6E4}">
-                <adec:decorative xmlns:adec="http://schemas.microsoft.com/office/drawing/2017/decorative" val="1"/>
-              </a:ext>
-            </a:extLst>
-          </p:cNvPr>
-          <p:cNvSpPr>
-            <a:spLocks noGrp="1" noRot="1" noChangeAspect="1" noMove="1" noResize="1" noEditPoints="1" noAdjustHandles="1" noChangeArrowheads="1" noChangeShapeType="1" noTextEdit="1"/>
-          </p:cNvSpPr>
-          <p:nvPr>
-            <p:extLst>
-              <p:ext uri="{386F3935-93C4-4BCD-93E2-E3B085C9AB24}">
-                <p16:designElem xmlns:p16="http://schemas.microsoft.com/office/powerpoint/2015/main" val="1"/>
-              </p:ext>
-            </p:extLst>
-          </p:nvPr>
-        </p:nvSpPr>
-        <p:spPr>
-          <a:xfrm>
-            <a:off x="0" y="0"/>
-            <a:ext cx="12188952" cy="6858000"/>
-          </a:xfrm>
-          <a:prstGeom prst="rect">
-            <a:avLst/>
-          </a:prstGeom>
-          <a:ln>
-            <a:noFill/>
-          </a:ln>
-        </p:spPr>
-        <p:style>
-          <a:lnRef idx="2">
-            <a:schemeClr val="accent1">
-              <a:shade val="50000"/>
-            </a:schemeClr>
-          </a:lnRef>
-          <a:fillRef idx="1">
-            <a:schemeClr val="accent1"/>
-          </a:fillRef>
-          <a:effectRef idx="0">
-            <a:schemeClr val="accent1"/>
-          </a:effectRef>
-          <a:fontRef idx="minor">
-            <a:schemeClr val="lt1"/>
-          </a:fontRef>
-        </p:style>
-        <p:txBody>
-          <a:bodyPr rtlCol="0" anchor="ctr"/>
-          <a:lstStyle/>
-          <a:p>
-            <a:pPr algn="ctr"/>
-            <a:endParaRPr lang="en-US"/>
-          </a:p>
-        </p:txBody>
-      </p:sp>
-      <p:pic>
-        <p:nvPicPr>
-          <p:cNvPr id="4" name="Content Placeholder 3" descr="https://touchit.sk/ako-mozu-pomoct-pri-lieceni-cukrovky-informacne-technologie/352519d">
-            <a:extLst>
-              <a:ext uri="{FF2B5EF4-FFF2-40B4-BE49-F238E27FC236}">
-                <a16:creationId xmlns:a16="http://schemas.microsoft.com/office/drawing/2014/main" id="{5EED1EB5-0BA9-4D65-AD0F-1250A8D8E562}"/>
-              </a:ext>
-            </a:extLst>
-          </p:cNvPr>
-          <p:cNvPicPr>
-            <a:picLocks noChangeAspect="1"/>
-          </p:cNvPicPr>
-          <p:nvPr/>
-        </p:nvPicPr>
-        <p:blipFill rotWithShape="1">
-          <a:blip r:embed="rId2">
-            <a:extLst>
-              <a:ext uri="{28A0092B-C50C-407E-A947-70E740481C1C}">
-                <a14:useLocalDpi xmlns:a14="http://schemas.microsoft.com/office/drawing/2010/main" val="0"/>
-              </a:ext>
-            </a:extLst>
-          </a:blip>
-          <a:srcRect r="11133"/>
-          <a:stretch/>
-        </p:blipFill>
-        <p:spPr>
-          <a:xfrm rot="21600000">
-            <a:off x="3048" y="-7"/>
-            <a:ext cx="12188952" cy="6857990"/>
-          </a:xfrm>
-          <a:prstGeom prst="rect">
-            <a:avLst/>
-          </a:prstGeom>
-        </p:spPr>
-      </p:pic>
-      <p:sp>
-        <p:nvSpPr>
-          <p:cNvPr id="28" name="Rectangle">
-            <a:extLst>
-              <a:ext uri="{FF2B5EF4-FFF2-40B4-BE49-F238E27FC236}">
-                <a16:creationId xmlns:a16="http://schemas.microsoft.com/office/drawing/2014/main" id="{F7C9FD24-3092-E04F-925D-C1183BF54C06}"/>
-              </a:ext>
-              <a:ext uri="{C183D7F6-B498-43B3-948B-1728B52AA6E4}">
-                <adec:decorative xmlns:adec="http://schemas.microsoft.com/office/drawing/2017/decorative" val="1"/>
-              </a:ext>
-            </a:extLst>
-          </p:cNvPr>
-          <p:cNvSpPr>
-            <a:spLocks noGrp="1" noRot="1" noChangeAspect="1" noMove="1" noResize="1" noEditPoints="1" noAdjustHandles="1" noChangeArrowheads="1" noChangeShapeType="1" noTextEdit="1"/>
-          </p:cNvSpPr>
-          <p:nvPr>
-            <p:extLst>
-              <p:ext uri="{386F3935-93C4-4BCD-93E2-E3B085C9AB24}">
-                <p16:designElem xmlns:p16="http://schemas.microsoft.com/office/powerpoint/2015/main" val="1"/>
-              </p:ext>
-            </p:extLst>
-          </p:nvPr>
-        </p:nvSpPr>
-        <p:spPr>
-          <a:xfrm>
-            <a:off x="0" y="-1"/>
-            <a:ext cx="7551978" cy="6858001"/>
-          </a:xfrm>
-          <a:prstGeom prst="rect">
-            <a:avLst/>
-          </a:prstGeom>
-          <a:solidFill>
-            <a:schemeClr val="bg1">
-              <a:alpha val="85000"/>
-            </a:schemeClr>
-          </a:solidFill>
-          <a:ln w="12700">
-            <a:miter lim="400000"/>
-          </a:ln>
-        </p:spPr>
-        <p:txBody>
-          <a:bodyPr lIns="50800" tIns="50800" rIns="50800" bIns="50800" anchor="ctr"/>
-          <a:lstStyle/>
-          <a:p>
-            <a:pPr algn="ctr" defTabSz="457200"/>
-            <a:endParaRPr sz="2600" cap="all" dirty="0">
-              <a:solidFill>
-                <a:srgbClr val="FFFFFF"/>
-              </a:solidFill>
-              <a:sym typeface="Avenir Next"/>
-            </a:endParaRPr>
-          </a:p>
-        </p:txBody>
-      </p:sp>
-      <p:sp>
-        <p:nvSpPr>
-          <p:cNvPr id="30" name="Rectangle 29">
-            <a:extLst>
-              <a:ext uri="{FF2B5EF4-FFF2-40B4-BE49-F238E27FC236}">
-                <a16:creationId xmlns:a16="http://schemas.microsoft.com/office/drawing/2014/main" id="{D8C68F39-5E8A-844C-A8FD-394F253C1E5F}"/>
-              </a:ext>
-              <a:ext uri="{C183D7F6-B498-43B3-948B-1728B52AA6E4}">
-                <adec:decorative xmlns:adec="http://schemas.microsoft.com/office/drawing/2017/decorative" val="1"/>
-              </a:ext>
-            </a:extLst>
-          </p:cNvPr>
-          <p:cNvSpPr>
-            <a:spLocks noGrp="1" noRot="1" noChangeAspect="1" noMove="1" noResize="1" noEditPoints="1" noAdjustHandles="1" noChangeArrowheads="1" noChangeShapeType="1" noTextEdit="1"/>
-          </p:cNvSpPr>
-          <p:nvPr>
-            <p:extLst>
-              <p:ext uri="{386F3935-93C4-4BCD-93E2-E3B085C9AB24}">
-                <p16:designElem xmlns:p16="http://schemas.microsoft.com/office/powerpoint/2015/main" val="1"/>
-              </p:ext>
-            </p:extLst>
-          </p:nvPr>
-        </p:nvSpPr>
-        <p:spPr>
-          <a:xfrm>
-            <a:off x="7547153" y="565153"/>
-            <a:ext cx="1133856" cy="6292847"/>
-          </a:xfrm>
-          <a:prstGeom prst="rect">
-            <a:avLst/>
-          </a:prstGeom>
-          <a:gradFill flip="none" rotWithShape="1">
-            <a:gsLst>
-              <a:gs pos="0">
-                <a:schemeClr val="accent1">
-                  <a:alpha val="50000"/>
-                </a:schemeClr>
-              </a:gs>
-              <a:gs pos="81000">
-                <a:schemeClr val="accent4">
-                  <a:alpha val="50000"/>
-                </a:schemeClr>
-              </a:gs>
-              <a:gs pos="25000">
-                <a:schemeClr val="accent2">
-                  <a:alpha val="60000"/>
-                </a:schemeClr>
-              </a:gs>
-              <a:gs pos="50000">
-                <a:schemeClr val="accent3">
-                  <a:alpha val="55000"/>
-                </a:schemeClr>
-              </a:gs>
-              <a:gs pos="99000">
-                <a:schemeClr val="accent5">
-                  <a:alpha val="50000"/>
-                </a:schemeClr>
-              </a:gs>
-            </a:gsLst>
-            <a:path path="circle">
-              <a:fillToRect r="100000" b="100000"/>
-            </a:path>
-            <a:tileRect l="-100000" t="-100000"/>
-          </a:gradFill>
-          <a:ln>
-            <a:noFill/>
-          </a:ln>
-        </p:spPr>
-        <p:style>
-          <a:lnRef idx="2">
-            <a:schemeClr val="accent1">
-              <a:shade val="50000"/>
-            </a:schemeClr>
-          </a:lnRef>
-          <a:fillRef idx="1">
-            <a:schemeClr val="accent1"/>
-          </a:fillRef>
-          <a:effectRef idx="0">
-            <a:schemeClr val="accent1"/>
-          </a:effectRef>
-          <a:fontRef idx="minor">
-            <a:schemeClr val="lt1"/>
-          </a:fontRef>
-        </p:style>
-        <p:txBody>
-          <a:bodyPr rtlCol="0" anchor="ctr"/>
-          <a:lstStyle/>
-          <a:p>
-            <a:pPr algn="ctr"/>
-            <a:endParaRPr lang="en-US"/>
-          </a:p>
-        </p:txBody>
-      </p:sp>
-      <p:sp>
-        <p:nvSpPr>
-          <p:cNvPr id="32" name="Rectangle 31">
-            <a:extLst>
-              <a:ext uri="{FF2B5EF4-FFF2-40B4-BE49-F238E27FC236}">
-                <a16:creationId xmlns:a16="http://schemas.microsoft.com/office/drawing/2014/main" id="{BC583CEB-AC2B-2640-94F6-5958E6BC5BAB}"/>
-              </a:ext>
-              <a:ext uri="{C183D7F6-B498-43B3-948B-1728B52AA6E4}">
-                <adec:decorative xmlns:adec="http://schemas.microsoft.com/office/drawing/2017/decorative" val="1"/>
-              </a:ext>
-            </a:extLst>
-          </p:cNvPr>
-          <p:cNvSpPr>
-            <a:spLocks noGrp="1" noRot="1" noChangeAspect="1" noMove="1" noResize="1" noEditPoints="1" noAdjustHandles="1" noChangeArrowheads="1" noChangeShapeType="1" noTextEdit="1"/>
-          </p:cNvSpPr>
-          <p:nvPr>
-            <p:extLst>
-              <p:ext uri="{386F3935-93C4-4BCD-93E2-E3B085C9AB24}">
-                <p16:designElem xmlns:p16="http://schemas.microsoft.com/office/powerpoint/2015/main" val="1"/>
-              </p:ext>
-            </p:extLst>
-          </p:nvPr>
-        </p:nvSpPr>
-        <p:spPr>
-          <a:xfrm>
-            <a:off x="7547153" y="-3"/>
-            <a:ext cx="565150" cy="6857999"/>
-          </a:xfrm>
-          <a:prstGeom prst="rect">
-            <a:avLst/>
-          </a:prstGeom>
-          <a:gradFill flip="none" rotWithShape="1">
-            <a:gsLst>
-              <a:gs pos="0">
-                <a:schemeClr val="accent1">
-                  <a:alpha val="50000"/>
-                </a:schemeClr>
-              </a:gs>
-              <a:gs pos="81000">
-                <a:schemeClr val="accent4">
-                  <a:alpha val="50000"/>
-                </a:schemeClr>
-              </a:gs>
-              <a:gs pos="25000">
-                <a:schemeClr val="accent2">
-                  <a:alpha val="60000"/>
-                </a:schemeClr>
-              </a:gs>
-              <a:gs pos="49000">
-                <a:schemeClr val="accent3">
-                  <a:alpha val="55000"/>
-                </a:schemeClr>
-              </a:gs>
-              <a:gs pos="99000">
-                <a:schemeClr val="accent5">
-                  <a:alpha val="50000"/>
-                </a:schemeClr>
-              </a:gs>
-            </a:gsLst>
-            <a:path path="circle">
-              <a:fillToRect r="100000" b="100000"/>
-            </a:path>
-            <a:tileRect l="-100000" t="-100000"/>
-          </a:gradFill>
-          <a:ln>
-            <a:noFill/>
-          </a:ln>
-        </p:spPr>
-        <p:style>
-          <a:lnRef idx="2">
-            <a:schemeClr val="accent1">
-              <a:shade val="50000"/>
-            </a:schemeClr>
-          </a:lnRef>
-          <a:fillRef idx="1">
-            <a:schemeClr val="accent1"/>
-          </a:fillRef>
-          <a:effectRef idx="0">
-            <a:schemeClr val="accent1"/>
-          </a:effectRef>
-          <a:fontRef idx="minor">
-            <a:schemeClr val="lt1"/>
-          </a:fontRef>
-        </p:style>
-        <p:txBody>
-          <a:bodyPr rtlCol="0" anchor="ctr"/>
-          <a:lstStyle/>
-          <a:p>
-            <a:pPr algn="ctr"/>
-            <a:endParaRPr lang="en-US"/>
-          </a:p>
-        </p:txBody>
-      </p:sp>
-      <p:sp>
-        <p:nvSpPr>
-          <p:cNvPr id="2" name="Title 1">
-            <a:extLst>
-              <a:ext uri="{FF2B5EF4-FFF2-40B4-BE49-F238E27FC236}">
-                <a16:creationId xmlns:a16="http://schemas.microsoft.com/office/drawing/2014/main" id="{77E00784-0D04-40C5-9CE0-072226084BC1}"/>
-              </a:ext>
-            </a:extLst>
-          </p:cNvPr>
-          <p:cNvSpPr>
-            <a:spLocks noGrp="1"/>
-          </p:cNvSpPr>
-          <p:nvPr>
-            <p:ph type="title"/>
-          </p:nvPr>
-        </p:nvSpPr>
-        <p:spPr>
-          <a:xfrm>
-            <a:off x="565151" y="455362"/>
-            <a:ext cx="6400798" cy="1550419"/>
-          </a:xfrm>
-        </p:spPr>
-        <p:txBody>
-          <a:bodyPr vert="horz" lIns="91440" tIns="45720" rIns="91440" bIns="45720" rtlCol="0">
-            <a:normAutofit/>
-          </a:bodyPr>
-          <a:lstStyle/>
-          <a:p>
-            <a:r>
-              <a:rPr lang="en-US" sz="6000" dirty="0" err="1"/>
-              <a:t>Aktuálny</a:t>
-            </a:r>
-            <a:r>
-              <a:rPr lang="en-US" sz="6000" dirty="0"/>
-              <a:t> soft</a:t>
-            </a:r>
-            <a:r>
-              <a:rPr lang="sk-SK" sz="6000" dirty="0"/>
-              <a:t>v</a:t>
-            </a:r>
-            <a:r>
-              <a:rPr lang="en-US" sz="6000" dirty="0" err="1"/>
-              <a:t>ér</a:t>
-            </a:r>
-            <a:endParaRPr lang="en-US" sz="6000" dirty="0"/>
-          </a:p>
-        </p:txBody>
-      </p:sp>
-      <p:sp>
-        <p:nvSpPr>
-          <p:cNvPr id="23" name="Content Placeholder 22">
-            <a:extLst>
-              <a:ext uri="{FF2B5EF4-FFF2-40B4-BE49-F238E27FC236}">
-                <a16:creationId xmlns:a16="http://schemas.microsoft.com/office/drawing/2014/main" id="{C30A8329-FADB-409D-9226-38CD21F9EB82}"/>
-              </a:ext>
-            </a:extLst>
-          </p:cNvPr>
-          <p:cNvSpPr>
-            <a:spLocks noGrp="1"/>
-          </p:cNvSpPr>
-          <p:nvPr>
-            <p:ph idx="1"/>
-          </p:nvPr>
-        </p:nvSpPr>
-        <p:spPr>
-          <a:xfrm>
-            <a:off x="565151" y="2160016"/>
-            <a:ext cx="6400798" cy="3926152"/>
-          </a:xfrm>
-        </p:spPr>
-        <p:txBody>
-          <a:bodyPr>
-            <a:normAutofit/>
-          </a:bodyPr>
-          <a:lstStyle/>
-          <a:p>
-            <a:r>
-              <a:rPr lang="sk-SK" dirty="0"/>
-              <a:t>Sledovanie hladiny cukru (glykémiu)</a:t>
-            </a:r>
-          </a:p>
-          <a:p>
-            <a:r>
-              <a:rPr lang="sk-SK" dirty="0"/>
-              <a:t>Oznámenie o aktuálnej hladine cukru</a:t>
-            </a:r>
-          </a:p>
-          <a:p>
-            <a:pPr lvl="1"/>
-            <a:r>
-              <a:rPr lang="sk-SK" dirty="0"/>
-              <a:t>Informuje ak je nízka alebo vysoká hladina</a:t>
-            </a:r>
-          </a:p>
-          <a:p>
-            <a:r>
-              <a:rPr lang="sk-SK" dirty="0"/>
-              <a:t>Netreba mať so sebou papierovú verziu DIA-denníku</a:t>
-            </a:r>
-          </a:p>
-          <a:p>
-            <a:r>
-              <a:rPr lang="sk-SK" dirty="0"/>
-              <a:t>Komunikácia s RFID senzormi a inzulínovými pumpami</a:t>
-            </a:r>
-            <a:endParaRPr lang="en-US" dirty="0"/>
-          </a:p>
-        </p:txBody>
-      </p:sp>
-    </p:spTree>
-    <p:extLst>
-      <p:ext uri="{BB962C8B-B14F-4D97-AF65-F5344CB8AC3E}">
-        <p14:creationId xmlns:p14="http://schemas.microsoft.com/office/powerpoint/2010/main" val="1483009461"/>
-      </p:ext>
-    </p:extLst>
-  </p:cSld>
-  <p:clrMapOvr>
-    <a:masterClrMapping/>
-  </p:clrMapOvr>
-</p:sld>
-</file>
-
-<file path=ppt/slides/slide5.xml><?xml version="1.0" encoding="utf-8"?>
-<p:sld xmlns:a="http://schemas.openxmlformats.org/drawingml/2006/main" xmlns:r="http://schemas.openxmlformats.org/officeDocument/2006/relationships" xmlns:p="http://schemas.openxmlformats.org/presentationml/2006/main">
-  <p:cSld>
-    <p:bg>
-      <p:bgPr>
-        <a:solidFill>
-          <a:schemeClr val="bg1"/>
-        </a:solidFill>
-        <a:effectLst/>
-      </p:bgPr>
-    </p:bg>
-    <p:spTree>
-      <p:nvGrpSpPr>
-        <p:cNvPr id="1" name=""/>
-        <p:cNvGrpSpPr/>
-        <p:nvPr/>
-      </p:nvGrpSpPr>
-      <p:grpSpPr>
-        <a:xfrm>
-          <a:off x="0" y="0"/>
-          <a:ext cx="0" cy="0"/>
-          <a:chOff x="0" y="0"/>
-          <a:chExt cx="0" cy="0"/>
-        </a:xfrm>
-      </p:grpSpPr>
-      <p:sp useBgFill="1">
-        <p:nvSpPr>
-          <p:cNvPr id="9" name="Rectangle 8">
-            <a:extLst>
-              <a:ext uri="{FF2B5EF4-FFF2-40B4-BE49-F238E27FC236}">
-                <a16:creationId xmlns:a16="http://schemas.microsoft.com/office/drawing/2014/main" id="{C868C70C-E5C4-CD47-888C-FCB3373B6D38}"/>
-              </a:ext>
-              <a:ext uri="{C183D7F6-B498-43B3-948B-1728B52AA6E4}">
-                <adec:decorative xmlns:adec="http://schemas.microsoft.com/office/drawing/2017/decorative" val="1"/>
-              </a:ext>
-            </a:extLst>
-          </p:cNvPr>
-          <p:cNvSpPr>
-            <a:spLocks noGrp="1" noRot="1" noChangeAspect="1" noMove="1" noResize="1" noEditPoints="1" noAdjustHandles="1" noChangeArrowheads="1" noChangeShapeType="1" noTextEdit="1"/>
-          </p:cNvSpPr>
-          <p:nvPr>
-            <p:extLst>
-              <p:ext uri="{386F3935-93C4-4BCD-93E2-E3B085C9AB24}">
-                <p16:designElem xmlns:p16="http://schemas.microsoft.com/office/powerpoint/2015/main" val="1"/>
-              </p:ext>
-            </p:extLst>
-          </p:nvPr>
-        </p:nvSpPr>
-        <p:spPr>
-          <a:xfrm>
-            <a:off x="0" y="0"/>
-            <a:ext cx="12188952" cy="6858000"/>
-          </a:xfrm>
-          <a:prstGeom prst="rect">
-            <a:avLst/>
-          </a:prstGeom>
-          <a:ln>
-            <a:noFill/>
-          </a:ln>
-        </p:spPr>
-        <p:style>
-          <a:lnRef idx="2">
-            <a:schemeClr val="accent1">
-              <a:shade val="50000"/>
-            </a:schemeClr>
-          </a:lnRef>
-          <a:fillRef idx="1">
-            <a:schemeClr val="accent1"/>
-          </a:fillRef>
-          <a:effectRef idx="0">
-            <a:schemeClr val="accent1"/>
-          </a:effectRef>
-          <a:fontRef idx="minor">
-            <a:schemeClr val="lt1"/>
-          </a:fontRef>
-        </p:style>
-        <p:txBody>
-          <a:bodyPr rtlCol="0" anchor="ctr"/>
-          <a:lstStyle/>
-          <a:p>
-            <a:pPr algn="ctr"/>
-            <a:endParaRPr lang="en-US"/>
-          </a:p>
-        </p:txBody>
-      </p:sp>
-      <p:pic>
-        <p:nvPicPr>
-          <p:cNvPr id="4" name="Picture 3" descr="C. D. Man, D. M. Raimondo, R. A. Rizza, and C. Cobelli, \GIM, simulation&#10;software of meal glucose|insulin model,&quot; SAGE Publications, vol. 1,&#10;pp. 323{330, May 2007.">
-            <a:extLst>
-              <a:ext uri="{FF2B5EF4-FFF2-40B4-BE49-F238E27FC236}">
-                <a16:creationId xmlns:a16="http://schemas.microsoft.com/office/drawing/2014/main" id="{93A790FA-5AAA-4A6C-B19F-DC3E8B065B07}"/>
-              </a:ext>
-            </a:extLst>
-          </p:cNvPr>
-          <p:cNvPicPr>
-            <a:picLocks noChangeAspect="1"/>
-          </p:cNvPicPr>
-          <p:nvPr/>
-        </p:nvPicPr>
-        <p:blipFill rotWithShape="1">
-          <a:blip r:embed="rId2">
-            <a:extLst>
-              <a:ext uri="{28A0092B-C50C-407E-A947-70E740481C1C}">
-                <a14:useLocalDpi xmlns:a14="http://schemas.microsoft.com/office/drawing/2010/main" val="0"/>
-              </a:ext>
-            </a:extLst>
-          </a:blip>
-          <a:srcRect t="15719" r="-2" b="20746"/>
-          <a:stretch/>
-        </p:blipFill>
-        <p:spPr>
-          <a:xfrm rot="21600000">
-            <a:off x="3048" y="10"/>
-            <a:ext cx="12188952" cy="6857990"/>
-          </a:xfrm>
-          <a:prstGeom prst="rect">
-            <a:avLst/>
-          </a:prstGeom>
-        </p:spPr>
-      </p:pic>
-      <p:sp>
-        <p:nvSpPr>
-          <p:cNvPr id="11" name="Rectangle">
-            <a:extLst>
-              <a:ext uri="{FF2B5EF4-FFF2-40B4-BE49-F238E27FC236}">
-                <a16:creationId xmlns:a16="http://schemas.microsoft.com/office/drawing/2014/main" id="{F7C9FD24-3092-E04F-925D-C1183BF54C06}"/>
-              </a:ext>
-              <a:ext uri="{C183D7F6-B498-43B3-948B-1728B52AA6E4}">
-                <adec:decorative xmlns:adec="http://schemas.microsoft.com/office/drawing/2017/decorative" val="1"/>
-              </a:ext>
-            </a:extLst>
-          </p:cNvPr>
-          <p:cNvSpPr>
-            <a:spLocks noGrp="1" noRot="1" noChangeAspect="1" noMove="1" noResize="1" noEditPoints="1" noAdjustHandles="1" noChangeArrowheads="1" noChangeShapeType="1" noTextEdit="1"/>
-          </p:cNvSpPr>
-          <p:nvPr>
-            <p:extLst>
-              <p:ext uri="{386F3935-93C4-4BCD-93E2-E3B085C9AB24}">
-                <p16:designElem xmlns:p16="http://schemas.microsoft.com/office/powerpoint/2015/main" val="1"/>
-              </p:ext>
-            </p:extLst>
-          </p:nvPr>
-        </p:nvSpPr>
-        <p:spPr>
-          <a:xfrm>
-            <a:off x="0" y="-1"/>
-            <a:ext cx="7551978" cy="6858001"/>
-          </a:xfrm>
-          <a:prstGeom prst="rect">
-            <a:avLst/>
-          </a:prstGeom>
-          <a:solidFill>
-            <a:schemeClr val="bg1">
-              <a:alpha val="85000"/>
-            </a:schemeClr>
-          </a:solidFill>
-          <a:ln w="12700">
-            <a:miter lim="400000"/>
-          </a:ln>
-        </p:spPr>
-        <p:txBody>
-          <a:bodyPr lIns="50800" tIns="50800" rIns="50800" bIns="50800" anchor="ctr"/>
-          <a:lstStyle/>
-          <a:p>
-            <a:pPr algn="ctr" defTabSz="457200"/>
-            <a:endParaRPr sz="2600" cap="all" dirty="0">
-              <a:solidFill>
-                <a:srgbClr val="FFFFFF"/>
-              </a:solidFill>
-              <a:sym typeface="Avenir Next"/>
-            </a:endParaRPr>
-          </a:p>
-        </p:txBody>
-      </p:sp>
-      <p:sp>
-        <p:nvSpPr>
-          <p:cNvPr id="13" name="Rectangle 12">
-            <a:extLst>
-              <a:ext uri="{FF2B5EF4-FFF2-40B4-BE49-F238E27FC236}">
-                <a16:creationId xmlns:a16="http://schemas.microsoft.com/office/drawing/2014/main" id="{D8C68F39-5E8A-844C-A8FD-394F253C1E5F}"/>
-              </a:ext>
-              <a:ext uri="{C183D7F6-B498-43B3-948B-1728B52AA6E4}">
-                <adec:decorative xmlns:adec="http://schemas.microsoft.com/office/drawing/2017/decorative" val="1"/>
-              </a:ext>
-            </a:extLst>
-          </p:cNvPr>
-          <p:cNvSpPr>
-            <a:spLocks noGrp="1" noRot="1" noChangeAspect="1" noMove="1" noResize="1" noEditPoints="1" noAdjustHandles="1" noChangeArrowheads="1" noChangeShapeType="1" noTextEdit="1"/>
-          </p:cNvSpPr>
-          <p:nvPr>
-            <p:extLst>
-              <p:ext uri="{386F3935-93C4-4BCD-93E2-E3B085C9AB24}">
-                <p16:designElem xmlns:p16="http://schemas.microsoft.com/office/powerpoint/2015/main" val="1"/>
-              </p:ext>
-            </p:extLst>
-          </p:nvPr>
-        </p:nvSpPr>
-        <p:spPr>
-          <a:xfrm>
-            <a:off x="7547153" y="565153"/>
-            <a:ext cx="1133856" cy="6292847"/>
-          </a:xfrm>
-          <a:prstGeom prst="rect">
-            <a:avLst/>
-          </a:prstGeom>
-          <a:gradFill flip="none" rotWithShape="1">
-            <a:gsLst>
-              <a:gs pos="0">
-                <a:schemeClr val="accent1">
-                  <a:alpha val="50000"/>
-                </a:schemeClr>
-              </a:gs>
-              <a:gs pos="81000">
-                <a:schemeClr val="accent4">
-                  <a:alpha val="50000"/>
-                </a:schemeClr>
-              </a:gs>
-              <a:gs pos="25000">
-                <a:schemeClr val="accent2">
-                  <a:alpha val="60000"/>
-                </a:schemeClr>
-              </a:gs>
-              <a:gs pos="50000">
-                <a:schemeClr val="accent3">
-                  <a:alpha val="55000"/>
-                </a:schemeClr>
-              </a:gs>
-              <a:gs pos="99000">
-                <a:schemeClr val="accent5">
-                  <a:alpha val="50000"/>
-                </a:schemeClr>
-              </a:gs>
-            </a:gsLst>
-            <a:path path="circle">
-              <a:fillToRect r="100000" b="100000"/>
-            </a:path>
-            <a:tileRect l="-100000" t="-100000"/>
-          </a:gradFill>
-          <a:ln>
-            <a:noFill/>
-          </a:ln>
-        </p:spPr>
-        <p:style>
-          <a:lnRef idx="2">
-            <a:schemeClr val="accent1">
-              <a:shade val="50000"/>
-            </a:schemeClr>
-          </a:lnRef>
-          <a:fillRef idx="1">
-            <a:schemeClr val="accent1"/>
-          </a:fillRef>
-          <a:effectRef idx="0">
-            <a:schemeClr val="accent1"/>
-          </a:effectRef>
-          <a:fontRef idx="minor">
-            <a:schemeClr val="lt1"/>
-          </a:fontRef>
-        </p:style>
-        <p:txBody>
-          <a:bodyPr rtlCol="0" anchor="ctr"/>
-          <a:lstStyle/>
-          <a:p>
-            <a:pPr algn="ctr"/>
-            <a:endParaRPr lang="en-US"/>
-          </a:p>
-        </p:txBody>
-      </p:sp>
-      <p:sp>
-        <p:nvSpPr>
-          <p:cNvPr id="15" name="Rectangle 14">
-            <a:extLst>
-              <a:ext uri="{FF2B5EF4-FFF2-40B4-BE49-F238E27FC236}">
-                <a16:creationId xmlns:a16="http://schemas.microsoft.com/office/drawing/2014/main" id="{BC583CEB-AC2B-2640-94F6-5958E6BC5BAB}"/>
-              </a:ext>
-              <a:ext uri="{C183D7F6-B498-43B3-948B-1728B52AA6E4}">
-                <adec:decorative xmlns:adec="http://schemas.microsoft.com/office/drawing/2017/decorative" val="1"/>
-              </a:ext>
-            </a:extLst>
-          </p:cNvPr>
-          <p:cNvSpPr>
-            <a:spLocks noGrp="1" noRot="1" noChangeAspect="1" noMove="1" noResize="1" noEditPoints="1" noAdjustHandles="1" noChangeArrowheads="1" noChangeShapeType="1" noTextEdit="1"/>
-          </p:cNvSpPr>
-          <p:nvPr>
-            <p:extLst>
-              <p:ext uri="{386F3935-93C4-4BCD-93E2-E3B085C9AB24}">
-                <p16:designElem xmlns:p16="http://schemas.microsoft.com/office/powerpoint/2015/main" val="1"/>
-              </p:ext>
-            </p:extLst>
-          </p:nvPr>
-        </p:nvSpPr>
-        <p:spPr>
-          <a:xfrm>
-            <a:off x="7547153" y="-3"/>
-            <a:ext cx="565150" cy="6857999"/>
-          </a:xfrm>
-          <a:prstGeom prst="rect">
-            <a:avLst/>
-          </a:prstGeom>
-          <a:gradFill flip="none" rotWithShape="1">
-            <a:gsLst>
-              <a:gs pos="0">
-                <a:schemeClr val="accent1">
-                  <a:alpha val="50000"/>
-                </a:schemeClr>
-              </a:gs>
-              <a:gs pos="81000">
-                <a:schemeClr val="accent4">
-                  <a:alpha val="50000"/>
-                </a:schemeClr>
-              </a:gs>
-              <a:gs pos="25000">
-                <a:schemeClr val="accent2">
-                  <a:alpha val="60000"/>
-                </a:schemeClr>
-              </a:gs>
-              <a:gs pos="49000">
-                <a:schemeClr val="accent3">
-                  <a:alpha val="55000"/>
-                </a:schemeClr>
-              </a:gs>
-              <a:gs pos="99000">
-                <a:schemeClr val="accent5">
-                  <a:alpha val="50000"/>
-                </a:schemeClr>
-              </a:gs>
-            </a:gsLst>
-            <a:path path="circle">
-              <a:fillToRect r="100000" b="100000"/>
-            </a:path>
-            <a:tileRect l="-100000" t="-100000"/>
-          </a:gradFill>
-          <a:ln>
-            <a:noFill/>
-          </a:ln>
-        </p:spPr>
-        <p:style>
-          <a:lnRef idx="2">
-            <a:schemeClr val="accent1">
-              <a:shade val="50000"/>
-            </a:schemeClr>
-          </a:lnRef>
-          <a:fillRef idx="1">
-            <a:schemeClr val="accent1"/>
-          </a:fillRef>
-          <a:effectRef idx="0">
-            <a:schemeClr val="accent1"/>
-          </a:effectRef>
-          <a:fontRef idx="minor">
-            <a:schemeClr val="lt1"/>
-          </a:fontRef>
-        </p:style>
-        <p:txBody>
-          <a:bodyPr rtlCol="0" anchor="ctr"/>
-          <a:lstStyle/>
-          <a:p>
-            <a:pPr algn="ctr"/>
-            <a:endParaRPr lang="en-US"/>
-          </a:p>
-        </p:txBody>
-      </p:sp>
-      <p:sp>
-        <p:nvSpPr>
-          <p:cNvPr id="2" name="Title 1">
-            <a:extLst>
-              <a:ext uri="{FF2B5EF4-FFF2-40B4-BE49-F238E27FC236}">
-                <a16:creationId xmlns:a16="http://schemas.microsoft.com/office/drawing/2014/main" id="{F05655D2-8674-4C4D-8FA8-5EDFBA3E2CD7}"/>
-              </a:ext>
-            </a:extLst>
-          </p:cNvPr>
-          <p:cNvSpPr>
-            <a:spLocks noGrp="1"/>
-          </p:cNvSpPr>
-          <p:nvPr>
-            <p:ph type="title"/>
-          </p:nvPr>
-        </p:nvSpPr>
-        <p:spPr>
-          <a:xfrm>
-            <a:off x="565151" y="455362"/>
-            <a:ext cx="6400798" cy="1550419"/>
-          </a:xfrm>
-        </p:spPr>
-        <p:txBody>
-          <a:bodyPr>
-            <a:normAutofit/>
-          </a:bodyPr>
-          <a:lstStyle/>
-          <a:p>
-            <a:r>
-              <a:rPr lang="sk-SK" dirty="0"/>
-              <a:t>GIM – </a:t>
-            </a:r>
-            <a:r>
-              <a:rPr lang="sk-SK" dirty="0" err="1"/>
-              <a:t>Glucose</a:t>
-            </a:r>
-            <a:r>
-              <a:rPr lang="sk-SK" dirty="0"/>
-              <a:t> </a:t>
-            </a:r>
-            <a:r>
-              <a:rPr lang="sk-SK" dirty="0" err="1"/>
-              <a:t>Insuline</a:t>
-            </a:r>
-            <a:r>
-              <a:rPr lang="sk-SK" dirty="0"/>
-              <a:t> Model</a:t>
-            </a:r>
-            <a:endParaRPr lang="en-US" dirty="0"/>
-          </a:p>
-        </p:txBody>
-      </p:sp>
-      <p:sp>
-        <p:nvSpPr>
-          <p:cNvPr id="3" name="Content Placeholder 2">
-            <a:extLst>
-              <a:ext uri="{FF2B5EF4-FFF2-40B4-BE49-F238E27FC236}">
-                <a16:creationId xmlns:a16="http://schemas.microsoft.com/office/drawing/2014/main" id="{8AC74028-26A6-48F9-91AE-7AA070AF0494}"/>
-              </a:ext>
-            </a:extLst>
-          </p:cNvPr>
-          <p:cNvSpPr>
-            <a:spLocks noGrp="1"/>
-          </p:cNvSpPr>
-          <p:nvPr>
-            <p:ph idx="1"/>
-          </p:nvPr>
-        </p:nvSpPr>
-        <p:spPr>
-          <a:xfrm>
-            <a:off x="565151" y="2160016"/>
-            <a:ext cx="6400798" cy="3926152"/>
-          </a:xfrm>
-        </p:spPr>
-        <p:txBody>
-          <a:bodyPr>
-            <a:normAutofit/>
-          </a:bodyPr>
-          <a:lstStyle/>
-          <a:p>
-            <a:r>
-              <a:rPr lang="sk-SK" dirty="0"/>
-              <a:t>Laboratórny program</a:t>
-            </a:r>
-          </a:p>
-          <a:p>
-            <a:r>
-              <a:rPr lang="sk-SK" dirty="0"/>
-              <a:t>Pomáha lekárom nastavovať pacientov na nové inzulíny</a:t>
-            </a:r>
-          </a:p>
-          <a:p>
-            <a:endParaRPr lang="sk-SK" dirty="0"/>
-          </a:p>
-          <a:p>
-            <a:r>
-              <a:rPr lang="sk-SK" dirty="0"/>
-              <a:t>Nevyužiteľnosť pre bežného pacienta</a:t>
-            </a:r>
-          </a:p>
-        </p:txBody>
-      </p:sp>
-    </p:spTree>
-    <p:extLst>
-      <p:ext uri="{BB962C8B-B14F-4D97-AF65-F5344CB8AC3E}">
-        <p14:creationId xmlns:p14="http://schemas.microsoft.com/office/powerpoint/2010/main" val="118994788"/>
-      </p:ext>
-    </p:extLst>
-  </p:cSld>
-  <p:clrMapOvr>
-    <a:masterClrMapping/>
-  </p:clrMapOvr>
-</p:sld>
-</file>
-
-<file path=ppt/slides/slide6.xml><?xml version="1.0" encoding="utf-8"?>
-<p:sld xmlns:a="http://schemas.openxmlformats.org/drawingml/2006/main" xmlns:r="http://schemas.openxmlformats.org/officeDocument/2006/relationships" xmlns:p="http://schemas.openxmlformats.org/presentationml/2006/main">
-  <p:cSld>
-    <p:bg>
-      <p:bgPr>
-        <a:solidFill>
-          <a:schemeClr val="bg1"/>
-        </a:solidFill>
-        <a:effectLst/>
-      </p:bgPr>
-    </p:bg>
-    <p:spTree>
-      <p:nvGrpSpPr>
-        <p:cNvPr id="1" name=""/>
-        <p:cNvGrpSpPr/>
-        <p:nvPr/>
-      </p:nvGrpSpPr>
-      <p:grpSpPr>
-        <a:xfrm>
-          <a:off x="0" y="0"/>
-          <a:ext cx="0" cy="0"/>
-          <a:chOff x="0" y="0"/>
-          <a:chExt cx="0" cy="0"/>
-        </a:xfrm>
-      </p:grpSpPr>
-      <p:sp useBgFill="1">
-        <p:nvSpPr>
-          <p:cNvPr id="9" name="Rectangle 8">
-            <a:extLst>
-              <a:ext uri="{FF2B5EF4-FFF2-40B4-BE49-F238E27FC236}">
-                <a16:creationId xmlns:a16="http://schemas.microsoft.com/office/drawing/2014/main" id="{C868C70C-E5C4-CD47-888C-FCB3373B6D38}"/>
-              </a:ext>
-              <a:ext uri="{C183D7F6-B498-43B3-948B-1728B52AA6E4}">
-                <adec:decorative xmlns:adec="http://schemas.microsoft.com/office/drawing/2017/decorative" val="1"/>
-              </a:ext>
-            </a:extLst>
-          </p:cNvPr>
-          <p:cNvSpPr>
-            <a:spLocks noGrp="1" noRot="1" noChangeAspect="1" noMove="1" noResize="1" noEditPoints="1" noAdjustHandles="1" noChangeArrowheads="1" noChangeShapeType="1" noTextEdit="1"/>
-          </p:cNvSpPr>
-          <p:nvPr>
-            <p:extLst>
-              <p:ext uri="{386F3935-93C4-4BCD-93E2-E3B085C9AB24}">
-                <p16:designElem xmlns:p16="http://schemas.microsoft.com/office/powerpoint/2015/main" val="1"/>
-              </p:ext>
-            </p:extLst>
-          </p:nvPr>
-        </p:nvSpPr>
-        <p:spPr>
-          <a:xfrm>
-            <a:off x="0" y="0"/>
-            <a:ext cx="12188952" cy="6858000"/>
-          </a:xfrm>
-          <a:prstGeom prst="rect">
-            <a:avLst/>
-          </a:prstGeom>
-          <a:ln>
-            <a:noFill/>
-          </a:ln>
-        </p:spPr>
-        <p:style>
-          <a:lnRef idx="2">
-            <a:schemeClr val="accent1">
-              <a:shade val="50000"/>
-            </a:schemeClr>
-          </a:lnRef>
-          <a:fillRef idx="1">
-            <a:schemeClr val="accent1"/>
-          </a:fillRef>
-          <a:effectRef idx="0">
-            <a:schemeClr val="accent1"/>
-          </a:effectRef>
-          <a:fontRef idx="minor">
-            <a:schemeClr val="lt1"/>
-          </a:fontRef>
-        </p:style>
-        <p:txBody>
-          <a:bodyPr rtlCol="0" anchor="ctr"/>
-          <a:lstStyle/>
-          <a:p>
-            <a:pPr algn="ctr"/>
-            <a:endParaRPr lang="en-US"/>
-          </a:p>
-        </p:txBody>
-      </p:sp>
-      <p:pic>
-        <p:nvPicPr>
-          <p:cNvPr id="4" name="Picture 3" descr="Diagram&#10;&#10;Description automatically generated">
-            <a:extLst>
-              <a:ext uri="{FF2B5EF4-FFF2-40B4-BE49-F238E27FC236}">
-                <a16:creationId xmlns:a16="http://schemas.microsoft.com/office/drawing/2014/main" id="{48C6A8CD-704C-4B48-BDF5-5F1AB1265862}"/>
-              </a:ext>
-            </a:extLst>
-          </p:cNvPr>
-          <p:cNvPicPr>
-            <a:picLocks noChangeAspect="1"/>
-          </p:cNvPicPr>
-          <p:nvPr/>
-        </p:nvPicPr>
-        <p:blipFill rotWithShape="1">
-          <a:blip r:embed="rId2">
-            <a:extLst>
-              <a:ext uri="{28A0092B-C50C-407E-A947-70E740481C1C}">
-                <a14:useLocalDpi xmlns:a14="http://schemas.microsoft.com/office/drawing/2010/main" val="0"/>
-              </a:ext>
-            </a:extLst>
-          </a:blip>
-          <a:srcRect l="5115" r="12123" b="-1"/>
-          <a:stretch/>
-        </p:blipFill>
-        <p:spPr>
-          <a:xfrm>
-            <a:off x="4748403" y="10"/>
-            <a:ext cx="7443597" cy="6857990"/>
-          </a:xfrm>
-          <a:prstGeom prst="rect">
-            <a:avLst/>
-          </a:prstGeom>
-        </p:spPr>
-      </p:pic>
-      <p:sp>
-        <p:nvSpPr>
-          <p:cNvPr id="11" name="Rectangle 10">
-            <a:extLst>
-              <a:ext uri="{FF2B5EF4-FFF2-40B4-BE49-F238E27FC236}">
-                <a16:creationId xmlns:a16="http://schemas.microsoft.com/office/drawing/2014/main" id="{D8C68F39-5E8A-844C-A8FD-394F253C1E5F}"/>
-              </a:ext>
-              <a:ext uri="{C183D7F6-B498-43B3-948B-1728B52AA6E4}">
-                <adec:decorative xmlns:adec="http://schemas.microsoft.com/office/drawing/2017/decorative" val="1"/>
-              </a:ext>
-            </a:extLst>
-          </p:cNvPr>
-          <p:cNvSpPr>
-            <a:spLocks noGrp="1" noRot="1" noChangeAspect="1" noMove="1" noResize="1" noEditPoints="1" noAdjustHandles="1" noChangeArrowheads="1" noChangeShapeType="1" noTextEdit="1"/>
-          </p:cNvSpPr>
-          <p:nvPr>
-            <p:extLst>
-              <p:ext uri="{386F3935-93C4-4BCD-93E2-E3B085C9AB24}">
-                <p16:designElem xmlns:p16="http://schemas.microsoft.com/office/powerpoint/2015/main" val="1"/>
-              </p:ext>
-            </p:extLst>
-          </p:nvPr>
-        </p:nvSpPr>
-        <p:spPr>
-          <a:xfrm>
-            <a:off x="4748403" y="565153"/>
-            <a:ext cx="1133856" cy="6292847"/>
-          </a:xfrm>
-          <a:prstGeom prst="rect">
-            <a:avLst/>
-          </a:prstGeom>
-          <a:gradFill flip="none" rotWithShape="1">
-            <a:gsLst>
-              <a:gs pos="0">
-                <a:schemeClr val="accent1">
-                  <a:alpha val="50000"/>
-                </a:schemeClr>
-              </a:gs>
-              <a:gs pos="81000">
-                <a:schemeClr val="accent4">
-                  <a:alpha val="50000"/>
-                </a:schemeClr>
-              </a:gs>
-              <a:gs pos="25000">
-                <a:schemeClr val="accent2">
-                  <a:alpha val="60000"/>
-                </a:schemeClr>
-              </a:gs>
-              <a:gs pos="50000">
-                <a:schemeClr val="accent3">
-                  <a:alpha val="55000"/>
-                </a:schemeClr>
-              </a:gs>
-              <a:gs pos="99000">
-                <a:schemeClr val="accent5">
-                  <a:alpha val="50000"/>
-                </a:schemeClr>
-              </a:gs>
-            </a:gsLst>
-            <a:path path="circle">
-              <a:fillToRect r="100000" b="100000"/>
-            </a:path>
-            <a:tileRect l="-100000" t="-100000"/>
-          </a:gradFill>
-          <a:ln>
-            <a:noFill/>
-          </a:ln>
-        </p:spPr>
-        <p:style>
-          <a:lnRef idx="2">
-            <a:schemeClr val="accent1">
-              <a:shade val="50000"/>
-            </a:schemeClr>
-          </a:lnRef>
-          <a:fillRef idx="1">
-            <a:schemeClr val="accent1"/>
-          </a:fillRef>
-          <a:effectRef idx="0">
-            <a:schemeClr val="accent1"/>
-          </a:effectRef>
-          <a:fontRef idx="minor">
-            <a:schemeClr val="lt1"/>
-          </a:fontRef>
-        </p:style>
-        <p:txBody>
-          <a:bodyPr rtlCol="0" anchor="ctr"/>
-          <a:lstStyle/>
-          <a:p>
-            <a:pPr algn="ctr"/>
-            <a:endParaRPr lang="en-US"/>
-          </a:p>
-        </p:txBody>
-      </p:sp>
-      <p:sp>
-        <p:nvSpPr>
-          <p:cNvPr id="13" name="Rectangle 12">
-            <a:extLst>
-              <a:ext uri="{FF2B5EF4-FFF2-40B4-BE49-F238E27FC236}">
-                <a16:creationId xmlns:a16="http://schemas.microsoft.com/office/drawing/2014/main" id="{BC583CEB-AC2B-2640-94F6-5958E6BC5BAB}"/>
-              </a:ext>
-              <a:ext uri="{C183D7F6-B498-43B3-948B-1728B52AA6E4}">
-                <adec:decorative xmlns:adec="http://schemas.microsoft.com/office/drawing/2017/decorative" val="1"/>
-              </a:ext>
-            </a:extLst>
-          </p:cNvPr>
-          <p:cNvSpPr>
-            <a:spLocks noGrp="1" noRot="1" noChangeAspect="1" noMove="1" noResize="1" noEditPoints="1" noAdjustHandles="1" noChangeArrowheads="1" noChangeShapeType="1" noTextEdit="1"/>
-          </p:cNvSpPr>
-          <p:nvPr>
-            <p:extLst>
-              <p:ext uri="{386F3935-93C4-4BCD-93E2-E3B085C9AB24}">
-                <p16:designElem xmlns:p16="http://schemas.microsoft.com/office/powerpoint/2015/main" val="1"/>
-              </p:ext>
-            </p:extLst>
-          </p:nvPr>
-        </p:nvSpPr>
-        <p:spPr>
-          <a:xfrm>
-            <a:off x="4748403" y="-3"/>
-            <a:ext cx="565150" cy="6857999"/>
-          </a:xfrm>
-          <a:prstGeom prst="rect">
-            <a:avLst/>
-          </a:prstGeom>
-          <a:gradFill flip="none" rotWithShape="1">
-            <a:gsLst>
-              <a:gs pos="0">
-                <a:schemeClr val="accent1">
-                  <a:alpha val="50000"/>
-                </a:schemeClr>
-              </a:gs>
-              <a:gs pos="81000">
-                <a:schemeClr val="accent4">
-                  <a:alpha val="50000"/>
-                </a:schemeClr>
-              </a:gs>
-              <a:gs pos="25000">
-                <a:schemeClr val="accent2">
-                  <a:alpha val="60000"/>
-                </a:schemeClr>
-              </a:gs>
-              <a:gs pos="49000">
-                <a:schemeClr val="accent3">
-                  <a:alpha val="55000"/>
-                </a:schemeClr>
-              </a:gs>
-              <a:gs pos="99000">
-                <a:schemeClr val="accent5">
-                  <a:alpha val="50000"/>
-                </a:schemeClr>
-              </a:gs>
-            </a:gsLst>
-            <a:path path="circle">
-              <a:fillToRect r="100000" b="100000"/>
-            </a:path>
-            <a:tileRect l="-100000" t="-100000"/>
-          </a:gradFill>
-          <a:ln>
-            <a:noFill/>
-          </a:ln>
-        </p:spPr>
-        <p:style>
-          <a:lnRef idx="2">
-            <a:schemeClr val="accent1">
-              <a:shade val="50000"/>
-            </a:schemeClr>
-          </a:lnRef>
-          <a:fillRef idx="1">
-            <a:schemeClr val="accent1"/>
-          </a:fillRef>
-          <a:effectRef idx="0">
-            <a:schemeClr val="accent1"/>
-          </a:effectRef>
-          <a:fontRef idx="minor">
-            <a:schemeClr val="lt1"/>
-          </a:fontRef>
-        </p:style>
-        <p:txBody>
-          <a:bodyPr rtlCol="0" anchor="ctr"/>
-          <a:lstStyle/>
-          <a:p>
-            <a:pPr algn="ctr"/>
-            <a:endParaRPr lang="en-US"/>
-          </a:p>
-        </p:txBody>
-      </p:sp>
-      <p:sp>
-        <p:nvSpPr>
-          <p:cNvPr id="2" name="Title 1">
-            <a:extLst>
-              <a:ext uri="{FF2B5EF4-FFF2-40B4-BE49-F238E27FC236}">
-                <a16:creationId xmlns:a16="http://schemas.microsoft.com/office/drawing/2014/main" id="{00307CE9-4ACC-4483-BABA-6F582EEDBB42}"/>
-              </a:ext>
-            </a:extLst>
-          </p:cNvPr>
-          <p:cNvSpPr>
-            <a:spLocks noGrp="1"/>
-          </p:cNvSpPr>
-          <p:nvPr>
-            <p:ph type="title"/>
-          </p:nvPr>
-        </p:nvSpPr>
-        <p:spPr>
-          <a:xfrm>
-            <a:off x="576072" y="455362"/>
-            <a:ext cx="3603625" cy="1550419"/>
-          </a:xfrm>
-        </p:spPr>
-        <p:txBody>
-          <a:bodyPr>
-            <a:normAutofit/>
-          </a:bodyPr>
-          <a:lstStyle/>
-          <a:p>
-            <a:r>
-              <a:rPr lang="sk-SK" dirty="0"/>
-              <a:t>Inteligentný softvér</a:t>
-            </a:r>
-            <a:endParaRPr lang="en-US" dirty="0"/>
-          </a:p>
-        </p:txBody>
-      </p:sp>
-      <p:sp>
-        <p:nvSpPr>
-          <p:cNvPr id="3" name="Content Placeholder 2">
-            <a:extLst>
-              <a:ext uri="{FF2B5EF4-FFF2-40B4-BE49-F238E27FC236}">
-                <a16:creationId xmlns:a16="http://schemas.microsoft.com/office/drawing/2014/main" id="{B5D6916C-E435-4F66-8355-D794FC797B5E}"/>
-              </a:ext>
-            </a:extLst>
-          </p:cNvPr>
-          <p:cNvSpPr>
-            <a:spLocks noGrp="1"/>
-          </p:cNvSpPr>
-          <p:nvPr>
-            <p:ph idx="1"/>
-          </p:nvPr>
-        </p:nvSpPr>
-        <p:spPr>
-          <a:xfrm>
-            <a:off x="576072" y="2160016"/>
-            <a:ext cx="3603625" cy="3926152"/>
-          </a:xfrm>
-        </p:spPr>
-        <p:txBody>
-          <a:bodyPr>
-            <a:normAutofit/>
-          </a:bodyPr>
-          <a:lstStyle/>
-          <a:p>
-            <a:pPr>
-              <a:lnSpc>
-                <a:spcPct val="100000"/>
-              </a:lnSpc>
-            </a:pPr>
-            <a:r>
-              <a:rPr lang="sk-SK" sz="1900" dirty="0"/>
-              <a:t>AI predpoveď hladiny cukru s presnosťou na 10.5 %</a:t>
-            </a:r>
-          </a:p>
-          <a:p>
-            <a:pPr>
-              <a:lnSpc>
-                <a:spcPct val="100000"/>
-              </a:lnSpc>
-            </a:pPr>
-            <a:r>
-              <a:rPr lang="sk-SK" sz="1900" dirty="0" err="1"/>
-              <a:t>Fuzzy</a:t>
-            </a:r>
-            <a:r>
-              <a:rPr lang="sk-SK" sz="1900" dirty="0"/>
-              <a:t> logika založená na pravidlách</a:t>
-            </a:r>
-          </a:p>
-          <a:p>
-            <a:pPr>
-              <a:lnSpc>
-                <a:spcPct val="100000"/>
-              </a:lnSpc>
-            </a:pPr>
-            <a:r>
-              <a:rPr lang="sk-SK" sz="1900" dirty="0"/>
-              <a:t>Výstupom je číslo označujúce stav pacienta</a:t>
-            </a:r>
-          </a:p>
-          <a:p>
-            <a:pPr>
-              <a:lnSpc>
-                <a:spcPct val="100000"/>
-              </a:lnSpc>
-            </a:pPr>
-            <a:r>
-              <a:rPr lang="sk-SK" sz="1900" dirty="0"/>
-              <a:t>Pomocou čísla sa dá určiť, či potrebuje akútnu lekársku starostlivosť</a:t>
-            </a:r>
-          </a:p>
-          <a:p>
-            <a:pPr>
-              <a:lnSpc>
-                <a:spcPct val="100000"/>
-              </a:lnSpc>
-            </a:pPr>
-            <a:r>
-              <a:rPr lang="sk-SK" sz="1900" dirty="0"/>
-              <a:t>Zabrániť zlým vedľajším komplikáciám </a:t>
-            </a:r>
-          </a:p>
-        </p:txBody>
-      </p:sp>
-    </p:spTree>
-    <p:extLst>
-      <p:ext uri="{BB962C8B-B14F-4D97-AF65-F5344CB8AC3E}">
-        <p14:creationId xmlns:p14="http://schemas.microsoft.com/office/powerpoint/2010/main" val="1876815841"/>
-      </p:ext>
-    </p:extLst>
-  </p:cSld>
-  <p:clrMapOvr>
-    <a:masterClrMapping/>
-  </p:clrMapOvr>
-</p:sld>
-</file>
-
-<file path=ppt/slides/slide7.xml><?xml version="1.0" encoding="utf-8"?>
-<p:sld xmlns:a="http://schemas.openxmlformats.org/drawingml/2006/main" xmlns:r="http://schemas.openxmlformats.org/officeDocument/2006/relationships" xmlns:p="http://schemas.openxmlformats.org/presentationml/2006/main">
-  <p:cSld>
-    <p:bg>
-      <p:bgPr>
-        <a:solidFill>
-          <a:schemeClr val="bg1"/>
-        </a:solidFill>
-        <a:effectLst/>
-      </p:bgPr>
-    </p:bg>
-    <p:spTree>
-      <p:nvGrpSpPr>
-        <p:cNvPr id="1" name=""/>
-        <p:cNvGrpSpPr/>
-        <p:nvPr/>
-      </p:nvGrpSpPr>
-      <p:grpSpPr>
-        <a:xfrm>
-          <a:off x="0" y="0"/>
-          <a:ext cx="0" cy="0"/>
-          <a:chOff x="0" y="0"/>
-          <a:chExt cx="0" cy="0"/>
-        </a:xfrm>
-      </p:grpSpPr>
-      <p:sp useBgFill="1">
-        <p:nvSpPr>
-          <p:cNvPr id="9" name="Rectangle 8">
-            <a:extLst>
-              <a:ext uri="{FF2B5EF4-FFF2-40B4-BE49-F238E27FC236}">
-                <a16:creationId xmlns:a16="http://schemas.microsoft.com/office/drawing/2014/main" id="{C868C70C-E5C4-CD47-888C-FCB3373B6D38}"/>
-              </a:ext>
-              <a:ext uri="{C183D7F6-B498-43B3-948B-1728B52AA6E4}">
-                <adec:decorative xmlns:adec="http://schemas.microsoft.com/office/drawing/2017/decorative" val="1"/>
-              </a:ext>
-            </a:extLst>
-          </p:cNvPr>
-          <p:cNvSpPr>
-            <a:spLocks noGrp="1" noRot="1" noChangeAspect="1" noMove="1" noResize="1" noEditPoints="1" noAdjustHandles="1" noChangeArrowheads="1" noChangeShapeType="1" noTextEdit="1"/>
-          </p:cNvSpPr>
-          <p:nvPr>
-            <p:extLst>
-              <p:ext uri="{386F3935-93C4-4BCD-93E2-E3B085C9AB24}">
-                <p16:designElem xmlns:p16="http://schemas.microsoft.com/office/powerpoint/2015/main" val="1"/>
-              </p:ext>
-            </p:extLst>
-          </p:nvPr>
-        </p:nvSpPr>
-        <p:spPr>
-          <a:xfrm>
-            <a:off x="0" y="0"/>
-            <a:ext cx="12188952" cy="6858000"/>
-          </a:xfrm>
-          <a:prstGeom prst="rect">
-            <a:avLst/>
-          </a:prstGeom>
-          <a:ln>
-            <a:noFill/>
-          </a:ln>
-        </p:spPr>
-        <p:style>
-          <a:lnRef idx="2">
-            <a:schemeClr val="accent1">
-              <a:shade val="50000"/>
-            </a:schemeClr>
-          </a:lnRef>
-          <a:fillRef idx="1">
-            <a:schemeClr val="accent1"/>
-          </a:fillRef>
-          <a:effectRef idx="0">
-            <a:schemeClr val="accent1"/>
-          </a:effectRef>
-          <a:fontRef idx="minor">
-            <a:schemeClr val="lt1"/>
-          </a:fontRef>
-        </p:style>
-        <p:txBody>
-          <a:bodyPr rtlCol="0" anchor="ctr"/>
-          <a:lstStyle/>
-          <a:p>
-            <a:pPr algn="ctr"/>
-            <a:endParaRPr lang="en-US"/>
-          </a:p>
-        </p:txBody>
-      </p:sp>
-      <p:sp>
-        <p:nvSpPr>
-          <p:cNvPr id="11" name="Rectangle 10">
-            <a:extLst>
-              <a:ext uri="{FF2B5EF4-FFF2-40B4-BE49-F238E27FC236}">
-                <a16:creationId xmlns:a16="http://schemas.microsoft.com/office/drawing/2014/main" id="{15A8DDA3-B4FC-D445-AA06-C92ABAE24BAB}"/>
-              </a:ext>
-              <a:ext uri="{C183D7F6-B498-43B3-948B-1728B52AA6E4}">
-                <adec:decorative xmlns:adec="http://schemas.microsoft.com/office/drawing/2017/decorative" val="1"/>
-              </a:ext>
-            </a:extLst>
-          </p:cNvPr>
-          <p:cNvSpPr>
-            <a:spLocks noGrp="1" noRot="1" noChangeAspect="1" noMove="1" noResize="1" noEditPoints="1" noAdjustHandles="1" noChangeArrowheads="1" noChangeShapeType="1" noTextEdit="1"/>
-          </p:cNvSpPr>
-          <p:nvPr>
-            <p:extLst>
-              <p:ext uri="{386F3935-93C4-4BCD-93E2-E3B085C9AB24}">
-                <p16:designElem xmlns:p16="http://schemas.microsoft.com/office/powerpoint/2015/main" val="1"/>
-              </p:ext>
-            </p:extLst>
-          </p:nvPr>
-        </p:nvSpPr>
-        <p:spPr>
-          <a:xfrm>
-            <a:off x="1388543" y="5476671"/>
-            <a:ext cx="2770698" cy="1381329"/>
-          </a:xfrm>
-          <a:prstGeom prst="rect">
-            <a:avLst/>
-          </a:prstGeom>
-          <a:gradFill flip="none" rotWithShape="1">
-            <a:gsLst>
-              <a:gs pos="0">
-                <a:schemeClr val="accent1">
-                  <a:alpha val="50000"/>
-                </a:schemeClr>
-              </a:gs>
-              <a:gs pos="81000">
-                <a:schemeClr val="accent4">
-                  <a:alpha val="50000"/>
-                </a:schemeClr>
-              </a:gs>
-              <a:gs pos="25000">
-                <a:schemeClr val="accent2">
-                  <a:alpha val="60000"/>
-                </a:schemeClr>
-              </a:gs>
-              <a:gs pos="50000">
-                <a:schemeClr val="accent3">
-                  <a:alpha val="55000"/>
-                </a:schemeClr>
-              </a:gs>
-              <a:gs pos="99000">
-                <a:schemeClr val="accent5">
-                  <a:alpha val="50000"/>
-                </a:schemeClr>
-              </a:gs>
-            </a:gsLst>
-            <a:path path="circle">
-              <a:fillToRect r="100000" b="100000"/>
-            </a:path>
-            <a:tileRect l="-100000" t="-100000"/>
-          </a:gradFill>
-          <a:ln>
-            <a:noFill/>
-          </a:ln>
-        </p:spPr>
-        <p:style>
-          <a:lnRef idx="2">
-            <a:schemeClr val="accent1">
-              <a:shade val="50000"/>
-            </a:schemeClr>
-          </a:lnRef>
-          <a:fillRef idx="1">
-            <a:schemeClr val="accent1"/>
-          </a:fillRef>
-          <a:effectRef idx="0">
-            <a:schemeClr val="accent1"/>
-          </a:effectRef>
-          <a:fontRef idx="minor">
-            <a:schemeClr val="lt1"/>
-          </a:fontRef>
-        </p:style>
-        <p:txBody>
-          <a:bodyPr rtlCol="0" anchor="ctr"/>
-          <a:lstStyle/>
-          <a:p>
-            <a:pPr lvl="0" algn="ctr"/>
-            <a:endParaRPr lang="en-US"/>
-          </a:p>
-        </p:txBody>
-      </p:sp>
-      <p:sp>
-        <p:nvSpPr>
-          <p:cNvPr id="13" name="Rectangle 12">
-            <a:extLst>
-              <a:ext uri="{FF2B5EF4-FFF2-40B4-BE49-F238E27FC236}">
-                <a16:creationId xmlns:a16="http://schemas.microsoft.com/office/drawing/2014/main" id="{9FD0692D-A304-5E4A-BCD9-C00690321FBC}"/>
-              </a:ext>
-              <a:ext uri="{C183D7F6-B498-43B3-948B-1728B52AA6E4}">
-                <adec:decorative xmlns:adec="http://schemas.microsoft.com/office/drawing/2017/decorative" val="1"/>
-              </a:ext>
-            </a:extLst>
-          </p:cNvPr>
-          <p:cNvSpPr>
-            <a:spLocks noGrp="1" noRot="1" noChangeAspect="1" noMove="1" noResize="1" noEditPoints="1" noAdjustHandles="1" noChangeArrowheads="1" noChangeShapeType="1" noTextEdit="1"/>
-          </p:cNvSpPr>
-          <p:nvPr>
-            <p:extLst>
-              <p:ext uri="{386F3935-93C4-4BCD-93E2-E3B085C9AB24}">
-                <p16:designElem xmlns:p16="http://schemas.microsoft.com/office/powerpoint/2015/main" val="1"/>
-              </p:ext>
-            </p:extLst>
-          </p:nvPr>
-        </p:nvSpPr>
-        <p:spPr>
-          <a:xfrm>
-            <a:off x="1388542" y="4101177"/>
-            <a:ext cx="1373567" cy="2756824"/>
-          </a:xfrm>
-          <a:prstGeom prst="rect">
-            <a:avLst/>
-          </a:prstGeom>
-          <a:gradFill flip="none" rotWithShape="1">
-            <a:gsLst>
-              <a:gs pos="0">
-                <a:schemeClr val="accent1">
-                  <a:alpha val="50000"/>
-                </a:schemeClr>
-              </a:gs>
-              <a:gs pos="81000">
-                <a:schemeClr val="accent4">
-                  <a:alpha val="50000"/>
-                </a:schemeClr>
-              </a:gs>
-              <a:gs pos="25000">
-                <a:schemeClr val="accent2">
-                  <a:alpha val="60000"/>
-                </a:schemeClr>
-              </a:gs>
-              <a:gs pos="50000">
-                <a:schemeClr val="accent3">
-                  <a:alpha val="55000"/>
-                </a:schemeClr>
-              </a:gs>
-              <a:gs pos="99000">
-                <a:schemeClr val="accent5">
-                  <a:alpha val="50000"/>
-                </a:schemeClr>
-              </a:gs>
-            </a:gsLst>
-            <a:path path="circle">
-              <a:fillToRect r="100000" b="100000"/>
-            </a:path>
-            <a:tileRect l="-100000" t="-100000"/>
-          </a:gradFill>
-          <a:ln>
-            <a:noFill/>
-          </a:ln>
-        </p:spPr>
-        <p:style>
-          <a:lnRef idx="2">
-            <a:schemeClr val="accent1">
-              <a:shade val="50000"/>
-            </a:schemeClr>
-          </a:lnRef>
-          <a:fillRef idx="1">
-            <a:schemeClr val="accent1"/>
-          </a:fillRef>
-          <a:effectRef idx="0">
-            <a:schemeClr val="accent1"/>
-          </a:effectRef>
-          <a:fontRef idx="minor">
-            <a:schemeClr val="lt1"/>
-          </a:fontRef>
-        </p:style>
-        <p:txBody>
-          <a:bodyPr rtlCol="0" anchor="ctr"/>
-          <a:lstStyle/>
-          <a:p>
-            <a:pPr lvl="0" algn="ctr"/>
-            <a:endParaRPr lang="en-US"/>
-          </a:p>
-        </p:txBody>
-      </p:sp>
-      <p:sp>
-        <p:nvSpPr>
-          <p:cNvPr id="2" name="Title 1">
-            <a:extLst>
-              <a:ext uri="{FF2B5EF4-FFF2-40B4-BE49-F238E27FC236}">
-                <a16:creationId xmlns:a16="http://schemas.microsoft.com/office/drawing/2014/main" id="{9420B09C-B1AF-4E00-ACE6-33BBA30D7E17}"/>
-              </a:ext>
-            </a:extLst>
-          </p:cNvPr>
-          <p:cNvSpPr>
-            <a:spLocks noGrp="1"/>
-          </p:cNvSpPr>
-          <p:nvPr>
-            <p:ph type="title"/>
-          </p:nvPr>
-        </p:nvSpPr>
-        <p:spPr>
-          <a:xfrm>
-            <a:off x="1388542" y="455362"/>
-            <a:ext cx="3183457" cy="3392972"/>
-          </a:xfrm>
-        </p:spPr>
-        <p:txBody>
-          <a:bodyPr>
-            <a:normAutofit/>
-          </a:bodyPr>
-          <a:lstStyle/>
-          <a:p>
-            <a:r>
-              <a:rPr lang="sk-SK" dirty="0"/>
-              <a:t>Záver</a:t>
-            </a:r>
-            <a:endParaRPr lang="en-US" dirty="0"/>
-          </a:p>
-        </p:txBody>
-      </p:sp>
-      <p:graphicFrame>
-        <p:nvGraphicFramePr>
-          <p:cNvPr id="5" name="Content Placeholder 2">
-            <a:extLst>
-              <a:ext uri="{FF2B5EF4-FFF2-40B4-BE49-F238E27FC236}">
-                <a16:creationId xmlns:a16="http://schemas.microsoft.com/office/drawing/2014/main" id="{8281A1D0-2E54-412B-B1FF-33697814B591}"/>
-              </a:ext>
-            </a:extLst>
-          </p:cNvPr>
-          <p:cNvGraphicFramePr>
-            <a:graphicFrameLocks noGrp="1"/>
-          </p:cNvGraphicFramePr>
-          <p:nvPr>
-            <p:ph idx="1"/>
-            <p:extLst>
-              <p:ext uri="{D42A27DB-BD31-4B8C-83A1-F6EECF244321}">
-                <p14:modId xmlns:p14="http://schemas.microsoft.com/office/powerpoint/2010/main" val="3905631745"/>
-              </p:ext>
-            </p:extLst>
-          </p:nvPr>
-        </p:nvGraphicFramePr>
-        <p:xfrm>
-          <a:off x="5224244" y="409518"/>
-          <a:ext cx="6034656" cy="5632254"/>
-        </p:xfrm>
-        <a:graphic>
-          <a:graphicData uri="http://schemas.openxmlformats.org/drawingml/2006/diagram">
-            <dgm:relIds xmlns:dgm="http://schemas.openxmlformats.org/drawingml/2006/diagram" xmlns:r="http://schemas.openxmlformats.org/officeDocument/2006/relationships" r:dm="rId2" r:lo="rId3" r:qs="rId4" r:cs="rId5"/>
-          </a:graphicData>
-        </a:graphic>
-      </p:graphicFrame>
-    </p:spTree>
-    <p:extLst>
-      <p:ext uri="{BB962C8B-B14F-4D97-AF65-F5344CB8AC3E}">
-        <p14:creationId xmlns:p14="http://schemas.microsoft.com/office/powerpoint/2010/main" val="348363208"/>
-      </p:ext>
-    </p:extLst>
-  </p:cSld>
-  <p:clrMapOvr>
-    <a:masterClrMapping/>
-  </p:clrMapOvr>
-</p:sld>
-</file>
-
-<file path=ppt/slides/slide8.xml><?xml version="1.0" encoding="utf-8"?>
-<p:sld xmlns:a="http://schemas.openxmlformats.org/drawingml/2006/main" xmlns:r="http://schemas.openxmlformats.org/officeDocument/2006/relationships" xmlns:p="http://schemas.openxmlformats.org/presentationml/2006/main">
-  <p:cSld>
-    <p:bg>
-      <p:bgPr>
-        <a:solidFill>
-          <a:schemeClr val="bg1"/>
-        </a:solidFill>
-        <a:effectLst/>
-      </p:bgPr>
-    </p:bg>
-    <p:spTree>
-      <p:nvGrpSpPr>
-        <p:cNvPr id="1" name=""/>
-        <p:cNvGrpSpPr/>
-        <p:nvPr/>
-      </p:nvGrpSpPr>
-      <p:grpSpPr>
-        <a:xfrm>
-          <a:off x="0" y="0"/>
-          <a:ext cx="0" cy="0"/>
-          <a:chOff x="0" y="0"/>
-          <a:chExt cx="0" cy="0"/>
-        </a:xfrm>
-      </p:grpSpPr>
-      <p:sp useBgFill="1">
-        <p:nvSpPr>
-          <p:cNvPr id="17" name="Rectangle 8">
-            <a:extLst>
-              <a:ext uri="{FF2B5EF4-FFF2-40B4-BE49-F238E27FC236}">
-                <a16:creationId xmlns:a16="http://schemas.microsoft.com/office/drawing/2014/main" id="{A88F843D-1C1B-C740-AC27-E3238D0F5F47}"/>
-              </a:ext>
-              <a:ext uri="{C183D7F6-B498-43B3-948B-1728B52AA6E4}">
-                <adec:decorative xmlns:adec="http://schemas.microsoft.com/office/drawing/2017/decorative" val="1"/>
-              </a:ext>
-            </a:extLst>
-          </p:cNvPr>
-          <p:cNvSpPr>
-            <a:spLocks noGrp="1" noRot="1" noChangeAspect="1" noMove="1" noResize="1" noEditPoints="1" noAdjustHandles="1" noChangeArrowheads="1" noChangeShapeType="1" noTextEdit="1"/>
-          </p:cNvSpPr>
-          <p:nvPr>
-            <p:extLst>
-              <p:ext uri="{386F3935-93C4-4BCD-93E2-E3B085C9AB24}">
-                <p16:designElem xmlns:p16="http://schemas.microsoft.com/office/powerpoint/2015/main" val="1"/>
-              </p:ext>
-            </p:extLst>
-          </p:nvPr>
-        </p:nvSpPr>
-        <p:spPr>
-          <a:xfrm>
-            <a:off x="0" y="0"/>
-            <a:ext cx="12188952" cy="6858000"/>
-          </a:xfrm>
-          <a:prstGeom prst="rect">
-            <a:avLst/>
-          </a:prstGeom>
-          <a:ln>
-            <a:noFill/>
-          </a:ln>
-        </p:spPr>
-        <p:style>
-          <a:lnRef idx="2">
-            <a:schemeClr val="accent1">
-              <a:shade val="50000"/>
-            </a:schemeClr>
-          </a:lnRef>
-          <a:fillRef idx="1">
-            <a:schemeClr val="accent1"/>
-          </a:fillRef>
-          <a:effectRef idx="0">
-            <a:schemeClr val="accent1"/>
-          </a:effectRef>
-          <a:fontRef idx="minor">
-            <a:schemeClr val="lt1"/>
-          </a:fontRef>
-        </p:style>
-        <p:txBody>
-          <a:bodyPr rtlCol="0" anchor="ctr"/>
-          <a:lstStyle/>
-          <a:p>
-            <a:pPr algn="ctr"/>
-            <a:endParaRPr lang="en-US"/>
-          </a:p>
-        </p:txBody>
-      </p:sp>
-      <p:pic>
-        <p:nvPicPr>
-          <p:cNvPr id="18" name="Picture 4" descr="Tmavé vznášajúce sa žiarovky, jedna svieti">
-            <a:extLst>
-              <a:ext uri="{FF2B5EF4-FFF2-40B4-BE49-F238E27FC236}">
-                <a16:creationId xmlns:a16="http://schemas.microsoft.com/office/drawing/2014/main" id="{E35233C8-230C-4702-AC56-FE2B06D4EE51}"/>
-              </a:ext>
-            </a:extLst>
-          </p:cNvPr>
-          <p:cNvPicPr>
-            <a:picLocks noChangeAspect="1"/>
-          </p:cNvPicPr>
-          <p:nvPr/>
-        </p:nvPicPr>
-        <p:blipFill rotWithShape="1">
-          <a:blip r:embed="rId2"/>
-          <a:srcRect r="-2" b="8025"/>
-          <a:stretch/>
-        </p:blipFill>
-        <p:spPr>
-          <a:xfrm>
-            <a:off x="-1" y="10"/>
-            <a:ext cx="7456513" cy="6857990"/>
-          </a:xfrm>
-          <a:custGeom>
-            <a:avLst/>
-            <a:gdLst/>
-            <a:ahLst/>
-            <a:cxnLst/>
-            <a:rect l="l" t="t" r="r" b="b"/>
-            <a:pathLst>
-              <a:path w="7456513" h="6858000">
-                <a:moveTo>
-                  <a:pt x="0" y="0"/>
-                </a:moveTo>
-                <a:lnTo>
-                  <a:pt x="6059386" y="0"/>
-                </a:lnTo>
-                <a:lnTo>
-                  <a:pt x="6059386" y="1375489"/>
-                </a:lnTo>
-                <a:lnTo>
-                  <a:pt x="7456513" y="1375489"/>
-                </a:lnTo>
-                <a:lnTo>
-                  <a:pt x="7456513" y="6858000"/>
-                </a:lnTo>
-                <a:lnTo>
-                  <a:pt x="0" y="6858000"/>
-                </a:lnTo>
-                <a:close/>
-              </a:path>
-            </a:pathLst>
-          </a:custGeom>
-        </p:spPr>
-      </p:pic>
-      <p:sp>
-        <p:nvSpPr>
-          <p:cNvPr id="19" name="Rectangle 10">
-            <a:extLst>
-              <a:ext uri="{FF2B5EF4-FFF2-40B4-BE49-F238E27FC236}">
-                <a16:creationId xmlns:a16="http://schemas.microsoft.com/office/drawing/2014/main" id="{A21C8291-E3D5-4240-8FF4-E5213CBCC453}"/>
-              </a:ext>
-              <a:ext uri="{C183D7F6-B498-43B3-948B-1728B52AA6E4}">
-                <adec:decorative xmlns:adec="http://schemas.microsoft.com/office/drawing/2017/decorative" val="1"/>
-              </a:ext>
-            </a:extLst>
-          </p:cNvPr>
-          <p:cNvSpPr>
-            <a:spLocks noGrp="1" noRot="1" noChangeAspect="1" noMove="1" noResize="1" noEditPoints="1" noAdjustHandles="1" noChangeArrowheads="1" noChangeShapeType="1" noTextEdit="1"/>
-          </p:cNvSpPr>
-          <p:nvPr>
-            <p:extLst>
-              <p:ext uri="{386F3935-93C4-4BCD-93E2-E3B085C9AB24}">
-                <p16:designElem xmlns:p16="http://schemas.microsoft.com/office/powerpoint/2015/main" val="1"/>
-              </p:ext>
-            </p:extLst>
-          </p:nvPr>
-        </p:nvSpPr>
-        <p:spPr>
-          <a:xfrm>
-            <a:off x="4685818" y="1375492"/>
-            <a:ext cx="2770698" cy="5482505"/>
-          </a:xfrm>
-          <a:prstGeom prst="rect">
-            <a:avLst/>
-          </a:prstGeom>
-          <a:gradFill flip="none" rotWithShape="1">
-            <a:gsLst>
-              <a:gs pos="0">
-                <a:schemeClr val="accent1">
-                  <a:alpha val="50000"/>
-                </a:schemeClr>
-              </a:gs>
-              <a:gs pos="81000">
-                <a:schemeClr val="accent4">
-                  <a:alpha val="50000"/>
-                </a:schemeClr>
-              </a:gs>
-              <a:gs pos="25000">
-                <a:schemeClr val="accent2">
-                  <a:alpha val="60000"/>
-                </a:schemeClr>
-              </a:gs>
-              <a:gs pos="50000">
-                <a:schemeClr val="accent3">
-                  <a:alpha val="55000"/>
-                </a:schemeClr>
-              </a:gs>
-              <a:gs pos="99000">
-                <a:schemeClr val="accent5">
-                  <a:alpha val="50000"/>
-                </a:schemeClr>
-              </a:gs>
-            </a:gsLst>
-            <a:path path="circle">
-              <a:fillToRect r="100000" b="100000"/>
-            </a:path>
-            <a:tileRect l="-100000" t="-100000"/>
-          </a:gradFill>
-          <a:ln>
-            <a:noFill/>
-          </a:ln>
-        </p:spPr>
-        <p:style>
-          <a:lnRef idx="2">
-            <a:schemeClr val="accent1">
-              <a:shade val="50000"/>
-            </a:schemeClr>
-          </a:lnRef>
-          <a:fillRef idx="1">
-            <a:schemeClr val="accent1"/>
-          </a:fillRef>
-          <a:effectRef idx="0">
-            <a:schemeClr val="accent1"/>
-          </a:effectRef>
-          <a:fontRef idx="minor">
-            <a:schemeClr val="lt1"/>
-          </a:fontRef>
-        </p:style>
-        <p:txBody>
-          <a:bodyPr rtlCol="0" anchor="ctr"/>
-          <a:lstStyle/>
-          <a:p>
-            <a:pPr lvl="0" algn="ctr"/>
-            <a:endParaRPr lang="en-US"/>
-          </a:p>
-        </p:txBody>
-      </p:sp>
-      <p:sp>
-        <p:nvSpPr>
-          <p:cNvPr id="20" name="Rectangle 12">
-            <a:extLst>
-              <a:ext uri="{FF2B5EF4-FFF2-40B4-BE49-F238E27FC236}">
-                <a16:creationId xmlns:a16="http://schemas.microsoft.com/office/drawing/2014/main" id="{08B44AFE-C181-7047-8CC9-CA00BD385EEA}"/>
-              </a:ext>
-              <a:ext uri="{C183D7F6-B498-43B3-948B-1728B52AA6E4}">
-                <adec:decorative xmlns:adec="http://schemas.microsoft.com/office/drawing/2017/decorative" val="1"/>
-              </a:ext>
-            </a:extLst>
-          </p:cNvPr>
-          <p:cNvSpPr>
-            <a:spLocks noGrp="1" noRot="1" noChangeAspect="1" noMove="1" noResize="1" noEditPoints="1" noAdjustHandles="1" noChangeArrowheads="1" noChangeShapeType="1" noTextEdit="1"/>
-          </p:cNvSpPr>
-          <p:nvPr>
-            <p:extLst>
-              <p:ext uri="{386F3935-93C4-4BCD-93E2-E3B085C9AB24}">
-                <p16:designElem xmlns:p16="http://schemas.microsoft.com/office/powerpoint/2015/main" val="1"/>
-              </p:ext>
-            </p:extLst>
-          </p:nvPr>
-        </p:nvSpPr>
-        <p:spPr>
-          <a:xfrm>
-            <a:off x="4685818" y="-3"/>
-            <a:ext cx="1373567" cy="6857999"/>
-          </a:xfrm>
-          <a:prstGeom prst="rect">
-            <a:avLst/>
-          </a:prstGeom>
-          <a:gradFill flip="none" rotWithShape="1">
-            <a:gsLst>
-              <a:gs pos="0">
-                <a:schemeClr val="accent1">
-                  <a:alpha val="50000"/>
-                </a:schemeClr>
-              </a:gs>
-              <a:gs pos="81000">
-                <a:schemeClr val="accent4">
-                  <a:alpha val="50000"/>
-                </a:schemeClr>
-              </a:gs>
-              <a:gs pos="25000">
-                <a:schemeClr val="accent2">
-                  <a:alpha val="60000"/>
-                </a:schemeClr>
-              </a:gs>
-              <a:gs pos="50000">
-                <a:schemeClr val="accent3">
-                  <a:alpha val="55000"/>
-                </a:schemeClr>
-              </a:gs>
-              <a:gs pos="99000">
-                <a:schemeClr val="accent5">
-                  <a:alpha val="50000"/>
-                </a:schemeClr>
-              </a:gs>
-            </a:gsLst>
-            <a:path path="circle">
-              <a:fillToRect r="100000" b="100000"/>
-            </a:path>
-            <a:tileRect l="-100000" t="-100000"/>
-          </a:gradFill>
-          <a:ln>
-            <a:noFill/>
-          </a:ln>
-        </p:spPr>
-        <p:style>
-          <a:lnRef idx="2">
-            <a:schemeClr val="accent1">
-              <a:shade val="50000"/>
-            </a:schemeClr>
-          </a:lnRef>
-          <a:fillRef idx="1">
-            <a:schemeClr val="accent1"/>
-          </a:fillRef>
-          <a:effectRef idx="0">
-            <a:schemeClr val="accent1"/>
-          </a:effectRef>
-          <a:fontRef idx="minor">
-            <a:schemeClr val="lt1"/>
-          </a:fontRef>
-        </p:style>
-        <p:txBody>
-          <a:bodyPr rtlCol="0" anchor="ctr"/>
-          <a:lstStyle/>
-          <a:p>
-            <a:pPr lvl="0" algn="ctr"/>
-            <a:endParaRPr lang="en-US"/>
-          </a:p>
-        </p:txBody>
-      </p:sp>
-      <p:sp>
-        <p:nvSpPr>
-          <p:cNvPr id="2" name="Title 1">
-            <a:extLst>
-              <a:ext uri="{FF2B5EF4-FFF2-40B4-BE49-F238E27FC236}">
-                <a16:creationId xmlns:a16="http://schemas.microsoft.com/office/drawing/2014/main" id="{E1104A08-582F-4B2D-BFA4-82D7560D08E4}"/>
-              </a:ext>
-            </a:extLst>
-          </p:cNvPr>
-          <p:cNvSpPr>
-            <a:spLocks noGrp="1"/>
-          </p:cNvSpPr>
-          <p:nvPr>
-            <p:ph type="ctrTitle"/>
-          </p:nvPr>
-        </p:nvSpPr>
-        <p:spPr>
-          <a:xfrm>
-            <a:off x="8018633" y="1247140"/>
-            <a:ext cx="3608208" cy="3450844"/>
-          </a:xfrm>
-        </p:spPr>
-        <p:txBody>
-          <a:bodyPr>
-            <a:normAutofit/>
-          </a:bodyPr>
-          <a:lstStyle/>
-          <a:p>
-            <a:r>
-              <a:rPr lang="sk-SK" sz="4800"/>
-              <a:t>Ďakujem za pozornosť</a:t>
-            </a:r>
-            <a:endParaRPr lang="en-US" sz="4800"/>
-          </a:p>
-        </p:txBody>
-      </p:sp>
-      <p:sp>
-        <p:nvSpPr>
-          <p:cNvPr id="3" name="Subtitle 2">
-            <a:extLst>
-              <a:ext uri="{FF2B5EF4-FFF2-40B4-BE49-F238E27FC236}">
-                <a16:creationId xmlns:a16="http://schemas.microsoft.com/office/drawing/2014/main" id="{19D62BBF-A08B-45FB-B9C6-C8F09FAEEB0E}"/>
-              </a:ext>
-            </a:extLst>
-          </p:cNvPr>
-          <p:cNvSpPr>
-            <a:spLocks noGrp="1"/>
-          </p:cNvSpPr>
-          <p:nvPr>
-            <p:ph type="subTitle" idx="1"/>
-          </p:nvPr>
-        </p:nvSpPr>
-        <p:spPr>
-          <a:xfrm>
-            <a:off x="8018633" y="4818126"/>
-            <a:ext cx="3608208" cy="1268984"/>
-          </a:xfrm>
-        </p:spPr>
-        <p:txBody>
-          <a:bodyPr>
-            <a:normAutofit/>
-          </a:bodyPr>
-          <a:lstStyle/>
-          <a:p>
-            <a:endParaRPr lang="en-US"/>
-          </a:p>
-        </p:txBody>
-      </p:sp>
-    </p:spTree>
-    <p:extLst>
-      <p:ext uri="{BB962C8B-B14F-4D97-AF65-F5344CB8AC3E}">
-        <p14:creationId xmlns:p14="http://schemas.microsoft.com/office/powerpoint/2010/main" val="1647254589"/>
-      </p:ext>
-    </p:extLst>
-  </p:cSld>
-  <p:clrMapOvr>
-    <a:masterClrMapping/>
-  </p:clrMapOvr>
-</p:sld>
-</file>
-
-<file path=ppt/slides/slide9.xml><?xml version="1.0" encoding="utf-8"?>
+<file path=ppt/slides/slide10.xml><?xml version="1.0" encoding="utf-8"?>
 <p:sld xmlns:a="http://schemas.openxmlformats.org/drawingml/2006/main" xmlns:r="http://schemas.openxmlformats.org/officeDocument/2006/relationships" xmlns:p="http://schemas.openxmlformats.org/presentationml/2006/main">
   <p:cSld>
     <p:spTree>
@@ -14066,6 +11081,10 @@
           <a:bodyPr/>
           <a:lstStyle/>
           <a:p>
+            <a:r>
+              <a:rPr lang="en-US" dirty="0"/>
+              <a:t>[1]</a:t>
+            </a:r>
             <a:r>
               <a:rPr lang="sk-SK" dirty="0">
                 <a:effectLst/>
@@ -14095,6 +11114,12 @@
           </a:p>
           <a:p>
             <a:r>
+              <a:rPr lang="en-US" dirty="0">
+                <a:effectLst/>
+              </a:rPr>
+              <a:t>[2]</a:t>
+            </a:r>
+            <a:r>
               <a:rPr lang="sk-SK" dirty="0">
                 <a:effectLst/>
               </a:rPr>
@@ -14113,6 +11138,10 @@
           </a:p>
           <a:p>
             <a:r>
+              <a:rPr lang="en-US" dirty="0"/>
+              <a:t>[3]</a:t>
+            </a:r>
+            <a:r>
               <a:rPr lang="sk-SK" dirty="0" err="1"/>
               <a:t>An</a:t>
             </a:r>
@@ -14129,6 +11158,12 @@
             <a:endParaRPr lang="sk-SK" dirty="0"/>
           </a:p>
           <a:p>
+            <a:r>
+              <a:rPr lang="en-US" dirty="0">
+                <a:effectLst/>
+              </a:rPr>
+              <a:t>[4]</a:t>
+            </a:r>
             <a:r>
               <a:rPr lang="sk-SK" dirty="0" err="1">
                 <a:effectLst/>
@@ -14189,6 +11224,29 @@
             </a:endParaRPr>
           </a:p>
           <a:p>
+            <a:r>
+              <a:rPr lang="en-US" dirty="0">
+                <a:effectLst/>
+              </a:rPr>
+              <a:t>[5]</a:t>
+            </a:r>
+            <a:r>
+              <a:rPr lang="en-US" dirty="0">
+                <a:effectLst/>
+                <a:hlinkClick r:id="rId6"/>
+              </a:rPr>
+              <a:t>https://www.statista.com/statistics/281082/countries-with-highest-number-of-diabetics/</a:t>
+            </a:r>
+            <a:endParaRPr lang="sk-SK" dirty="0">
+              <a:effectLst/>
+            </a:endParaRPr>
+          </a:p>
+          <a:p>
+            <a:endParaRPr lang="sk-SK" dirty="0">
+              <a:effectLst/>
+            </a:endParaRPr>
+          </a:p>
+          <a:p>
             <a:endParaRPr lang="en-US" dirty="0"/>
           </a:p>
         </p:txBody>
@@ -14197,6 +11255,3655 @@
     <p:extLst>
       <p:ext uri="{BB962C8B-B14F-4D97-AF65-F5344CB8AC3E}">
         <p14:creationId xmlns:p14="http://schemas.microsoft.com/office/powerpoint/2010/main" val="3212410202"/>
+      </p:ext>
+    </p:extLst>
+  </p:cSld>
+  <p:clrMapOvr>
+    <a:masterClrMapping/>
+  </p:clrMapOvr>
+</p:sld>
+</file>
+
+<file path=ppt/slides/slide2.xml><?xml version="1.0" encoding="utf-8"?>
+<p:sld xmlns:a="http://schemas.openxmlformats.org/drawingml/2006/main" xmlns:r="http://schemas.openxmlformats.org/officeDocument/2006/relationships" xmlns:p="http://schemas.openxmlformats.org/presentationml/2006/main">
+  <p:cSld>
+    <p:bg>
+      <p:bgPr>
+        <a:solidFill>
+          <a:schemeClr val="bg1"/>
+        </a:solidFill>
+        <a:effectLst/>
+      </p:bgPr>
+    </p:bg>
+    <p:spTree>
+      <p:nvGrpSpPr>
+        <p:cNvPr id="1" name=""/>
+        <p:cNvGrpSpPr/>
+        <p:nvPr/>
+      </p:nvGrpSpPr>
+      <p:grpSpPr>
+        <a:xfrm>
+          <a:off x="0" y="0"/>
+          <a:ext cx="0" cy="0"/>
+          <a:chOff x="0" y="0"/>
+          <a:chExt cx="0" cy="0"/>
+        </a:xfrm>
+      </p:grpSpPr>
+      <p:sp useBgFill="1">
+        <p:nvSpPr>
+          <p:cNvPr id="19" name="Rectangle 18">
+            <a:extLst>
+              <a:ext uri="{FF2B5EF4-FFF2-40B4-BE49-F238E27FC236}">
+                <a16:creationId xmlns:a16="http://schemas.microsoft.com/office/drawing/2014/main" id="{23BB7E73-E730-42EA-AACE-D1E323EA547E}"/>
+              </a:ext>
+              <a:ext uri="{C183D7F6-B498-43B3-948B-1728B52AA6E4}">
+                <adec:decorative xmlns:adec="http://schemas.microsoft.com/office/drawing/2017/decorative" val="1"/>
+              </a:ext>
+            </a:extLst>
+          </p:cNvPr>
+          <p:cNvSpPr>
+            <a:spLocks noGrp="1" noRot="1" noChangeAspect="1" noMove="1" noResize="1" noEditPoints="1" noAdjustHandles="1" noChangeArrowheads="1" noChangeShapeType="1" noTextEdit="1"/>
+          </p:cNvSpPr>
+          <p:nvPr>
+            <p:extLst>
+              <p:ext uri="{386F3935-93C4-4BCD-93E2-E3B085C9AB24}">
+                <p16:designElem xmlns:p16="http://schemas.microsoft.com/office/powerpoint/2015/main" val="1"/>
+              </p:ext>
+            </p:extLst>
+          </p:nvPr>
+        </p:nvSpPr>
+        <p:spPr>
+          <a:xfrm>
+            <a:off x="3048" y="0"/>
+            <a:ext cx="12188952" cy="6858000"/>
+          </a:xfrm>
+          <a:prstGeom prst="rect">
+            <a:avLst/>
+          </a:prstGeom>
+          <a:ln>
+            <a:noFill/>
+          </a:ln>
+        </p:spPr>
+        <p:style>
+          <a:lnRef idx="2">
+            <a:schemeClr val="accent1">
+              <a:shade val="50000"/>
+            </a:schemeClr>
+          </a:lnRef>
+          <a:fillRef idx="1">
+            <a:schemeClr val="accent1"/>
+          </a:fillRef>
+          <a:effectRef idx="0">
+            <a:schemeClr val="accent1"/>
+          </a:effectRef>
+          <a:fontRef idx="minor">
+            <a:schemeClr val="lt1"/>
+          </a:fontRef>
+        </p:style>
+        <p:txBody>
+          <a:bodyPr rtlCol="0" anchor="ctr"/>
+          <a:lstStyle/>
+          <a:p>
+            <a:pPr algn="ctr"/>
+            <a:endParaRPr lang="en-US"/>
+          </a:p>
+        </p:txBody>
+      </p:sp>
+      <p:sp>
+        <p:nvSpPr>
+          <p:cNvPr id="21" name="Rectangle 20">
+            <a:extLst>
+              <a:ext uri="{FF2B5EF4-FFF2-40B4-BE49-F238E27FC236}">
+                <a16:creationId xmlns:a16="http://schemas.microsoft.com/office/drawing/2014/main" id="{F1F6C2E9-B316-4410-88E5-74F044FC3575}"/>
+              </a:ext>
+              <a:ext uri="{C183D7F6-B498-43B3-948B-1728B52AA6E4}">
+                <adec:decorative xmlns:adec="http://schemas.microsoft.com/office/drawing/2017/decorative" val="1"/>
+              </a:ext>
+            </a:extLst>
+          </p:cNvPr>
+          <p:cNvSpPr>
+            <a:spLocks noGrp="1" noRot="1" noChangeAspect="1" noMove="1" noResize="1" noEditPoints="1" noAdjustHandles="1" noChangeArrowheads="1" noChangeShapeType="1" noTextEdit="1"/>
+          </p:cNvSpPr>
+          <p:nvPr>
+            <p:extLst>
+              <p:ext uri="{386F3935-93C4-4BCD-93E2-E3B085C9AB24}">
+                <p16:designElem xmlns:p16="http://schemas.microsoft.com/office/powerpoint/2015/main" val="1"/>
+              </p:ext>
+            </p:extLst>
+          </p:nvPr>
+        </p:nvSpPr>
+        <p:spPr>
+          <a:xfrm>
+            <a:off x="-1" y="565153"/>
+            <a:ext cx="5106593" cy="6292847"/>
+          </a:xfrm>
+          <a:prstGeom prst="rect">
+            <a:avLst/>
+          </a:prstGeom>
+          <a:gradFill flip="none" rotWithShape="1">
+            <a:gsLst>
+              <a:gs pos="0">
+                <a:schemeClr val="accent1">
+                  <a:alpha val="50000"/>
+                </a:schemeClr>
+              </a:gs>
+              <a:gs pos="81000">
+                <a:schemeClr val="accent4">
+                  <a:alpha val="50000"/>
+                </a:schemeClr>
+              </a:gs>
+              <a:gs pos="25000">
+                <a:schemeClr val="accent2">
+                  <a:alpha val="60000"/>
+                </a:schemeClr>
+              </a:gs>
+              <a:gs pos="50000">
+                <a:schemeClr val="accent3">
+                  <a:alpha val="55000"/>
+                </a:schemeClr>
+              </a:gs>
+              <a:gs pos="99000">
+                <a:schemeClr val="accent5">
+                  <a:alpha val="50000"/>
+                </a:schemeClr>
+              </a:gs>
+            </a:gsLst>
+            <a:path path="circle">
+              <a:fillToRect r="100000" b="100000"/>
+            </a:path>
+            <a:tileRect l="-100000" t="-100000"/>
+          </a:gradFill>
+          <a:ln>
+            <a:noFill/>
+          </a:ln>
+        </p:spPr>
+        <p:style>
+          <a:lnRef idx="2">
+            <a:schemeClr val="accent1">
+              <a:shade val="50000"/>
+            </a:schemeClr>
+          </a:lnRef>
+          <a:fillRef idx="1">
+            <a:schemeClr val="accent1"/>
+          </a:fillRef>
+          <a:effectRef idx="0">
+            <a:schemeClr val="accent1"/>
+          </a:effectRef>
+          <a:fontRef idx="minor">
+            <a:schemeClr val="lt1"/>
+          </a:fontRef>
+        </p:style>
+        <p:txBody>
+          <a:bodyPr rtlCol="0" anchor="ctr"/>
+          <a:lstStyle/>
+          <a:p>
+            <a:pPr algn="ctr"/>
+            <a:endParaRPr lang="en-US"/>
+          </a:p>
+        </p:txBody>
+      </p:sp>
+      <p:sp>
+        <p:nvSpPr>
+          <p:cNvPr id="23" name="Rectangle 22">
+            <a:extLst>
+              <a:ext uri="{FF2B5EF4-FFF2-40B4-BE49-F238E27FC236}">
+                <a16:creationId xmlns:a16="http://schemas.microsoft.com/office/drawing/2014/main" id="{83D07262-43A6-451F-9B19-77B943C6399D}"/>
+              </a:ext>
+              <a:ext uri="{C183D7F6-B498-43B3-948B-1728B52AA6E4}">
+                <adec:decorative xmlns:adec="http://schemas.microsoft.com/office/drawing/2017/decorative" val="1"/>
+              </a:ext>
+            </a:extLst>
+          </p:cNvPr>
+          <p:cNvSpPr>
+            <a:spLocks noGrp="1" noRot="1" noChangeAspect="1" noMove="1" noResize="1" noEditPoints="1" noAdjustHandles="1" noChangeArrowheads="1" noChangeShapeType="1" noTextEdit="1"/>
+          </p:cNvSpPr>
+          <p:nvPr>
+            <p:extLst>
+              <p:ext uri="{386F3935-93C4-4BCD-93E2-E3B085C9AB24}">
+                <p16:designElem xmlns:p16="http://schemas.microsoft.com/office/powerpoint/2015/main" val="1"/>
+              </p:ext>
+            </p:extLst>
+          </p:nvPr>
+        </p:nvSpPr>
+        <p:spPr>
+          <a:xfrm>
+            <a:off x="0" y="1"/>
+            <a:ext cx="4537887" cy="6857999"/>
+          </a:xfrm>
+          <a:prstGeom prst="rect">
+            <a:avLst/>
+          </a:prstGeom>
+          <a:gradFill flip="none" rotWithShape="1">
+            <a:gsLst>
+              <a:gs pos="0">
+                <a:schemeClr val="accent1">
+                  <a:alpha val="50000"/>
+                </a:schemeClr>
+              </a:gs>
+              <a:gs pos="81000">
+                <a:schemeClr val="accent4">
+                  <a:alpha val="50000"/>
+                </a:schemeClr>
+              </a:gs>
+              <a:gs pos="25000">
+                <a:schemeClr val="accent2">
+                  <a:alpha val="60000"/>
+                </a:schemeClr>
+              </a:gs>
+              <a:gs pos="49000">
+                <a:schemeClr val="accent3">
+                  <a:alpha val="55000"/>
+                </a:schemeClr>
+              </a:gs>
+              <a:gs pos="99000">
+                <a:schemeClr val="accent5">
+                  <a:alpha val="50000"/>
+                </a:schemeClr>
+              </a:gs>
+            </a:gsLst>
+            <a:path path="circle">
+              <a:fillToRect r="100000" b="100000"/>
+            </a:path>
+            <a:tileRect l="-100000" t="-100000"/>
+          </a:gradFill>
+          <a:ln>
+            <a:noFill/>
+          </a:ln>
+        </p:spPr>
+        <p:style>
+          <a:lnRef idx="2">
+            <a:schemeClr val="accent1">
+              <a:shade val="50000"/>
+            </a:schemeClr>
+          </a:lnRef>
+          <a:fillRef idx="1">
+            <a:schemeClr val="accent1"/>
+          </a:fillRef>
+          <a:effectRef idx="0">
+            <a:schemeClr val="accent1"/>
+          </a:effectRef>
+          <a:fontRef idx="minor">
+            <a:schemeClr val="lt1"/>
+          </a:fontRef>
+        </p:style>
+        <p:txBody>
+          <a:bodyPr rtlCol="0" anchor="ctr"/>
+          <a:lstStyle/>
+          <a:p>
+            <a:pPr algn="ctr"/>
+            <a:endParaRPr lang="en-US"/>
+          </a:p>
+        </p:txBody>
+      </p:sp>
+      <p:sp>
+        <p:nvSpPr>
+          <p:cNvPr id="2" name="Title 1">
+            <a:extLst>
+              <a:ext uri="{FF2B5EF4-FFF2-40B4-BE49-F238E27FC236}">
+                <a16:creationId xmlns:a16="http://schemas.microsoft.com/office/drawing/2014/main" id="{E42B7B6E-6322-4B39-B65F-58E342E12AB8}"/>
+              </a:ext>
+            </a:extLst>
+          </p:cNvPr>
+          <p:cNvSpPr>
+            <a:spLocks noGrp="1"/>
+          </p:cNvSpPr>
+          <p:nvPr>
+            <p:ph type="title"/>
+          </p:nvPr>
+        </p:nvSpPr>
+        <p:spPr>
+          <a:xfrm>
+            <a:off x="5763820" y="455362"/>
+            <a:ext cx="5310579" cy="1550419"/>
+          </a:xfrm>
+        </p:spPr>
+        <p:txBody>
+          <a:bodyPr>
+            <a:normAutofit/>
+          </a:bodyPr>
+          <a:lstStyle/>
+          <a:p>
+            <a:r>
+              <a:rPr lang="sk-SK" dirty="0"/>
+              <a:t>Úvod</a:t>
+            </a:r>
+            <a:endParaRPr lang="en-US" dirty="0"/>
+          </a:p>
+        </p:txBody>
+      </p:sp>
+      <p:sp>
+        <p:nvSpPr>
+          <p:cNvPr id="3" name="Content Placeholder 2">
+            <a:extLst>
+              <a:ext uri="{FF2B5EF4-FFF2-40B4-BE49-F238E27FC236}">
+                <a16:creationId xmlns:a16="http://schemas.microsoft.com/office/drawing/2014/main" id="{8BA08FFA-5D7B-4505-8D4B-9F1C05405C85}"/>
+              </a:ext>
+            </a:extLst>
+          </p:cNvPr>
+          <p:cNvSpPr>
+            <a:spLocks noGrp="1"/>
+          </p:cNvSpPr>
+          <p:nvPr>
+            <p:ph idx="1"/>
+          </p:nvPr>
+        </p:nvSpPr>
+        <p:spPr>
+          <a:xfrm>
+            <a:off x="5763820" y="2160016"/>
+            <a:ext cx="5310579" cy="3926152"/>
+          </a:xfrm>
+        </p:spPr>
+        <p:txBody>
+          <a:bodyPr>
+            <a:normAutofit/>
+          </a:bodyPr>
+          <a:lstStyle/>
+          <a:p>
+            <a:r>
+              <a:rPr lang="sk-SK" dirty="0"/>
+              <a:t>Diabetes je celosvetový problém </a:t>
+            </a:r>
+          </a:p>
+          <a:p>
+            <a:r>
+              <a:rPr lang="sk-SK" dirty="0"/>
+              <a:t>Neliečiteľná choroba</a:t>
+            </a:r>
+          </a:p>
+          <a:p>
+            <a:r>
+              <a:rPr lang="sk-SK" dirty="0"/>
+              <a:t>Počet sa neustále zvyšuje</a:t>
+            </a:r>
+            <a:endParaRPr lang="en-US" dirty="0"/>
+          </a:p>
+        </p:txBody>
+      </p:sp>
+      <p:pic>
+        <p:nvPicPr>
+          <p:cNvPr id="5" name="Picture 4" descr="Chart, bar chart&#10;&#10;Description automatically generated">
+            <a:extLst>
+              <a:ext uri="{FF2B5EF4-FFF2-40B4-BE49-F238E27FC236}">
+                <a16:creationId xmlns:a16="http://schemas.microsoft.com/office/drawing/2014/main" id="{A0374905-17F0-4526-9F12-8CD282813DF5}"/>
+              </a:ext>
+            </a:extLst>
+          </p:cNvPr>
+          <p:cNvPicPr>
+            <a:picLocks noChangeAspect="1"/>
+          </p:cNvPicPr>
+          <p:nvPr/>
+        </p:nvPicPr>
+        <p:blipFill>
+          <a:blip r:embed="rId2">
+            <a:extLst>
+              <a:ext uri="{28A0092B-C50C-407E-A947-70E740481C1C}">
+                <a14:useLocalDpi xmlns:a14="http://schemas.microsoft.com/office/drawing/2010/main" val="0"/>
+              </a:ext>
+            </a:extLst>
+          </a:blip>
+          <a:stretch>
+            <a:fillRect/>
+          </a:stretch>
+        </p:blipFill>
+        <p:spPr>
+          <a:xfrm>
+            <a:off x="54240" y="1633357"/>
+            <a:ext cx="5441599" cy="2887064"/>
+          </a:xfrm>
+          <a:prstGeom prst="rect">
+            <a:avLst/>
+          </a:prstGeom>
+        </p:spPr>
+      </p:pic>
+      <p:sp>
+        <p:nvSpPr>
+          <p:cNvPr id="6" name="TextBox 5">
+            <a:extLst>
+              <a:ext uri="{FF2B5EF4-FFF2-40B4-BE49-F238E27FC236}">
+                <a16:creationId xmlns:a16="http://schemas.microsoft.com/office/drawing/2014/main" id="{E4EBBAE7-8E22-4B52-AB2E-026DDFADC296}"/>
+              </a:ext>
+            </a:extLst>
+          </p:cNvPr>
+          <p:cNvSpPr txBox="1"/>
+          <p:nvPr/>
+        </p:nvSpPr>
+        <p:spPr>
+          <a:xfrm>
+            <a:off x="323776" y="4520421"/>
+            <a:ext cx="4902526" cy="261610"/>
+          </a:xfrm>
+          <a:prstGeom prst="rect">
+            <a:avLst/>
+          </a:prstGeom>
+          <a:noFill/>
+        </p:spPr>
+        <p:txBody>
+          <a:bodyPr wrap="square" rtlCol="0">
+            <a:spAutoFit/>
+          </a:bodyPr>
+          <a:lstStyle/>
+          <a:p>
+            <a:r>
+              <a:rPr lang="sk-SK" sz="1100" dirty="0"/>
+              <a:t>Graf ukazuje prvých top 10 počtov diabetikov v krajinách na milióny </a:t>
+            </a:r>
+            <a:r>
+              <a:rPr lang="en-US" sz="1100" dirty="0"/>
+              <a:t>[5]</a:t>
+            </a:r>
+          </a:p>
+        </p:txBody>
+      </p:sp>
+    </p:spTree>
+    <p:extLst>
+      <p:ext uri="{BB962C8B-B14F-4D97-AF65-F5344CB8AC3E}">
+        <p14:creationId xmlns:p14="http://schemas.microsoft.com/office/powerpoint/2010/main" val="3277501792"/>
+      </p:ext>
+    </p:extLst>
+  </p:cSld>
+  <p:clrMapOvr>
+    <a:masterClrMapping/>
+  </p:clrMapOvr>
+</p:sld>
+</file>
+
+<file path=ppt/slides/slide3.xml><?xml version="1.0" encoding="utf-8"?>
+<p:sld xmlns:a="http://schemas.openxmlformats.org/drawingml/2006/main" xmlns:r="http://schemas.openxmlformats.org/officeDocument/2006/relationships" xmlns:p="http://schemas.openxmlformats.org/presentationml/2006/main">
+  <p:cSld>
+    <p:bg>
+      <p:bgPr>
+        <a:solidFill>
+          <a:schemeClr val="bg1"/>
+        </a:solidFill>
+        <a:effectLst/>
+      </p:bgPr>
+    </p:bg>
+    <p:spTree>
+      <p:nvGrpSpPr>
+        <p:cNvPr id="1" name=""/>
+        <p:cNvGrpSpPr/>
+        <p:nvPr/>
+      </p:nvGrpSpPr>
+      <p:grpSpPr>
+        <a:xfrm>
+          <a:off x="0" y="0"/>
+          <a:ext cx="0" cy="0"/>
+          <a:chOff x="0" y="0"/>
+          <a:chExt cx="0" cy="0"/>
+        </a:xfrm>
+      </p:grpSpPr>
+      <p:sp useBgFill="1">
+        <p:nvSpPr>
+          <p:cNvPr id="10" name="Rectangle 9">
+            <a:extLst>
+              <a:ext uri="{FF2B5EF4-FFF2-40B4-BE49-F238E27FC236}">
+                <a16:creationId xmlns:a16="http://schemas.microsoft.com/office/drawing/2014/main" id="{C868C70C-E5C4-CD47-888C-FCB3373B6D38}"/>
+              </a:ext>
+              <a:ext uri="{C183D7F6-B498-43B3-948B-1728B52AA6E4}">
+                <adec:decorative xmlns:adec="http://schemas.microsoft.com/office/drawing/2017/decorative" val="1"/>
+              </a:ext>
+            </a:extLst>
+          </p:cNvPr>
+          <p:cNvSpPr>
+            <a:spLocks noGrp="1" noRot="1" noChangeAspect="1" noMove="1" noResize="1" noEditPoints="1" noAdjustHandles="1" noChangeArrowheads="1" noChangeShapeType="1" noTextEdit="1"/>
+          </p:cNvSpPr>
+          <p:nvPr>
+            <p:extLst>
+              <p:ext uri="{386F3935-93C4-4BCD-93E2-E3B085C9AB24}">
+                <p16:designElem xmlns:p16="http://schemas.microsoft.com/office/powerpoint/2015/main" val="1"/>
+              </p:ext>
+            </p:extLst>
+          </p:nvPr>
+        </p:nvSpPr>
+        <p:spPr>
+          <a:xfrm>
+            <a:off x="0" y="0"/>
+            <a:ext cx="12188952" cy="6858000"/>
+          </a:xfrm>
+          <a:prstGeom prst="rect">
+            <a:avLst/>
+          </a:prstGeom>
+          <a:ln>
+            <a:noFill/>
+          </a:ln>
+        </p:spPr>
+        <p:style>
+          <a:lnRef idx="2">
+            <a:schemeClr val="accent1">
+              <a:shade val="50000"/>
+            </a:schemeClr>
+          </a:lnRef>
+          <a:fillRef idx="1">
+            <a:schemeClr val="accent1"/>
+          </a:fillRef>
+          <a:effectRef idx="0">
+            <a:schemeClr val="accent1"/>
+          </a:effectRef>
+          <a:fontRef idx="minor">
+            <a:schemeClr val="lt1"/>
+          </a:fontRef>
+        </p:style>
+        <p:txBody>
+          <a:bodyPr rtlCol="0" anchor="ctr"/>
+          <a:lstStyle/>
+          <a:p>
+            <a:pPr algn="ctr"/>
+            <a:endParaRPr lang="en-US"/>
+          </a:p>
+        </p:txBody>
+      </p:sp>
+      <p:sp>
+        <p:nvSpPr>
+          <p:cNvPr id="12" name="Rectangle 11">
+            <a:extLst>
+              <a:ext uri="{FF2B5EF4-FFF2-40B4-BE49-F238E27FC236}">
+                <a16:creationId xmlns:a16="http://schemas.microsoft.com/office/drawing/2014/main" id="{15A8DDA3-B4FC-D445-AA06-C92ABAE24BAB}"/>
+              </a:ext>
+              <a:ext uri="{C183D7F6-B498-43B3-948B-1728B52AA6E4}">
+                <adec:decorative xmlns:adec="http://schemas.microsoft.com/office/drawing/2017/decorative" val="1"/>
+              </a:ext>
+            </a:extLst>
+          </p:cNvPr>
+          <p:cNvSpPr>
+            <a:spLocks noGrp="1" noRot="1" noChangeAspect="1" noMove="1" noResize="1" noEditPoints="1" noAdjustHandles="1" noChangeArrowheads="1" noChangeShapeType="1" noTextEdit="1"/>
+          </p:cNvSpPr>
+          <p:nvPr>
+            <p:extLst>
+              <p:ext uri="{386F3935-93C4-4BCD-93E2-E3B085C9AB24}">
+                <p16:designElem xmlns:p16="http://schemas.microsoft.com/office/powerpoint/2015/main" val="1"/>
+              </p:ext>
+            </p:extLst>
+          </p:nvPr>
+        </p:nvSpPr>
+        <p:spPr>
+          <a:xfrm>
+            <a:off x="1388543" y="5476671"/>
+            <a:ext cx="2770698" cy="1381329"/>
+          </a:xfrm>
+          <a:prstGeom prst="rect">
+            <a:avLst/>
+          </a:prstGeom>
+          <a:gradFill flip="none" rotWithShape="1">
+            <a:gsLst>
+              <a:gs pos="0">
+                <a:schemeClr val="accent1">
+                  <a:alpha val="50000"/>
+                </a:schemeClr>
+              </a:gs>
+              <a:gs pos="81000">
+                <a:schemeClr val="accent4">
+                  <a:alpha val="50000"/>
+                </a:schemeClr>
+              </a:gs>
+              <a:gs pos="25000">
+                <a:schemeClr val="accent2">
+                  <a:alpha val="60000"/>
+                </a:schemeClr>
+              </a:gs>
+              <a:gs pos="50000">
+                <a:schemeClr val="accent3">
+                  <a:alpha val="55000"/>
+                </a:schemeClr>
+              </a:gs>
+              <a:gs pos="99000">
+                <a:schemeClr val="accent5">
+                  <a:alpha val="50000"/>
+                </a:schemeClr>
+              </a:gs>
+            </a:gsLst>
+            <a:path path="circle">
+              <a:fillToRect r="100000" b="100000"/>
+            </a:path>
+            <a:tileRect l="-100000" t="-100000"/>
+          </a:gradFill>
+          <a:ln>
+            <a:noFill/>
+          </a:ln>
+        </p:spPr>
+        <p:style>
+          <a:lnRef idx="2">
+            <a:schemeClr val="accent1">
+              <a:shade val="50000"/>
+            </a:schemeClr>
+          </a:lnRef>
+          <a:fillRef idx="1">
+            <a:schemeClr val="accent1"/>
+          </a:fillRef>
+          <a:effectRef idx="0">
+            <a:schemeClr val="accent1"/>
+          </a:effectRef>
+          <a:fontRef idx="minor">
+            <a:schemeClr val="lt1"/>
+          </a:fontRef>
+        </p:style>
+        <p:txBody>
+          <a:bodyPr rtlCol="0" anchor="ctr"/>
+          <a:lstStyle/>
+          <a:p>
+            <a:pPr lvl="0" algn="ctr"/>
+            <a:endParaRPr lang="en-US"/>
+          </a:p>
+        </p:txBody>
+      </p:sp>
+      <p:sp>
+        <p:nvSpPr>
+          <p:cNvPr id="14" name="Rectangle 13">
+            <a:extLst>
+              <a:ext uri="{FF2B5EF4-FFF2-40B4-BE49-F238E27FC236}">
+                <a16:creationId xmlns:a16="http://schemas.microsoft.com/office/drawing/2014/main" id="{9FD0692D-A304-5E4A-BCD9-C00690321FBC}"/>
+              </a:ext>
+              <a:ext uri="{C183D7F6-B498-43B3-948B-1728B52AA6E4}">
+                <adec:decorative xmlns:adec="http://schemas.microsoft.com/office/drawing/2017/decorative" val="1"/>
+              </a:ext>
+            </a:extLst>
+          </p:cNvPr>
+          <p:cNvSpPr>
+            <a:spLocks noGrp="1" noRot="1" noChangeAspect="1" noMove="1" noResize="1" noEditPoints="1" noAdjustHandles="1" noChangeArrowheads="1" noChangeShapeType="1" noTextEdit="1"/>
+          </p:cNvSpPr>
+          <p:nvPr>
+            <p:extLst>
+              <p:ext uri="{386F3935-93C4-4BCD-93E2-E3B085C9AB24}">
+                <p16:designElem xmlns:p16="http://schemas.microsoft.com/office/powerpoint/2015/main" val="1"/>
+              </p:ext>
+            </p:extLst>
+          </p:nvPr>
+        </p:nvSpPr>
+        <p:spPr>
+          <a:xfrm>
+            <a:off x="1388542" y="4101177"/>
+            <a:ext cx="1373567" cy="2756824"/>
+          </a:xfrm>
+          <a:prstGeom prst="rect">
+            <a:avLst/>
+          </a:prstGeom>
+          <a:gradFill flip="none" rotWithShape="1">
+            <a:gsLst>
+              <a:gs pos="0">
+                <a:schemeClr val="accent1">
+                  <a:alpha val="50000"/>
+                </a:schemeClr>
+              </a:gs>
+              <a:gs pos="81000">
+                <a:schemeClr val="accent4">
+                  <a:alpha val="50000"/>
+                </a:schemeClr>
+              </a:gs>
+              <a:gs pos="25000">
+                <a:schemeClr val="accent2">
+                  <a:alpha val="60000"/>
+                </a:schemeClr>
+              </a:gs>
+              <a:gs pos="50000">
+                <a:schemeClr val="accent3">
+                  <a:alpha val="55000"/>
+                </a:schemeClr>
+              </a:gs>
+              <a:gs pos="99000">
+                <a:schemeClr val="accent5">
+                  <a:alpha val="50000"/>
+                </a:schemeClr>
+              </a:gs>
+            </a:gsLst>
+            <a:path path="circle">
+              <a:fillToRect r="100000" b="100000"/>
+            </a:path>
+            <a:tileRect l="-100000" t="-100000"/>
+          </a:gradFill>
+          <a:ln>
+            <a:noFill/>
+          </a:ln>
+        </p:spPr>
+        <p:style>
+          <a:lnRef idx="2">
+            <a:schemeClr val="accent1">
+              <a:shade val="50000"/>
+            </a:schemeClr>
+          </a:lnRef>
+          <a:fillRef idx="1">
+            <a:schemeClr val="accent1"/>
+          </a:fillRef>
+          <a:effectRef idx="0">
+            <a:schemeClr val="accent1"/>
+          </a:effectRef>
+          <a:fontRef idx="minor">
+            <a:schemeClr val="lt1"/>
+          </a:fontRef>
+        </p:style>
+        <p:txBody>
+          <a:bodyPr rtlCol="0" anchor="ctr"/>
+          <a:lstStyle/>
+          <a:p>
+            <a:pPr lvl="0" algn="ctr"/>
+            <a:endParaRPr lang="en-US"/>
+          </a:p>
+        </p:txBody>
+      </p:sp>
+      <p:sp>
+        <p:nvSpPr>
+          <p:cNvPr id="2" name="Title 1">
+            <a:extLst>
+              <a:ext uri="{FF2B5EF4-FFF2-40B4-BE49-F238E27FC236}">
+                <a16:creationId xmlns:a16="http://schemas.microsoft.com/office/drawing/2014/main" id="{2FE1E3B3-1AD4-42A7-8225-EF9438DAF73E}"/>
+              </a:ext>
+            </a:extLst>
+          </p:cNvPr>
+          <p:cNvSpPr>
+            <a:spLocks noGrp="1"/>
+          </p:cNvSpPr>
+          <p:nvPr>
+            <p:ph type="title"/>
+          </p:nvPr>
+        </p:nvSpPr>
+        <p:spPr>
+          <a:xfrm>
+            <a:off x="1388542" y="455362"/>
+            <a:ext cx="3183457" cy="3392972"/>
+          </a:xfrm>
+        </p:spPr>
+        <p:txBody>
+          <a:bodyPr>
+            <a:normAutofit/>
+          </a:bodyPr>
+          <a:lstStyle/>
+          <a:p>
+            <a:r>
+              <a:rPr lang="sk-SK" dirty="0"/>
+              <a:t>Obsah</a:t>
+            </a:r>
+            <a:endParaRPr lang="en-US" dirty="0"/>
+          </a:p>
+        </p:txBody>
+      </p:sp>
+      <p:graphicFrame>
+        <p:nvGraphicFramePr>
+          <p:cNvPr id="5" name="Content Placeholder 2">
+            <a:extLst>
+              <a:ext uri="{FF2B5EF4-FFF2-40B4-BE49-F238E27FC236}">
+                <a16:creationId xmlns:a16="http://schemas.microsoft.com/office/drawing/2014/main" id="{6F52C9FE-F921-41C7-9642-D2814F6DF868}"/>
+              </a:ext>
+            </a:extLst>
+          </p:cNvPr>
+          <p:cNvGraphicFramePr>
+            <a:graphicFrameLocks noGrp="1"/>
+          </p:cNvGraphicFramePr>
+          <p:nvPr>
+            <p:ph idx="1"/>
+            <p:extLst>
+              <p:ext uri="{D42A27DB-BD31-4B8C-83A1-F6EECF244321}">
+                <p14:modId xmlns:p14="http://schemas.microsoft.com/office/powerpoint/2010/main" val="4031620901"/>
+              </p:ext>
+            </p:extLst>
+          </p:nvPr>
+        </p:nvGraphicFramePr>
+        <p:xfrm>
+          <a:off x="5224244" y="409518"/>
+          <a:ext cx="6034656" cy="5632254"/>
+        </p:xfrm>
+        <a:graphic>
+          <a:graphicData uri="http://schemas.openxmlformats.org/drawingml/2006/diagram">
+            <dgm:relIds xmlns:dgm="http://schemas.openxmlformats.org/drawingml/2006/diagram" xmlns:r="http://schemas.openxmlformats.org/officeDocument/2006/relationships" r:dm="rId2" r:lo="rId3" r:qs="rId4" r:cs="rId5"/>
+          </a:graphicData>
+        </a:graphic>
+      </p:graphicFrame>
+    </p:spTree>
+    <p:extLst>
+      <p:ext uri="{BB962C8B-B14F-4D97-AF65-F5344CB8AC3E}">
+        <p14:creationId xmlns:p14="http://schemas.microsoft.com/office/powerpoint/2010/main" val="3212083863"/>
+      </p:ext>
+    </p:extLst>
+  </p:cSld>
+  <p:clrMapOvr>
+    <a:masterClrMapping/>
+  </p:clrMapOvr>
+</p:sld>
+</file>
+
+<file path=ppt/slides/slide4.xml><?xml version="1.0" encoding="utf-8"?>
+<p:sld xmlns:a="http://schemas.openxmlformats.org/drawingml/2006/main" xmlns:r="http://schemas.openxmlformats.org/officeDocument/2006/relationships" xmlns:p="http://schemas.openxmlformats.org/presentationml/2006/main">
+  <p:cSld>
+    <p:bg>
+      <p:bgPr>
+        <a:solidFill>
+          <a:schemeClr val="bg1"/>
+        </a:solidFill>
+        <a:effectLst/>
+      </p:bgPr>
+    </p:bg>
+    <p:spTree>
+      <p:nvGrpSpPr>
+        <p:cNvPr id="1" name=""/>
+        <p:cNvGrpSpPr/>
+        <p:nvPr/>
+      </p:nvGrpSpPr>
+      <p:grpSpPr>
+        <a:xfrm>
+          <a:off x="0" y="0"/>
+          <a:ext cx="0" cy="0"/>
+          <a:chOff x="0" y="0"/>
+          <a:chExt cx="0" cy="0"/>
+        </a:xfrm>
+      </p:grpSpPr>
+      <p:sp useBgFill="1">
+        <p:nvSpPr>
+          <p:cNvPr id="9" name="Rectangle 8">
+            <a:extLst>
+              <a:ext uri="{FF2B5EF4-FFF2-40B4-BE49-F238E27FC236}">
+                <a16:creationId xmlns:a16="http://schemas.microsoft.com/office/drawing/2014/main" id="{C868C70C-E5C4-CD47-888C-FCB3373B6D38}"/>
+              </a:ext>
+              <a:ext uri="{C183D7F6-B498-43B3-948B-1728B52AA6E4}">
+                <adec:decorative xmlns:adec="http://schemas.microsoft.com/office/drawing/2017/decorative" val="1"/>
+              </a:ext>
+            </a:extLst>
+          </p:cNvPr>
+          <p:cNvSpPr>
+            <a:spLocks noGrp="1" noRot="1" noChangeAspect="1" noMove="1" noResize="1" noEditPoints="1" noAdjustHandles="1" noChangeArrowheads="1" noChangeShapeType="1" noTextEdit="1"/>
+          </p:cNvSpPr>
+          <p:nvPr>
+            <p:extLst>
+              <p:ext uri="{386F3935-93C4-4BCD-93E2-E3B085C9AB24}">
+                <p16:designElem xmlns:p16="http://schemas.microsoft.com/office/powerpoint/2015/main" val="1"/>
+              </p:ext>
+            </p:extLst>
+          </p:nvPr>
+        </p:nvSpPr>
+        <p:spPr>
+          <a:xfrm>
+            <a:off x="0" y="0"/>
+            <a:ext cx="12188952" cy="6858000"/>
+          </a:xfrm>
+          <a:prstGeom prst="rect">
+            <a:avLst/>
+          </a:prstGeom>
+          <a:ln>
+            <a:noFill/>
+          </a:ln>
+        </p:spPr>
+        <p:style>
+          <a:lnRef idx="2">
+            <a:schemeClr val="accent1">
+              <a:shade val="50000"/>
+            </a:schemeClr>
+          </a:lnRef>
+          <a:fillRef idx="1">
+            <a:schemeClr val="accent1"/>
+          </a:fillRef>
+          <a:effectRef idx="0">
+            <a:schemeClr val="accent1"/>
+          </a:effectRef>
+          <a:fontRef idx="minor">
+            <a:schemeClr val="lt1"/>
+          </a:fontRef>
+        </p:style>
+        <p:txBody>
+          <a:bodyPr rtlCol="0" anchor="ctr"/>
+          <a:lstStyle/>
+          <a:p>
+            <a:pPr algn="ctr"/>
+            <a:endParaRPr lang="en-US"/>
+          </a:p>
+        </p:txBody>
+      </p:sp>
+      <p:pic>
+        <p:nvPicPr>
+          <p:cNvPr id="4" name="Picture 3" descr="https://www.bd.com/en-uk/products/diabetes/diabetes-products/pen-needles/pen-needle-compatibility">
+            <a:extLst>
+              <a:ext uri="{FF2B5EF4-FFF2-40B4-BE49-F238E27FC236}">
+                <a16:creationId xmlns:a16="http://schemas.microsoft.com/office/drawing/2014/main" id="{50F14951-2071-4D70-A763-F3A73B20413C}"/>
+              </a:ext>
+              <a:ext uri="{C183D7F6-B498-43B3-948B-1728B52AA6E4}">
+                <adec:decorative xmlns:adec="http://schemas.microsoft.com/office/drawing/2017/decorative" val="0"/>
+              </a:ext>
+            </a:extLst>
+          </p:cNvPr>
+          <p:cNvPicPr>
+            <a:picLocks noChangeAspect="1"/>
+          </p:cNvPicPr>
+          <p:nvPr/>
+        </p:nvPicPr>
+        <p:blipFill rotWithShape="1">
+          <a:blip r:embed="rId2">
+            <a:extLst>
+              <a:ext uri="{28A0092B-C50C-407E-A947-70E740481C1C}">
+                <a14:useLocalDpi xmlns:a14="http://schemas.microsoft.com/office/drawing/2010/main" val="0"/>
+              </a:ext>
+            </a:extLst>
+          </a:blip>
+          <a:srcRect l="6821" r="13644" b="1"/>
+          <a:stretch/>
+        </p:blipFill>
+        <p:spPr>
+          <a:xfrm>
+            <a:off x="3048" y="10"/>
+            <a:ext cx="12188952" cy="6857990"/>
+          </a:xfrm>
+          <a:prstGeom prst="rect">
+            <a:avLst/>
+          </a:prstGeom>
+        </p:spPr>
+      </p:pic>
+      <p:sp>
+        <p:nvSpPr>
+          <p:cNvPr id="11" name="Rectangle">
+            <a:extLst>
+              <a:ext uri="{FF2B5EF4-FFF2-40B4-BE49-F238E27FC236}">
+                <a16:creationId xmlns:a16="http://schemas.microsoft.com/office/drawing/2014/main" id="{F7C9FD24-3092-E04F-925D-C1183BF54C06}"/>
+              </a:ext>
+              <a:ext uri="{C183D7F6-B498-43B3-948B-1728B52AA6E4}">
+                <adec:decorative xmlns:adec="http://schemas.microsoft.com/office/drawing/2017/decorative" val="1"/>
+              </a:ext>
+            </a:extLst>
+          </p:cNvPr>
+          <p:cNvSpPr>
+            <a:spLocks noGrp="1" noRot="1" noChangeAspect="1" noMove="1" noResize="1" noEditPoints="1" noAdjustHandles="1" noChangeArrowheads="1" noChangeShapeType="1" noTextEdit="1"/>
+          </p:cNvSpPr>
+          <p:nvPr>
+            <p:extLst>
+              <p:ext uri="{386F3935-93C4-4BCD-93E2-E3B085C9AB24}">
+                <p16:designElem xmlns:p16="http://schemas.microsoft.com/office/powerpoint/2015/main" val="1"/>
+              </p:ext>
+            </p:extLst>
+          </p:nvPr>
+        </p:nvSpPr>
+        <p:spPr>
+          <a:xfrm>
+            <a:off x="0" y="-1"/>
+            <a:ext cx="7551978" cy="6858001"/>
+          </a:xfrm>
+          <a:prstGeom prst="rect">
+            <a:avLst/>
+          </a:prstGeom>
+          <a:solidFill>
+            <a:schemeClr val="bg1">
+              <a:alpha val="85000"/>
+            </a:schemeClr>
+          </a:solidFill>
+          <a:ln w="12700">
+            <a:miter lim="400000"/>
+          </a:ln>
+        </p:spPr>
+        <p:txBody>
+          <a:bodyPr lIns="50800" tIns="50800" rIns="50800" bIns="50800" anchor="ctr"/>
+          <a:lstStyle/>
+          <a:p>
+            <a:pPr algn="ctr" defTabSz="457200"/>
+            <a:endParaRPr sz="2600" cap="all" dirty="0">
+              <a:solidFill>
+                <a:srgbClr val="FFFFFF"/>
+              </a:solidFill>
+              <a:sym typeface="Avenir Next"/>
+            </a:endParaRPr>
+          </a:p>
+        </p:txBody>
+      </p:sp>
+      <p:sp>
+        <p:nvSpPr>
+          <p:cNvPr id="13" name="Rectangle 12">
+            <a:extLst>
+              <a:ext uri="{FF2B5EF4-FFF2-40B4-BE49-F238E27FC236}">
+                <a16:creationId xmlns:a16="http://schemas.microsoft.com/office/drawing/2014/main" id="{D8C68F39-5E8A-844C-A8FD-394F253C1E5F}"/>
+              </a:ext>
+              <a:ext uri="{C183D7F6-B498-43B3-948B-1728B52AA6E4}">
+                <adec:decorative xmlns:adec="http://schemas.microsoft.com/office/drawing/2017/decorative" val="1"/>
+              </a:ext>
+            </a:extLst>
+          </p:cNvPr>
+          <p:cNvSpPr>
+            <a:spLocks noGrp="1" noRot="1" noChangeAspect="1" noMove="1" noResize="1" noEditPoints="1" noAdjustHandles="1" noChangeArrowheads="1" noChangeShapeType="1" noTextEdit="1"/>
+          </p:cNvSpPr>
+          <p:nvPr>
+            <p:extLst>
+              <p:ext uri="{386F3935-93C4-4BCD-93E2-E3B085C9AB24}">
+                <p16:designElem xmlns:p16="http://schemas.microsoft.com/office/powerpoint/2015/main" val="1"/>
+              </p:ext>
+            </p:extLst>
+          </p:nvPr>
+        </p:nvSpPr>
+        <p:spPr>
+          <a:xfrm>
+            <a:off x="7547153" y="565153"/>
+            <a:ext cx="1133856" cy="6292847"/>
+          </a:xfrm>
+          <a:prstGeom prst="rect">
+            <a:avLst/>
+          </a:prstGeom>
+          <a:gradFill flip="none" rotWithShape="1">
+            <a:gsLst>
+              <a:gs pos="0">
+                <a:schemeClr val="accent1">
+                  <a:alpha val="50000"/>
+                </a:schemeClr>
+              </a:gs>
+              <a:gs pos="81000">
+                <a:schemeClr val="accent4">
+                  <a:alpha val="50000"/>
+                </a:schemeClr>
+              </a:gs>
+              <a:gs pos="25000">
+                <a:schemeClr val="accent2">
+                  <a:alpha val="60000"/>
+                </a:schemeClr>
+              </a:gs>
+              <a:gs pos="50000">
+                <a:schemeClr val="accent3">
+                  <a:alpha val="55000"/>
+                </a:schemeClr>
+              </a:gs>
+              <a:gs pos="99000">
+                <a:schemeClr val="accent5">
+                  <a:alpha val="50000"/>
+                </a:schemeClr>
+              </a:gs>
+            </a:gsLst>
+            <a:path path="circle">
+              <a:fillToRect r="100000" b="100000"/>
+            </a:path>
+            <a:tileRect l="-100000" t="-100000"/>
+          </a:gradFill>
+          <a:ln>
+            <a:noFill/>
+          </a:ln>
+        </p:spPr>
+        <p:style>
+          <a:lnRef idx="2">
+            <a:schemeClr val="accent1">
+              <a:shade val="50000"/>
+            </a:schemeClr>
+          </a:lnRef>
+          <a:fillRef idx="1">
+            <a:schemeClr val="accent1"/>
+          </a:fillRef>
+          <a:effectRef idx="0">
+            <a:schemeClr val="accent1"/>
+          </a:effectRef>
+          <a:fontRef idx="minor">
+            <a:schemeClr val="lt1"/>
+          </a:fontRef>
+        </p:style>
+        <p:txBody>
+          <a:bodyPr rtlCol="0" anchor="ctr"/>
+          <a:lstStyle/>
+          <a:p>
+            <a:pPr algn="ctr"/>
+            <a:endParaRPr lang="en-US"/>
+          </a:p>
+        </p:txBody>
+      </p:sp>
+      <p:sp>
+        <p:nvSpPr>
+          <p:cNvPr id="15" name="Rectangle 14">
+            <a:extLst>
+              <a:ext uri="{FF2B5EF4-FFF2-40B4-BE49-F238E27FC236}">
+                <a16:creationId xmlns:a16="http://schemas.microsoft.com/office/drawing/2014/main" id="{BC583CEB-AC2B-2640-94F6-5958E6BC5BAB}"/>
+              </a:ext>
+              <a:ext uri="{C183D7F6-B498-43B3-948B-1728B52AA6E4}">
+                <adec:decorative xmlns:adec="http://schemas.microsoft.com/office/drawing/2017/decorative" val="1"/>
+              </a:ext>
+            </a:extLst>
+          </p:cNvPr>
+          <p:cNvSpPr>
+            <a:spLocks noGrp="1" noRot="1" noChangeAspect="1" noMove="1" noResize="1" noEditPoints="1" noAdjustHandles="1" noChangeArrowheads="1" noChangeShapeType="1" noTextEdit="1"/>
+          </p:cNvSpPr>
+          <p:nvPr>
+            <p:extLst>
+              <p:ext uri="{386F3935-93C4-4BCD-93E2-E3B085C9AB24}">
+                <p16:designElem xmlns:p16="http://schemas.microsoft.com/office/powerpoint/2015/main" val="1"/>
+              </p:ext>
+            </p:extLst>
+          </p:nvPr>
+        </p:nvSpPr>
+        <p:spPr>
+          <a:xfrm>
+            <a:off x="7547153" y="-3"/>
+            <a:ext cx="565150" cy="6857999"/>
+          </a:xfrm>
+          <a:prstGeom prst="rect">
+            <a:avLst/>
+          </a:prstGeom>
+          <a:gradFill flip="none" rotWithShape="1">
+            <a:gsLst>
+              <a:gs pos="0">
+                <a:schemeClr val="accent1">
+                  <a:alpha val="50000"/>
+                </a:schemeClr>
+              </a:gs>
+              <a:gs pos="81000">
+                <a:schemeClr val="accent4">
+                  <a:alpha val="50000"/>
+                </a:schemeClr>
+              </a:gs>
+              <a:gs pos="25000">
+                <a:schemeClr val="accent2">
+                  <a:alpha val="60000"/>
+                </a:schemeClr>
+              </a:gs>
+              <a:gs pos="49000">
+                <a:schemeClr val="accent3">
+                  <a:alpha val="55000"/>
+                </a:schemeClr>
+              </a:gs>
+              <a:gs pos="99000">
+                <a:schemeClr val="accent5">
+                  <a:alpha val="50000"/>
+                </a:schemeClr>
+              </a:gs>
+            </a:gsLst>
+            <a:path path="circle">
+              <a:fillToRect r="100000" b="100000"/>
+            </a:path>
+            <a:tileRect l="-100000" t="-100000"/>
+          </a:gradFill>
+          <a:ln>
+            <a:noFill/>
+          </a:ln>
+        </p:spPr>
+        <p:style>
+          <a:lnRef idx="2">
+            <a:schemeClr val="accent1">
+              <a:shade val="50000"/>
+            </a:schemeClr>
+          </a:lnRef>
+          <a:fillRef idx="1">
+            <a:schemeClr val="accent1"/>
+          </a:fillRef>
+          <a:effectRef idx="0">
+            <a:schemeClr val="accent1"/>
+          </a:effectRef>
+          <a:fontRef idx="minor">
+            <a:schemeClr val="lt1"/>
+          </a:fontRef>
+        </p:style>
+        <p:txBody>
+          <a:bodyPr rtlCol="0" anchor="ctr"/>
+          <a:lstStyle/>
+          <a:p>
+            <a:pPr algn="ctr"/>
+            <a:endParaRPr lang="en-US"/>
+          </a:p>
+        </p:txBody>
+      </p:sp>
+      <p:sp>
+        <p:nvSpPr>
+          <p:cNvPr id="2" name="Title 1">
+            <a:extLst>
+              <a:ext uri="{FF2B5EF4-FFF2-40B4-BE49-F238E27FC236}">
+                <a16:creationId xmlns:a16="http://schemas.microsoft.com/office/drawing/2014/main" id="{D7523D4F-CA19-4C20-8064-0E095ED25F9A}"/>
+              </a:ext>
+            </a:extLst>
+          </p:cNvPr>
+          <p:cNvSpPr>
+            <a:spLocks noGrp="1"/>
+          </p:cNvSpPr>
+          <p:nvPr>
+            <p:ph type="title"/>
+          </p:nvPr>
+        </p:nvSpPr>
+        <p:spPr>
+          <a:xfrm>
+            <a:off x="565151" y="455362"/>
+            <a:ext cx="6400798" cy="1550419"/>
+          </a:xfrm>
+        </p:spPr>
+        <p:txBody>
+          <a:bodyPr>
+            <a:normAutofit/>
+          </a:bodyPr>
+          <a:lstStyle/>
+          <a:p>
+            <a:r>
+              <a:rPr lang="sk-SK" dirty="0"/>
+              <a:t>Diabetes Mellitus</a:t>
+            </a:r>
+            <a:r>
+              <a:rPr lang="en-US" dirty="0"/>
+              <a:t> [1]</a:t>
+            </a:r>
+          </a:p>
+        </p:txBody>
+      </p:sp>
+      <p:sp>
+        <p:nvSpPr>
+          <p:cNvPr id="3" name="Content Placeholder 2">
+            <a:extLst>
+              <a:ext uri="{FF2B5EF4-FFF2-40B4-BE49-F238E27FC236}">
+                <a16:creationId xmlns:a16="http://schemas.microsoft.com/office/drawing/2014/main" id="{448DC4AA-7865-4016-9497-32A111B95E40}"/>
+              </a:ext>
+            </a:extLst>
+          </p:cNvPr>
+          <p:cNvSpPr>
+            <a:spLocks noGrp="1"/>
+          </p:cNvSpPr>
+          <p:nvPr>
+            <p:ph idx="1"/>
+          </p:nvPr>
+        </p:nvSpPr>
+        <p:spPr>
+          <a:xfrm>
+            <a:off x="565151" y="2160016"/>
+            <a:ext cx="6400798" cy="3926152"/>
+          </a:xfrm>
+        </p:spPr>
+        <p:txBody>
+          <a:bodyPr>
+            <a:normAutofit/>
+          </a:bodyPr>
+          <a:lstStyle/>
+          <a:p>
+            <a:r>
+              <a:rPr lang="sk-SK" dirty="0"/>
+              <a:t>Telesná disfunkcia spôsobená odumieraním B-buniek v pankrease alebo rezistenciou na inzulín</a:t>
+            </a:r>
+          </a:p>
+          <a:p>
+            <a:r>
+              <a:rPr lang="sk-SK" dirty="0"/>
+              <a:t>Typy:</a:t>
+            </a:r>
+          </a:p>
+          <a:p>
+            <a:pPr lvl="1"/>
+            <a:r>
+              <a:rPr lang="sk-SK" dirty="0"/>
+              <a:t>Typ 1 – disfunkcia pankreasu (neliečiteľné)</a:t>
+            </a:r>
+          </a:p>
+          <a:p>
+            <a:pPr lvl="1"/>
+            <a:r>
+              <a:rPr lang="sk-SK" dirty="0"/>
+              <a:t>Typ 2 – rezistencia na inzulín (dá sa liečiť)</a:t>
+            </a:r>
+          </a:p>
+          <a:p>
+            <a:pPr lvl="1"/>
+            <a:r>
+              <a:rPr lang="sk-SK" dirty="0"/>
+              <a:t>Tehotenský</a:t>
+            </a:r>
+          </a:p>
+          <a:p>
+            <a:pPr lvl="1"/>
+            <a:r>
+              <a:rPr lang="sk-SK" dirty="0"/>
+              <a:t>Špeciálny </a:t>
+            </a:r>
+          </a:p>
+        </p:txBody>
+      </p:sp>
+      <p:sp>
+        <p:nvSpPr>
+          <p:cNvPr id="5" name="TextBox 4">
+            <a:extLst>
+              <a:ext uri="{FF2B5EF4-FFF2-40B4-BE49-F238E27FC236}">
+                <a16:creationId xmlns:a16="http://schemas.microsoft.com/office/drawing/2014/main" id="{25D299B9-F3F0-4795-BF5E-1352D43A8A41}"/>
+              </a:ext>
+            </a:extLst>
+          </p:cNvPr>
+          <p:cNvSpPr txBox="1"/>
+          <p:nvPr/>
+        </p:nvSpPr>
+        <p:spPr>
+          <a:xfrm>
+            <a:off x="3288023" y="6550213"/>
+            <a:ext cx="9656942" cy="307777"/>
+          </a:xfrm>
+          <a:prstGeom prst="rect">
+            <a:avLst/>
+          </a:prstGeom>
+          <a:noFill/>
+        </p:spPr>
+        <p:txBody>
+          <a:bodyPr wrap="square" rtlCol="0">
+            <a:spAutoFit/>
+          </a:bodyPr>
+          <a:lstStyle/>
+          <a:p>
+            <a:r>
+              <a:rPr lang="en-US" sz="1400" dirty="0"/>
+              <a:t>https://www.bd.com/en-uk/products/diabetes/diabetes-products/pen-needles/pen-needle-compatibility</a:t>
+            </a:r>
+          </a:p>
+        </p:txBody>
+      </p:sp>
+    </p:spTree>
+    <p:extLst>
+      <p:ext uri="{BB962C8B-B14F-4D97-AF65-F5344CB8AC3E}">
+        <p14:creationId xmlns:p14="http://schemas.microsoft.com/office/powerpoint/2010/main" val="1536118318"/>
+      </p:ext>
+    </p:extLst>
+  </p:cSld>
+  <p:clrMapOvr>
+    <a:masterClrMapping/>
+  </p:clrMapOvr>
+</p:sld>
+</file>
+
+<file path=ppt/slides/slide5.xml><?xml version="1.0" encoding="utf-8"?>
+<p:sld xmlns:a="http://schemas.openxmlformats.org/drawingml/2006/main" xmlns:r="http://schemas.openxmlformats.org/officeDocument/2006/relationships" xmlns:p="http://schemas.openxmlformats.org/presentationml/2006/main">
+  <p:cSld>
+    <p:bg>
+      <p:bgPr>
+        <a:solidFill>
+          <a:schemeClr val="bg1"/>
+        </a:solidFill>
+        <a:effectLst/>
+      </p:bgPr>
+    </p:bg>
+    <p:spTree>
+      <p:nvGrpSpPr>
+        <p:cNvPr id="1" name=""/>
+        <p:cNvGrpSpPr/>
+        <p:nvPr/>
+      </p:nvGrpSpPr>
+      <p:grpSpPr>
+        <a:xfrm>
+          <a:off x="0" y="0"/>
+          <a:ext cx="0" cy="0"/>
+          <a:chOff x="0" y="0"/>
+          <a:chExt cx="0" cy="0"/>
+        </a:xfrm>
+      </p:grpSpPr>
+      <p:sp useBgFill="1">
+        <p:nvSpPr>
+          <p:cNvPr id="26" name="Rectangle 25">
+            <a:extLst>
+              <a:ext uri="{FF2B5EF4-FFF2-40B4-BE49-F238E27FC236}">
+                <a16:creationId xmlns:a16="http://schemas.microsoft.com/office/drawing/2014/main" id="{C868C70C-E5C4-CD47-888C-FCB3373B6D38}"/>
+              </a:ext>
+              <a:ext uri="{C183D7F6-B498-43B3-948B-1728B52AA6E4}">
+                <adec:decorative xmlns:adec="http://schemas.microsoft.com/office/drawing/2017/decorative" val="1"/>
+              </a:ext>
+            </a:extLst>
+          </p:cNvPr>
+          <p:cNvSpPr>
+            <a:spLocks noGrp="1" noRot="1" noChangeAspect="1" noMove="1" noResize="1" noEditPoints="1" noAdjustHandles="1" noChangeArrowheads="1" noChangeShapeType="1" noTextEdit="1"/>
+          </p:cNvSpPr>
+          <p:nvPr>
+            <p:extLst>
+              <p:ext uri="{386F3935-93C4-4BCD-93E2-E3B085C9AB24}">
+                <p16:designElem xmlns:p16="http://schemas.microsoft.com/office/powerpoint/2015/main" val="1"/>
+              </p:ext>
+            </p:extLst>
+          </p:nvPr>
+        </p:nvSpPr>
+        <p:spPr>
+          <a:xfrm>
+            <a:off x="0" y="0"/>
+            <a:ext cx="12188952" cy="6858000"/>
+          </a:xfrm>
+          <a:prstGeom prst="rect">
+            <a:avLst/>
+          </a:prstGeom>
+          <a:ln>
+            <a:noFill/>
+          </a:ln>
+        </p:spPr>
+        <p:style>
+          <a:lnRef idx="2">
+            <a:schemeClr val="accent1">
+              <a:shade val="50000"/>
+            </a:schemeClr>
+          </a:lnRef>
+          <a:fillRef idx="1">
+            <a:schemeClr val="accent1"/>
+          </a:fillRef>
+          <a:effectRef idx="0">
+            <a:schemeClr val="accent1"/>
+          </a:effectRef>
+          <a:fontRef idx="minor">
+            <a:schemeClr val="lt1"/>
+          </a:fontRef>
+        </p:style>
+        <p:txBody>
+          <a:bodyPr rtlCol="0" anchor="ctr"/>
+          <a:lstStyle/>
+          <a:p>
+            <a:pPr algn="ctr"/>
+            <a:endParaRPr lang="en-US"/>
+          </a:p>
+        </p:txBody>
+      </p:sp>
+      <p:pic>
+        <p:nvPicPr>
+          <p:cNvPr id="4" name="Content Placeholder 3" descr="https://touchit.sk/ako-mozu-pomoct-pri-lieceni-cukrovky-informacne-technologie/352519d">
+            <a:extLst>
+              <a:ext uri="{FF2B5EF4-FFF2-40B4-BE49-F238E27FC236}">
+                <a16:creationId xmlns:a16="http://schemas.microsoft.com/office/drawing/2014/main" id="{5EED1EB5-0BA9-4D65-AD0F-1250A8D8E562}"/>
+              </a:ext>
+            </a:extLst>
+          </p:cNvPr>
+          <p:cNvPicPr>
+            <a:picLocks noChangeAspect="1"/>
+          </p:cNvPicPr>
+          <p:nvPr/>
+        </p:nvPicPr>
+        <p:blipFill rotWithShape="1">
+          <a:blip r:embed="rId2">
+            <a:extLst>
+              <a:ext uri="{28A0092B-C50C-407E-A947-70E740481C1C}">
+                <a14:useLocalDpi xmlns:a14="http://schemas.microsoft.com/office/drawing/2010/main" val="0"/>
+              </a:ext>
+            </a:extLst>
+          </a:blip>
+          <a:srcRect r="11133"/>
+          <a:stretch/>
+        </p:blipFill>
+        <p:spPr>
+          <a:xfrm rot="21600000">
+            <a:off x="3048" y="-7"/>
+            <a:ext cx="12188952" cy="6857990"/>
+          </a:xfrm>
+          <a:prstGeom prst="rect">
+            <a:avLst/>
+          </a:prstGeom>
+        </p:spPr>
+      </p:pic>
+      <p:sp>
+        <p:nvSpPr>
+          <p:cNvPr id="28" name="Rectangle">
+            <a:extLst>
+              <a:ext uri="{FF2B5EF4-FFF2-40B4-BE49-F238E27FC236}">
+                <a16:creationId xmlns:a16="http://schemas.microsoft.com/office/drawing/2014/main" id="{F7C9FD24-3092-E04F-925D-C1183BF54C06}"/>
+              </a:ext>
+              <a:ext uri="{C183D7F6-B498-43B3-948B-1728B52AA6E4}">
+                <adec:decorative xmlns:adec="http://schemas.microsoft.com/office/drawing/2017/decorative" val="1"/>
+              </a:ext>
+            </a:extLst>
+          </p:cNvPr>
+          <p:cNvSpPr>
+            <a:spLocks noGrp="1" noRot="1" noChangeAspect="1" noMove="1" noResize="1" noEditPoints="1" noAdjustHandles="1" noChangeArrowheads="1" noChangeShapeType="1" noTextEdit="1"/>
+          </p:cNvSpPr>
+          <p:nvPr>
+            <p:extLst>
+              <p:ext uri="{386F3935-93C4-4BCD-93E2-E3B085C9AB24}">
+                <p16:designElem xmlns:p16="http://schemas.microsoft.com/office/powerpoint/2015/main" val="1"/>
+              </p:ext>
+            </p:extLst>
+          </p:nvPr>
+        </p:nvSpPr>
+        <p:spPr>
+          <a:xfrm>
+            <a:off x="0" y="-1"/>
+            <a:ext cx="7551978" cy="6858001"/>
+          </a:xfrm>
+          <a:prstGeom prst="rect">
+            <a:avLst/>
+          </a:prstGeom>
+          <a:solidFill>
+            <a:schemeClr val="bg1">
+              <a:alpha val="85000"/>
+            </a:schemeClr>
+          </a:solidFill>
+          <a:ln w="12700">
+            <a:miter lim="400000"/>
+          </a:ln>
+        </p:spPr>
+        <p:txBody>
+          <a:bodyPr lIns="50800" tIns="50800" rIns="50800" bIns="50800" anchor="ctr"/>
+          <a:lstStyle/>
+          <a:p>
+            <a:pPr algn="ctr" defTabSz="457200"/>
+            <a:endParaRPr sz="2600" cap="all" dirty="0">
+              <a:solidFill>
+                <a:srgbClr val="FFFFFF"/>
+              </a:solidFill>
+              <a:sym typeface="Avenir Next"/>
+            </a:endParaRPr>
+          </a:p>
+        </p:txBody>
+      </p:sp>
+      <p:sp>
+        <p:nvSpPr>
+          <p:cNvPr id="30" name="Rectangle 29">
+            <a:extLst>
+              <a:ext uri="{FF2B5EF4-FFF2-40B4-BE49-F238E27FC236}">
+                <a16:creationId xmlns:a16="http://schemas.microsoft.com/office/drawing/2014/main" id="{D8C68F39-5E8A-844C-A8FD-394F253C1E5F}"/>
+              </a:ext>
+              <a:ext uri="{C183D7F6-B498-43B3-948B-1728B52AA6E4}">
+                <adec:decorative xmlns:adec="http://schemas.microsoft.com/office/drawing/2017/decorative" val="1"/>
+              </a:ext>
+            </a:extLst>
+          </p:cNvPr>
+          <p:cNvSpPr>
+            <a:spLocks noGrp="1" noRot="1" noChangeAspect="1" noMove="1" noResize="1" noEditPoints="1" noAdjustHandles="1" noChangeArrowheads="1" noChangeShapeType="1" noTextEdit="1"/>
+          </p:cNvSpPr>
+          <p:nvPr>
+            <p:extLst>
+              <p:ext uri="{386F3935-93C4-4BCD-93E2-E3B085C9AB24}">
+                <p16:designElem xmlns:p16="http://schemas.microsoft.com/office/powerpoint/2015/main" val="1"/>
+              </p:ext>
+            </p:extLst>
+          </p:nvPr>
+        </p:nvSpPr>
+        <p:spPr>
+          <a:xfrm>
+            <a:off x="7547153" y="565153"/>
+            <a:ext cx="1133856" cy="6292847"/>
+          </a:xfrm>
+          <a:prstGeom prst="rect">
+            <a:avLst/>
+          </a:prstGeom>
+          <a:gradFill flip="none" rotWithShape="1">
+            <a:gsLst>
+              <a:gs pos="0">
+                <a:schemeClr val="accent1">
+                  <a:alpha val="50000"/>
+                </a:schemeClr>
+              </a:gs>
+              <a:gs pos="81000">
+                <a:schemeClr val="accent4">
+                  <a:alpha val="50000"/>
+                </a:schemeClr>
+              </a:gs>
+              <a:gs pos="25000">
+                <a:schemeClr val="accent2">
+                  <a:alpha val="60000"/>
+                </a:schemeClr>
+              </a:gs>
+              <a:gs pos="50000">
+                <a:schemeClr val="accent3">
+                  <a:alpha val="55000"/>
+                </a:schemeClr>
+              </a:gs>
+              <a:gs pos="99000">
+                <a:schemeClr val="accent5">
+                  <a:alpha val="50000"/>
+                </a:schemeClr>
+              </a:gs>
+            </a:gsLst>
+            <a:path path="circle">
+              <a:fillToRect r="100000" b="100000"/>
+            </a:path>
+            <a:tileRect l="-100000" t="-100000"/>
+          </a:gradFill>
+          <a:ln>
+            <a:noFill/>
+          </a:ln>
+        </p:spPr>
+        <p:style>
+          <a:lnRef idx="2">
+            <a:schemeClr val="accent1">
+              <a:shade val="50000"/>
+            </a:schemeClr>
+          </a:lnRef>
+          <a:fillRef idx="1">
+            <a:schemeClr val="accent1"/>
+          </a:fillRef>
+          <a:effectRef idx="0">
+            <a:schemeClr val="accent1"/>
+          </a:effectRef>
+          <a:fontRef idx="minor">
+            <a:schemeClr val="lt1"/>
+          </a:fontRef>
+        </p:style>
+        <p:txBody>
+          <a:bodyPr rtlCol="0" anchor="ctr"/>
+          <a:lstStyle/>
+          <a:p>
+            <a:pPr algn="ctr"/>
+            <a:endParaRPr lang="en-US"/>
+          </a:p>
+        </p:txBody>
+      </p:sp>
+      <p:sp>
+        <p:nvSpPr>
+          <p:cNvPr id="32" name="Rectangle 31">
+            <a:extLst>
+              <a:ext uri="{FF2B5EF4-FFF2-40B4-BE49-F238E27FC236}">
+                <a16:creationId xmlns:a16="http://schemas.microsoft.com/office/drawing/2014/main" id="{BC583CEB-AC2B-2640-94F6-5958E6BC5BAB}"/>
+              </a:ext>
+              <a:ext uri="{C183D7F6-B498-43B3-948B-1728B52AA6E4}">
+                <adec:decorative xmlns:adec="http://schemas.microsoft.com/office/drawing/2017/decorative" val="1"/>
+              </a:ext>
+            </a:extLst>
+          </p:cNvPr>
+          <p:cNvSpPr>
+            <a:spLocks noGrp="1" noRot="1" noChangeAspect="1" noMove="1" noResize="1" noEditPoints="1" noAdjustHandles="1" noChangeArrowheads="1" noChangeShapeType="1" noTextEdit="1"/>
+          </p:cNvSpPr>
+          <p:nvPr>
+            <p:extLst>
+              <p:ext uri="{386F3935-93C4-4BCD-93E2-E3B085C9AB24}">
+                <p16:designElem xmlns:p16="http://schemas.microsoft.com/office/powerpoint/2015/main" val="1"/>
+              </p:ext>
+            </p:extLst>
+          </p:nvPr>
+        </p:nvSpPr>
+        <p:spPr>
+          <a:xfrm>
+            <a:off x="7547153" y="-3"/>
+            <a:ext cx="565150" cy="6857999"/>
+          </a:xfrm>
+          <a:prstGeom prst="rect">
+            <a:avLst/>
+          </a:prstGeom>
+          <a:gradFill flip="none" rotWithShape="1">
+            <a:gsLst>
+              <a:gs pos="0">
+                <a:schemeClr val="accent1">
+                  <a:alpha val="50000"/>
+                </a:schemeClr>
+              </a:gs>
+              <a:gs pos="81000">
+                <a:schemeClr val="accent4">
+                  <a:alpha val="50000"/>
+                </a:schemeClr>
+              </a:gs>
+              <a:gs pos="25000">
+                <a:schemeClr val="accent2">
+                  <a:alpha val="60000"/>
+                </a:schemeClr>
+              </a:gs>
+              <a:gs pos="49000">
+                <a:schemeClr val="accent3">
+                  <a:alpha val="55000"/>
+                </a:schemeClr>
+              </a:gs>
+              <a:gs pos="99000">
+                <a:schemeClr val="accent5">
+                  <a:alpha val="50000"/>
+                </a:schemeClr>
+              </a:gs>
+            </a:gsLst>
+            <a:path path="circle">
+              <a:fillToRect r="100000" b="100000"/>
+            </a:path>
+            <a:tileRect l="-100000" t="-100000"/>
+          </a:gradFill>
+          <a:ln>
+            <a:noFill/>
+          </a:ln>
+        </p:spPr>
+        <p:style>
+          <a:lnRef idx="2">
+            <a:schemeClr val="accent1">
+              <a:shade val="50000"/>
+            </a:schemeClr>
+          </a:lnRef>
+          <a:fillRef idx="1">
+            <a:schemeClr val="accent1"/>
+          </a:fillRef>
+          <a:effectRef idx="0">
+            <a:schemeClr val="accent1"/>
+          </a:effectRef>
+          <a:fontRef idx="minor">
+            <a:schemeClr val="lt1"/>
+          </a:fontRef>
+        </p:style>
+        <p:txBody>
+          <a:bodyPr rtlCol="0" anchor="ctr"/>
+          <a:lstStyle/>
+          <a:p>
+            <a:pPr algn="ctr"/>
+            <a:endParaRPr lang="en-US"/>
+          </a:p>
+        </p:txBody>
+      </p:sp>
+      <p:sp>
+        <p:nvSpPr>
+          <p:cNvPr id="2" name="Title 1">
+            <a:extLst>
+              <a:ext uri="{FF2B5EF4-FFF2-40B4-BE49-F238E27FC236}">
+                <a16:creationId xmlns:a16="http://schemas.microsoft.com/office/drawing/2014/main" id="{77E00784-0D04-40C5-9CE0-072226084BC1}"/>
+              </a:ext>
+            </a:extLst>
+          </p:cNvPr>
+          <p:cNvSpPr>
+            <a:spLocks noGrp="1"/>
+          </p:cNvSpPr>
+          <p:nvPr>
+            <p:ph type="title"/>
+          </p:nvPr>
+        </p:nvSpPr>
+        <p:spPr>
+          <a:xfrm>
+            <a:off x="565151" y="455362"/>
+            <a:ext cx="6400798" cy="1550419"/>
+          </a:xfrm>
+        </p:spPr>
+        <p:txBody>
+          <a:bodyPr vert="horz" lIns="91440" tIns="45720" rIns="91440" bIns="45720" rtlCol="0">
+            <a:normAutofit/>
+          </a:bodyPr>
+          <a:lstStyle/>
+          <a:p>
+            <a:r>
+              <a:rPr lang="en-US" sz="6000" dirty="0" err="1"/>
+              <a:t>Aktuálny</a:t>
+            </a:r>
+            <a:r>
+              <a:rPr lang="en-US" sz="6000" dirty="0"/>
+              <a:t> soft</a:t>
+            </a:r>
+            <a:r>
+              <a:rPr lang="sk-SK" sz="6000" dirty="0"/>
+              <a:t>v</a:t>
+            </a:r>
+            <a:r>
+              <a:rPr lang="en-US" sz="6000" dirty="0" err="1"/>
+              <a:t>ér</a:t>
+            </a:r>
+            <a:endParaRPr lang="en-US" sz="6000" dirty="0"/>
+          </a:p>
+        </p:txBody>
+      </p:sp>
+      <p:sp>
+        <p:nvSpPr>
+          <p:cNvPr id="23" name="Content Placeholder 22">
+            <a:extLst>
+              <a:ext uri="{FF2B5EF4-FFF2-40B4-BE49-F238E27FC236}">
+                <a16:creationId xmlns:a16="http://schemas.microsoft.com/office/drawing/2014/main" id="{C30A8329-FADB-409D-9226-38CD21F9EB82}"/>
+              </a:ext>
+            </a:extLst>
+          </p:cNvPr>
+          <p:cNvSpPr>
+            <a:spLocks noGrp="1"/>
+          </p:cNvSpPr>
+          <p:nvPr>
+            <p:ph idx="1"/>
+          </p:nvPr>
+        </p:nvSpPr>
+        <p:spPr>
+          <a:xfrm>
+            <a:off x="565151" y="2160016"/>
+            <a:ext cx="6400798" cy="3926152"/>
+          </a:xfrm>
+        </p:spPr>
+        <p:txBody>
+          <a:bodyPr>
+            <a:normAutofit/>
+          </a:bodyPr>
+          <a:lstStyle/>
+          <a:p>
+            <a:r>
+              <a:rPr lang="sk-SK" dirty="0"/>
+              <a:t>Sledovanie hladiny cukru (glykémiu)</a:t>
+            </a:r>
+          </a:p>
+          <a:p>
+            <a:r>
+              <a:rPr lang="sk-SK" dirty="0"/>
+              <a:t>Oznámenie o aktuálnej hladine cukru</a:t>
+            </a:r>
+          </a:p>
+          <a:p>
+            <a:pPr lvl="1"/>
+            <a:r>
+              <a:rPr lang="sk-SK" dirty="0"/>
+              <a:t>Informuje ak je nízka alebo vysoká hladina</a:t>
+            </a:r>
+          </a:p>
+          <a:p>
+            <a:r>
+              <a:rPr lang="sk-SK" dirty="0"/>
+              <a:t>Netreba mať so sebou papierovú verziu DIA-denníku</a:t>
+            </a:r>
+          </a:p>
+          <a:p>
+            <a:r>
+              <a:rPr lang="sk-SK" dirty="0"/>
+              <a:t>Komunikácia s RFID senzormi a inzulínovými pumpami</a:t>
+            </a:r>
+            <a:endParaRPr lang="en-US" dirty="0"/>
+          </a:p>
+        </p:txBody>
+      </p:sp>
+      <p:sp>
+        <p:nvSpPr>
+          <p:cNvPr id="3" name="TextBox 2">
+            <a:extLst>
+              <a:ext uri="{FF2B5EF4-FFF2-40B4-BE49-F238E27FC236}">
+                <a16:creationId xmlns:a16="http://schemas.microsoft.com/office/drawing/2014/main" id="{A8E0E22E-E4F6-4318-9630-9E11FCCC4D7B}"/>
+              </a:ext>
+            </a:extLst>
+          </p:cNvPr>
+          <p:cNvSpPr txBox="1"/>
+          <p:nvPr/>
+        </p:nvSpPr>
+        <p:spPr>
+          <a:xfrm>
+            <a:off x="6593305" y="6565770"/>
+            <a:ext cx="6098292" cy="246221"/>
+          </a:xfrm>
+          <a:prstGeom prst="rect">
+            <a:avLst/>
+          </a:prstGeom>
+          <a:noFill/>
+        </p:spPr>
+        <p:txBody>
+          <a:bodyPr wrap="square" rtlCol="0">
+            <a:spAutoFit/>
+          </a:bodyPr>
+          <a:lstStyle/>
+          <a:p>
+            <a:r>
+              <a:rPr lang="en-US" sz="1000" dirty="0"/>
+              <a:t>https://touchit.sk/ako-mozu-pomoct-pri-lieceni-cukrovky-informacne-technologie/352519d</a:t>
+            </a:r>
+          </a:p>
+        </p:txBody>
+      </p:sp>
+    </p:spTree>
+    <p:extLst>
+      <p:ext uri="{BB962C8B-B14F-4D97-AF65-F5344CB8AC3E}">
+        <p14:creationId xmlns:p14="http://schemas.microsoft.com/office/powerpoint/2010/main" val="1483009461"/>
+      </p:ext>
+    </p:extLst>
+  </p:cSld>
+  <p:clrMapOvr>
+    <a:masterClrMapping/>
+  </p:clrMapOvr>
+</p:sld>
+</file>
+
+<file path=ppt/slides/slide6.xml><?xml version="1.0" encoding="utf-8"?>
+<p:sld xmlns:a="http://schemas.openxmlformats.org/drawingml/2006/main" xmlns:r="http://schemas.openxmlformats.org/officeDocument/2006/relationships" xmlns:p="http://schemas.openxmlformats.org/presentationml/2006/main">
+  <p:cSld>
+    <p:bg>
+      <p:bgPr>
+        <a:solidFill>
+          <a:schemeClr val="bg1"/>
+        </a:solidFill>
+        <a:effectLst/>
+      </p:bgPr>
+    </p:bg>
+    <p:spTree>
+      <p:nvGrpSpPr>
+        <p:cNvPr id="1" name=""/>
+        <p:cNvGrpSpPr/>
+        <p:nvPr/>
+      </p:nvGrpSpPr>
+      <p:grpSpPr>
+        <a:xfrm>
+          <a:off x="0" y="0"/>
+          <a:ext cx="0" cy="0"/>
+          <a:chOff x="0" y="0"/>
+          <a:chExt cx="0" cy="0"/>
+        </a:xfrm>
+      </p:grpSpPr>
+      <p:sp useBgFill="1">
+        <p:nvSpPr>
+          <p:cNvPr id="20" name="Rectangle 19">
+            <a:extLst>
+              <a:ext uri="{FF2B5EF4-FFF2-40B4-BE49-F238E27FC236}">
+                <a16:creationId xmlns:a16="http://schemas.microsoft.com/office/drawing/2014/main" id="{C868C70C-E5C4-CD47-888C-FCB3373B6D38}"/>
+              </a:ext>
+              <a:ext uri="{C183D7F6-B498-43B3-948B-1728B52AA6E4}">
+                <adec:decorative xmlns:adec="http://schemas.microsoft.com/office/drawing/2017/decorative" val="1"/>
+              </a:ext>
+            </a:extLst>
+          </p:cNvPr>
+          <p:cNvSpPr>
+            <a:spLocks noGrp="1" noRot="1" noChangeAspect="1" noMove="1" noResize="1" noEditPoints="1" noAdjustHandles="1" noChangeArrowheads="1" noChangeShapeType="1" noTextEdit="1"/>
+          </p:cNvSpPr>
+          <p:nvPr>
+            <p:extLst>
+              <p:ext uri="{386F3935-93C4-4BCD-93E2-E3B085C9AB24}">
+                <p16:designElem xmlns:p16="http://schemas.microsoft.com/office/powerpoint/2015/main" val="1"/>
+              </p:ext>
+            </p:extLst>
+          </p:nvPr>
+        </p:nvSpPr>
+        <p:spPr>
+          <a:xfrm>
+            <a:off x="0" y="0"/>
+            <a:ext cx="12188952" cy="6858000"/>
+          </a:xfrm>
+          <a:prstGeom prst="rect">
+            <a:avLst/>
+          </a:prstGeom>
+          <a:ln>
+            <a:noFill/>
+          </a:ln>
+        </p:spPr>
+        <p:style>
+          <a:lnRef idx="2">
+            <a:schemeClr val="accent1">
+              <a:shade val="50000"/>
+            </a:schemeClr>
+          </a:lnRef>
+          <a:fillRef idx="1">
+            <a:schemeClr val="accent1"/>
+          </a:fillRef>
+          <a:effectRef idx="0">
+            <a:schemeClr val="accent1"/>
+          </a:effectRef>
+          <a:fontRef idx="minor">
+            <a:schemeClr val="lt1"/>
+          </a:fontRef>
+        </p:style>
+        <p:txBody>
+          <a:bodyPr rtlCol="0" anchor="ctr"/>
+          <a:lstStyle/>
+          <a:p>
+            <a:pPr algn="ctr"/>
+            <a:endParaRPr lang="en-US"/>
+          </a:p>
+        </p:txBody>
+      </p:sp>
+      <p:sp>
+        <p:nvSpPr>
+          <p:cNvPr id="22" name="Rectangle 21">
+            <a:extLst>
+              <a:ext uri="{FF2B5EF4-FFF2-40B4-BE49-F238E27FC236}">
+                <a16:creationId xmlns:a16="http://schemas.microsoft.com/office/drawing/2014/main" id="{6DA97320-228E-48F3-BCFA-423F983C8557}"/>
+              </a:ext>
+              <a:ext uri="{C183D7F6-B498-43B3-948B-1728B52AA6E4}">
+                <adec:decorative xmlns:adec="http://schemas.microsoft.com/office/drawing/2017/decorative" val="1"/>
+              </a:ext>
+            </a:extLst>
+          </p:cNvPr>
+          <p:cNvSpPr>
+            <a:spLocks noGrp="1" noRot="1" noChangeAspect="1" noMove="1" noResize="1" noEditPoints="1" noAdjustHandles="1" noChangeArrowheads="1" noChangeShapeType="1" noTextEdit="1"/>
+          </p:cNvSpPr>
+          <p:nvPr>
+            <p:extLst>
+              <p:ext uri="{386F3935-93C4-4BCD-93E2-E3B085C9AB24}">
+                <p16:designElem xmlns:p16="http://schemas.microsoft.com/office/powerpoint/2015/main" val="1"/>
+              </p:ext>
+            </p:extLst>
+          </p:nvPr>
+        </p:nvSpPr>
+        <p:spPr>
+          <a:xfrm>
+            <a:off x="11058144" y="566928"/>
+            <a:ext cx="1133856" cy="6291072"/>
+          </a:xfrm>
+          <a:prstGeom prst="rect">
+            <a:avLst/>
+          </a:prstGeom>
+          <a:gradFill flip="none" rotWithShape="1">
+            <a:gsLst>
+              <a:gs pos="0">
+                <a:schemeClr val="accent1">
+                  <a:alpha val="50000"/>
+                </a:schemeClr>
+              </a:gs>
+              <a:gs pos="81000">
+                <a:schemeClr val="accent4">
+                  <a:alpha val="50000"/>
+                </a:schemeClr>
+              </a:gs>
+              <a:gs pos="25000">
+                <a:schemeClr val="accent2">
+                  <a:alpha val="60000"/>
+                </a:schemeClr>
+              </a:gs>
+              <a:gs pos="50000">
+                <a:schemeClr val="accent3">
+                  <a:alpha val="55000"/>
+                </a:schemeClr>
+              </a:gs>
+              <a:gs pos="99000">
+                <a:schemeClr val="accent5">
+                  <a:alpha val="50000"/>
+                </a:schemeClr>
+              </a:gs>
+            </a:gsLst>
+            <a:path path="circle">
+              <a:fillToRect r="100000" b="100000"/>
+            </a:path>
+            <a:tileRect l="-100000" t="-100000"/>
+          </a:gradFill>
+          <a:ln>
+            <a:noFill/>
+          </a:ln>
+        </p:spPr>
+        <p:style>
+          <a:lnRef idx="2">
+            <a:schemeClr val="accent1">
+              <a:shade val="50000"/>
+            </a:schemeClr>
+          </a:lnRef>
+          <a:fillRef idx="1">
+            <a:schemeClr val="accent1"/>
+          </a:fillRef>
+          <a:effectRef idx="0">
+            <a:schemeClr val="accent1"/>
+          </a:effectRef>
+          <a:fontRef idx="minor">
+            <a:schemeClr val="lt1"/>
+          </a:fontRef>
+        </p:style>
+        <p:txBody>
+          <a:bodyPr rtlCol="0" anchor="ctr"/>
+          <a:lstStyle/>
+          <a:p>
+            <a:pPr lvl="0" algn="ctr"/>
+            <a:endParaRPr lang="en-US"/>
+          </a:p>
+        </p:txBody>
+      </p:sp>
+      <p:sp>
+        <p:nvSpPr>
+          <p:cNvPr id="24" name="Rectangle 23">
+            <a:extLst>
+              <a:ext uri="{FF2B5EF4-FFF2-40B4-BE49-F238E27FC236}">
+                <a16:creationId xmlns:a16="http://schemas.microsoft.com/office/drawing/2014/main" id="{2C9F0975-851A-4FEC-B19A-6EC12C0D540C}"/>
+              </a:ext>
+              <a:ext uri="{C183D7F6-B498-43B3-948B-1728B52AA6E4}">
+                <adec:decorative xmlns:adec="http://schemas.microsoft.com/office/drawing/2017/decorative" val="1"/>
+              </a:ext>
+            </a:extLst>
+          </p:cNvPr>
+          <p:cNvSpPr>
+            <a:spLocks noGrp="1" noRot="1" noChangeAspect="1" noMove="1" noResize="1" noEditPoints="1" noAdjustHandles="1" noChangeArrowheads="1" noChangeShapeType="1" noTextEdit="1"/>
+          </p:cNvSpPr>
+          <p:nvPr>
+            <p:extLst>
+              <p:ext uri="{386F3935-93C4-4BCD-93E2-E3B085C9AB24}">
+                <p16:designElem xmlns:p16="http://schemas.microsoft.com/office/powerpoint/2015/main" val="1"/>
+              </p:ext>
+            </p:extLst>
+          </p:nvPr>
+        </p:nvSpPr>
+        <p:spPr>
+          <a:xfrm>
+            <a:off x="11625072" y="1"/>
+            <a:ext cx="566928" cy="6857999"/>
+          </a:xfrm>
+          <a:prstGeom prst="rect">
+            <a:avLst/>
+          </a:prstGeom>
+          <a:gradFill flip="none" rotWithShape="1">
+            <a:gsLst>
+              <a:gs pos="0">
+                <a:schemeClr val="accent1">
+                  <a:alpha val="50000"/>
+                </a:schemeClr>
+              </a:gs>
+              <a:gs pos="81000">
+                <a:schemeClr val="accent4">
+                  <a:alpha val="50000"/>
+                </a:schemeClr>
+              </a:gs>
+              <a:gs pos="25000">
+                <a:schemeClr val="accent2">
+                  <a:alpha val="60000"/>
+                </a:schemeClr>
+              </a:gs>
+              <a:gs pos="50000">
+                <a:schemeClr val="accent3">
+                  <a:alpha val="55000"/>
+                </a:schemeClr>
+              </a:gs>
+              <a:gs pos="99000">
+                <a:schemeClr val="accent5">
+                  <a:alpha val="50000"/>
+                </a:schemeClr>
+              </a:gs>
+            </a:gsLst>
+            <a:path path="circle">
+              <a:fillToRect r="100000" b="100000"/>
+            </a:path>
+            <a:tileRect l="-100000" t="-100000"/>
+          </a:gradFill>
+          <a:ln>
+            <a:noFill/>
+          </a:ln>
+        </p:spPr>
+        <p:style>
+          <a:lnRef idx="2">
+            <a:schemeClr val="accent1">
+              <a:shade val="50000"/>
+            </a:schemeClr>
+          </a:lnRef>
+          <a:fillRef idx="1">
+            <a:schemeClr val="accent1"/>
+          </a:fillRef>
+          <a:effectRef idx="0">
+            <a:schemeClr val="accent1"/>
+          </a:effectRef>
+          <a:fontRef idx="minor">
+            <a:schemeClr val="lt1"/>
+          </a:fontRef>
+        </p:style>
+        <p:txBody>
+          <a:bodyPr rtlCol="0" anchor="ctr"/>
+          <a:lstStyle/>
+          <a:p>
+            <a:pPr lvl="0" algn="ctr"/>
+            <a:endParaRPr lang="en-US"/>
+          </a:p>
+        </p:txBody>
+      </p:sp>
+      <p:sp>
+        <p:nvSpPr>
+          <p:cNvPr id="2" name="Title 1">
+            <a:extLst>
+              <a:ext uri="{FF2B5EF4-FFF2-40B4-BE49-F238E27FC236}">
+                <a16:creationId xmlns:a16="http://schemas.microsoft.com/office/drawing/2014/main" id="{F05655D2-8674-4C4D-8FA8-5EDFBA3E2CD7}"/>
+              </a:ext>
+            </a:extLst>
+          </p:cNvPr>
+          <p:cNvSpPr>
+            <a:spLocks noGrp="1"/>
+          </p:cNvSpPr>
+          <p:nvPr>
+            <p:ph type="title"/>
+          </p:nvPr>
+        </p:nvSpPr>
+        <p:spPr>
+          <a:xfrm>
+            <a:off x="758952" y="455613"/>
+            <a:ext cx="4767031" cy="1549400"/>
+          </a:xfrm>
+        </p:spPr>
+        <p:txBody>
+          <a:bodyPr>
+            <a:normAutofit fontScale="90000"/>
+          </a:bodyPr>
+          <a:lstStyle/>
+          <a:p>
+            <a:r>
+              <a:rPr lang="sk-SK" dirty="0"/>
+              <a:t>GIM – </a:t>
+            </a:r>
+            <a:r>
+              <a:rPr lang="sk-SK" dirty="0" err="1"/>
+              <a:t>Glucose</a:t>
+            </a:r>
+            <a:r>
+              <a:rPr lang="sk-SK" dirty="0"/>
+              <a:t> </a:t>
+            </a:r>
+            <a:r>
+              <a:rPr lang="sk-SK" dirty="0" err="1"/>
+              <a:t>Insuline</a:t>
+            </a:r>
+            <a:r>
+              <a:rPr lang="sk-SK" dirty="0"/>
+              <a:t> Model</a:t>
+            </a:r>
+            <a:r>
+              <a:rPr lang="en-US" dirty="0"/>
+              <a:t> [2]</a:t>
+            </a:r>
+          </a:p>
+        </p:txBody>
+      </p:sp>
+      <p:sp>
+        <p:nvSpPr>
+          <p:cNvPr id="3" name="Content Placeholder 2">
+            <a:extLst>
+              <a:ext uri="{FF2B5EF4-FFF2-40B4-BE49-F238E27FC236}">
+                <a16:creationId xmlns:a16="http://schemas.microsoft.com/office/drawing/2014/main" id="{8AC74028-26A6-48F9-91AE-7AA070AF0494}"/>
+              </a:ext>
+            </a:extLst>
+          </p:cNvPr>
+          <p:cNvSpPr>
+            <a:spLocks noGrp="1"/>
+          </p:cNvSpPr>
+          <p:nvPr>
+            <p:ph idx="1"/>
+          </p:nvPr>
+        </p:nvSpPr>
+        <p:spPr>
+          <a:xfrm>
+            <a:off x="758952" y="2160588"/>
+            <a:ext cx="4767031" cy="3925887"/>
+          </a:xfrm>
+        </p:spPr>
+        <p:txBody>
+          <a:bodyPr>
+            <a:normAutofit/>
+          </a:bodyPr>
+          <a:lstStyle/>
+          <a:p>
+            <a:r>
+              <a:rPr lang="sk-SK" dirty="0"/>
+              <a:t>Laboratórny program</a:t>
+            </a:r>
+          </a:p>
+          <a:p>
+            <a:r>
+              <a:rPr lang="sk-SK" dirty="0"/>
+              <a:t>Pomáha lekárom nastavovať pacientov na nové inzulíny</a:t>
+            </a:r>
+          </a:p>
+          <a:p>
+            <a:endParaRPr lang="sk-SK" dirty="0"/>
+          </a:p>
+          <a:p>
+            <a:r>
+              <a:rPr lang="sk-SK" dirty="0"/>
+              <a:t>Nevyužiteľnosť pre bežného pacienta</a:t>
+            </a:r>
+          </a:p>
+        </p:txBody>
+      </p:sp>
+      <p:pic>
+        <p:nvPicPr>
+          <p:cNvPr id="6" name="Picture 5" descr="Graphical user interface, application&#10;&#10;Description automatically generated">
+            <a:extLst>
+              <a:ext uri="{FF2B5EF4-FFF2-40B4-BE49-F238E27FC236}">
+                <a16:creationId xmlns:a16="http://schemas.microsoft.com/office/drawing/2014/main" id="{1332D4D6-C550-4353-A4D5-38D67BBBAF60}"/>
+              </a:ext>
+            </a:extLst>
+          </p:cNvPr>
+          <p:cNvPicPr>
+            <a:picLocks noChangeAspect="1"/>
+          </p:cNvPicPr>
+          <p:nvPr/>
+        </p:nvPicPr>
+        <p:blipFill>
+          <a:blip r:embed="rId2">
+            <a:extLst>
+              <a:ext uri="{28A0092B-C50C-407E-A947-70E740481C1C}">
+                <a14:useLocalDpi xmlns:a14="http://schemas.microsoft.com/office/drawing/2010/main" val="0"/>
+              </a:ext>
+            </a:extLst>
+          </a:blip>
+          <a:stretch>
+            <a:fillRect/>
+          </a:stretch>
+        </p:blipFill>
+        <p:spPr>
+          <a:xfrm>
+            <a:off x="6023437" y="114282"/>
+            <a:ext cx="3808657" cy="3111480"/>
+          </a:xfrm>
+          <a:prstGeom prst="rect">
+            <a:avLst/>
+          </a:prstGeom>
+        </p:spPr>
+      </p:pic>
+      <p:pic>
+        <p:nvPicPr>
+          <p:cNvPr id="4" name="Picture 3" descr="C. D. Man, D. M. Raimondo, R. A. Rizza, and C. Cobelli, \GIM, simulation&#10;software of meal glucose|insulin model,&quot; SAGE Publications, vol. 1,&#10;pp. 323{330, May 2007.">
+            <a:extLst>
+              <a:ext uri="{FF2B5EF4-FFF2-40B4-BE49-F238E27FC236}">
+                <a16:creationId xmlns:a16="http://schemas.microsoft.com/office/drawing/2014/main" id="{93A790FA-5AAA-4A6C-B19F-DC3E8B065B07}"/>
+              </a:ext>
+            </a:extLst>
+          </p:cNvPr>
+          <p:cNvPicPr>
+            <a:picLocks noChangeAspect="1"/>
+          </p:cNvPicPr>
+          <p:nvPr/>
+        </p:nvPicPr>
+        <p:blipFill rotWithShape="1">
+          <a:blip r:embed="rId3">
+            <a:extLst>
+              <a:ext uri="{28A0092B-C50C-407E-A947-70E740481C1C}">
+                <a14:useLocalDpi xmlns:a14="http://schemas.microsoft.com/office/drawing/2010/main" val="0"/>
+              </a:ext>
+            </a:extLst>
+          </a:blip>
+          <a:srcRect t="15719" r="-2" b="20746"/>
+          <a:stretch/>
+        </p:blipFill>
+        <p:spPr>
+          <a:xfrm rot="21600000">
+            <a:off x="6023436" y="3646975"/>
+            <a:ext cx="4398405" cy="2474680"/>
+          </a:xfrm>
+          <a:prstGeom prst="rect">
+            <a:avLst/>
+          </a:prstGeom>
+        </p:spPr>
+      </p:pic>
+      <p:sp>
+        <p:nvSpPr>
+          <p:cNvPr id="7" name="TextBox 6">
+            <a:extLst>
+              <a:ext uri="{FF2B5EF4-FFF2-40B4-BE49-F238E27FC236}">
+                <a16:creationId xmlns:a16="http://schemas.microsoft.com/office/drawing/2014/main" id="{00ED31AD-C80E-4A6D-B34E-622D2D3DFA77}"/>
+              </a:ext>
+            </a:extLst>
+          </p:cNvPr>
+          <p:cNvSpPr txBox="1"/>
+          <p:nvPr/>
+        </p:nvSpPr>
+        <p:spPr>
+          <a:xfrm>
+            <a:off x="6202303" y="3225763"/>
+            <a:ext cx="4242816" cy="307777"/>
+          </a:xfrm>
+          <a:prstGeom prst="rect">
+            <a:avLst/>
+          </a:prstGeom>
+          <a:noFill/>
+        </p:spPr>
+        <p:txBody>
+          <a:bodyPr wrap="square" rtlCol="0">
+            <a:spAutoFit/>
+          </a:bodyPr>
+          <a:lstStyle/>
+          <a:p>
+            <a:r>
+              <a:rPr lang="en-US" sz="1400" dirty="0"/>
+              <a:t>Oba </a:t>
+            </a:r>
+            <a:r>
+              <a:rPr lang="en-US" sz="1400" dirty="0" err="1"/>
+              <a:t>obr</a:t>
+            </a:r>
+            <a:r>
+              <a:rPr lang="sk-SK" sz="1400" dirty="0" err="1"/>
+              <a:t>ázky</a:t>
+            </a:r>
+            <a:r>
+              <a:rPr lang="sk-SK" sz="1400" dirty="0"/>
+              <a:t> ukazujú rozhranie </a:t>
+            </a:r>
+            <a:r>
+              <a:rPr lang="sk-SK" sz="1400" dirty="0" err="1"/>
+              <a:t>systemu</a:t>
+            </a:r>
+            <a:r>
+              <a:rPr lang="sk-SK" sz="1400" dirty="0"/>
+              <a:t> GIM </a:t>
+            </a:r>
+            <a:r>
+              <a:rPr lang="en-US" sz="1400" dirty="0"/>
+              <a:t>[2]</a:t>
+            </a:r>
+          </a:p>
+        </p:txBody>
+      </p:sp>
+    </p:spTree>
+    <p:extLst>
+      <p:ext uri="{BB962C8B-B14F-4D97-AF65-F5344CB8AC3E}">
+        <p14:creationId xmlns:p14="http://schemas.microsoft.com/office/powerpoint/2010/main" val="118994788"/>
+      </p:ext>
+    </p:extLst>
+  </p:cSld>
+  <p:clrMapOvr>
+    <a:masterClrMapping/>
+  </p:clrMapOvr>
+</p:sld>
+</file>
+
+<file path=ppt/slides/slide7.xml><?xml version="1.0" encoding="utf-8"?>
+<p:sld xmlns:a="http://schemas.openxmlformats.org/drawingml/2006/main" xmlns:r="http://schemas.openxmlformats.org/officeDocument/2006/relationships" xmlns:p="http://schemas.openxmlformats.org/presentationml/2006/main">
+  <p:cSld>
+    <p:bg>
+      <p:bgPr>
+        <a:solidFill>
+          <a:schemeClr val="bg1"/>
+        </a:solidFill>
+        <a:effectLst/>
+      </p:bgPr>
+    </p:bg>
+    <p:spTree>
+      <p:nvGrpSpPr>
+        <p:cNvPr id="1" name=""/>
+        <p:cNvGrpSpPr/>
+        <p:nvPr/>
+      </p:nvGrpSpPr>
+      <p:grpSpPr>
+        <a:xfrm>
+          <a:off x="0" y="0"/>
+          <a:ext cx="0" cy="0"/>
+          <a:chOff x="0" y="0"/>
+          <a:chExt cx="0" cy="0"/>
+        </a:xfrm>
+      </p:grpSpPr>
+      <p:sp useBgFill="1">
+        <p:nvSpPr>
+          <p:cNvPr id="27" name="Rectangle 26">
+            <a:extLst>
+              <a:ext uri="{FF2B5EF4-FFF2-40B4-BE49-F238E27FC236}">
+                <a16:creationId xmlns:a16="http://schemas.microsoft.com/office/drawing/2014/main" id="{C868C70C-E5C4-CD47-888C-FCB3373B6D38}"/>
+              </a:ext>
+              <a:ext uri="{C183D7F6-B498-43B3-948B-1728B52AA6E4}">
+                <adec:decorative xmlns:adec="http://schemas.microsoft.com/office/drawing/2017/decorative" val="1"/>
+              </a:ext>
+            </a:extLst>
+          </p:cNvPr>
+          <p:cNvSpPr>
+            <a:spLocks noGrp="1" noRot="1" noChangeAspect="1" noMove="1" noResize="1" noEditPoints="1" noAdjustHandles="1" noChangeArrowheads="1" noChangeShapeType="1" noTextEdit="1"/>
+          </p:cNvSpPr>
+          <p:nvPr>
+            <p:extLst>
+              <p:ext uri="{386F3935-93C4-4BCD-93E2-E3B085C9AB24}">
+                <p16:designElem xmlns:p16="http://schemas.microsoft.com/office/powerpoint/2015/main" val="1"/>
+              </p:ext>
+            </p:extLst>
+          </p:nvPr>
+        </p:nvSpPr>
+        <p:spPr>
+          <a:xfrm>
+            <a:off x="0" y="0"/>
+            <a:ext cx="12188952" cy="6858000"/>
+          </a:xfrm>
+          <a:prstGeom prst="rect">
+            <a:avLst/>
+          </a:prstGeom>
+          <a:ln>
+            <a:noFill/>
+          </a:ln>
+        </p:spPr>
+        <p:style>
+          <a:lnRef idx="2">
+            <a:schemeClr val="accent1">
+              <a:shade val="50000"/>
+            </a:schemeClr>
+          </a:lnRef>
+          <a:fillRef idx="1">
+            <a:schemeClr val="accent1"/>
+          </a:fillRef>
+          <a:effectRef idx="0">
+            <a:schemeClr val="accent1"/>
+          </a:effectRef>
+          <a:fontRef idx="minor">
+            <a:schemeClr val="lt1"/>
+          </a:fontRef>
+        </p:style>
+        <p:txBody>
+          <a:bodyPr rtlCol="0" anchor="ctr"/>
+          <a:lstStyle/>
+          <a:p>
+            <a:pPr algn="ctr"/>
+            <a:endParaRPr lang="en-US"/>
+          </a:p>
+        </p:txBody>
+      </p:sp>
+      <p:sp>
+        <p:nvSpPr>
+          <p:cNvPr id="29" name="Rectangle 28">
+            <a:extLst>
+              <a:ext uri="{FF2B5EF4-FFF2-40B4-BE49-F238E27FC236}">
+                <a16:creationId xmlns:a16="http://schemas.microsoft.com/office/drawing/2014/main" id="{6DA97320-228E-48F3-BCFA-423F983C8557}"/>
+              </a:ext>
+              <a:ext uri="{C183D7F6-B498-43B3-948B-1728B52AA6E4}">
+                <adec:decorative xmlns:adec="http://schemas.microsoft.com/office/drawing/2017/decorative" val="1"/>
+              </a:ext>
+            </a:extLst>
+          </p:cNvPr>
+          <p:cNvSpPr>
+            <a:spLocks noGrp="1" noRot="1" noChangeAspect="1" noMove="1" noResize="1" noEditPoints="1" noAdjustHandles="1" noChangeArrowheads="1" noChangeShapeType="1" noTextEdit="1"/>
+          </p:cNvSpPr>
+          <p:nvPr>
+            <p:extLst>
+              <p:ext uri="{386F3935-93C4-4BCD-93E2-E3B085C9AB24}">
+                <p16:designElem xmlns:p16="http://schemas.microsoft.com/office/powerpoint/2015/main" val="1"/>
+              </p:ext>
+            </p:extLst>
+          </p:nvPr>
+        </p:nvSpPr>
+        <p:spPr>
+          <a:xfrm>
+            <a:off x="11058144" y="566928"/>
+            <a:ext cx="1133856" cy="6291072"/>
+          </a:xfrm>
+          <a:prstGeom prst="rect">
+            <a:avLst/>
+          </a:prstGeom>
+          <a:gradFill flip="none" rotWithShape="1">
+            <a:gsLst>
+              <a:gs pos="0">
+                <a:schemeClr val="accent1">
+                  <a:alpha val="50000"/>
+                </a:schemeClr>
+              </a:gs>
+              <a:gs pos="81000">
+                <a:schemeClr val="accent4">
+                  <a:alpha val="50000"/>
+                </a:schemeClr>
+              </a:gs>
+              <a:gs pos="25000">
+                <a:schemeClr val="accent2">
+                  <a:alpha val="60000"/>
+                </a:schemeClr>
+              </a:gs>
+              <a:gs pos="50000">
+                <a:schemeClr val="accent3">
+                  <a:alpha val="55000"/>
+                </a:schemeClr>
+              </a:gs>
+              <a:gs pos="99000">
+                <a:schemeClr val="accent5">
+                  <a:alpha val="50000"/>
+                </a:schemeClr>
+              </a:gs>
+            </a:gsLst>
+            <a:path path="circle">
+              <a:fillToRect r="100000" b="100000"/>
+            </a:path>
+            <a:tileRect l="-100000" t="-100000"/>
+          </a:gradFill>
+          <a:ln>
+            <a:noFill/>
+          </a:ln>
+        </p:spPr>
+        <p:style>
+          <a:lnRef idx="2">
+            <a:schemeClr val="accent1">
+              <a:shade val="50000"/>
+            </a:schemeClr>
+          </a:lnRef>
+          <a:fillRef idx="1">
+            <a:schemeClr val="accent1"/>
+          </a:fillRef>
+          <a:effectRef idx="0">
+            <a:schemeClr val="accent1"/>
+          </a:effectRef>
+          <a:fontRef idx="minor">
+            <a:schemeClr val="lt1"/>
+          </a:fontRef>
+        </p:style>
+        <p:txBody>
+          <a:bodyPr rtlCol="0" anchor="ctr"/>
+          <a:lstStyle/>
+          <a:p>
+            <a:pPr lvl="0" algn="ctr"/>
+            <a:endParaRPr lang="en-US"/>
+          </a:p>
+        </p:txBody>
+      </p:sp>
+      <p:sp>
+        <p:nvSpPr>
+          <p:cNvPr id="31" name="Rectangle 30">
+            <a:extLst>
+              <a:ext uri="{FF2B5EF4-FFF2-40B4-BE49-F238E27FC236}">
+                <a16:creationId xmlns:a16="http://schemas.microsoft.com/office/drawing/2014/main" id="{2C9F0975-851A-4FEC-B19A-6EC12C0D540C}"/>
+              </a:ext>
+              <a:ext uri="{C183D7F6-B498-43B3-948B-1728B52AA6E4}">
+                <adec:decorative xmlns:adec="http://schemas.microsoft.com/office/drawing/2017/decorative" val="1"/>
+              </a:ext>
+            </a:extLst>
+          </p:cNvPr>
+          <p:cNvSpPr>
+            <a:spLocks noGrp="1" noRot="1" noChangeAspect="1" noMove="1" noResize="1" noEditPoints="1" noAdjustHandles="1" noChangeArrowheads="1" noChangeShapeType="1" noTextEdit="1"/>
+          </p:cNvSpPr>
+          <p:nvPr>
+            <p:extLst>
+              <p:ext uri="{386F3935-93C4-4BCD-93E2-E3B085C9AB24}">
+                <p16:designElem xmlns:p16="http://schemas.microsoft.com/office/powerpoint/2015/main" val="1"/>
+              </p:ext>
+            </p:extLst>
+          </p:nvPr>
+        </p:nvSpPr>
+        <p:spPr>
+          <a:xfrm>
+            <a:off x="11625072" y="1"/>
+            <a:ext cx="566928" cy="6857999"/>
+          </a:xfrm>
+          <a:prstGeom prst="rect">
+            <a:avLst/>
+          </a:prstGeom>
+          <a:gradFill flip="none" rotWithShape="1">
+            <a:gsLst>
+              <a:gs pos="0">
+                <a:schemeClr val="accent1">
+                  <a:alpha val="50000"/>
+                </a:schemeClr>
+              </a:gs>
+              <a:gs pos="81000">
+                <a:schemeClr val="accent4">
+                  <a:alpha val="50000"/>
+                </a:schemeClr>
+              </a:gs>
+              <a:gs pos="25000">
+                <a:schemeClr val="accent2">
+                  <a:alpha val="60000"/>
+                </a:schemeClr>
+              </a:gs>
+              <a:gs pos="50000">
+                <a:schemeClr val="accent3">
+                  <a:alpha val="55000"/>
+                </a:schemeClr>
+              </a:gs>
+              <a:gs pos="99000">
+                <a:schemeClr val="accent5">
+                  <a:alpha val="50000"/>
+                </a:schemeClr>
+              </a:gs>
+            </a:gsLst>
+            <a:path path="circle">
+              <a:fillToRect r="100000" b="100000"/>
+            </a:path>
+            <a:tileRect l="-100000" t="-100000"/>
+          </a:gradFill>
+          <a:ln>
+            <a:noFill/>
+          </a:ln>
+        </p:spPr>
+        <p:style>
+          <a:lnRef idx="2">
+            <a:schemeClr val="accent1">
+              <a:shade val="50000"/>
+            </a:schemeClr>
+          </a:lnRef>
+          <a:fillRef idx="1">
+            <a:schemeClr val="accent1"/>
+          </a:fillRef>
+          <a:effectRef idx="0">
+            <a:schemeClr val="accent1"/>
+          </a:effectRef>
+          <a:fontRef idx="minor">
+            <a:schemeClr val="lt1"/>
+          </a:fontRef>
+        </p:style>
+        <p:txBody>
+          <a:bodyPr rtlCol="0" anchor="ctr"/>
+          <a:lstStyle/>
+          <a:p>
+            <a:pPr lvl="0" algn="ctr"/>
+            <a:endParaRPr lang="en-US"/>
+          </a:p>
+        </p:txBody>
+      </p:sp>
+      <p:sp>
+        <p:nvSpPr>
+          <p:cNvPr id="2" name="Title 1">
+            <a:extLst>
+              <a:ext uri="{FF2B5EF4-FFF2-40B4-BE49-F238E27FC236}">
+                <a16:creationId xmlns:a16="http://schemas.microsoft.com/office/drawing/2014/main" id="{00307CE9-4ACC-4483-BABA-6F582EEDBB42}"/>
+              </a:ext>
+            </a:extLst>
+          </p:cNvPr>
+          <p:cNvSpPr>
+            <a:spLocks noGrp="1"/>
+          </p:cNvSpPr>
+          <p:nvPr>
+            <p:ph type="title"/>
+          </p:nvPr>
+        </p:nvSpPr>
+        <p:spPr>
+          <a:xfrm>
+            <a:off x="758952" y="455613"/>
+            <a:ext cx="4767031" cy="1549400"/>
+          </a:xfrm>
+        </p:spPr>
+        <p:txBody>
+          <a:bodyPr>
+            <a:normAutofit/>
+          </a:bodyPr>
+          <a:lstStyle/>
+          <a:p>
+            <a:r>
+              <a:rPr lang="sk-SK" dirty="0"/>
+              <a:t>Inteligentný softvér</a:t>
+            </a:r>
+            <a:endParaRPr lang="en-US" dirty="0"/>
+          </a:p>
+        </p:txBody>
+      </p:sp>
+      <p:sp>
+        <p:nvSpPr>
+          <p:cNvPr id="3" name="Content Placeholder 2">
+            <a:extLst>
+              <a:ext uri="{FF2B5EF4-FFF2-40B4-BE49-F238E27FC236}">
+                <a16:creationId xmlns:a16="http://schemas.microsoft.com/office/drawing/2014/main" id="{B5D6916C-E435-4F66-8355-D794FC797B5E}"/>
+              </a:ext>
+            </a:extLst>
+          </p:cNvPr>
+          <p:cNvSpPr>
+            <a:spLocks noGrp="1"/>
+          </p:cNvSpPr>
+          <p:nvPr>
+            <p:ph idx="1"/>
+          </p:nvPr>
+        </p:nvSpPr>
+        <p:spPr>
+          <a:xfrm>
+            <a:off x="758952" y="2160588"/>
+            <a:ext cx="4767031" cy="3925887"/>
+          </a:xfrm>
+        </p:spPr>
+        <p:txBody>
+          <a:bodyPr>
+            <a:normAutofit lnSpcReduction="10000"/>
+          </a:bodyPr>
+          <a:lstStyle/>
+          <a:p>
+            <a:pPr>
+              <a:lnSpc>
+                <a:spcPct val="100000"/>
+              </a:lnSpc>
+            </a:pPr>
+            <a:r>
+              <a:rPr lang="sk-SK" sz="2000" dirty="0"/>
+              <a:t>AI predpoveď hladiny cukru s presnosťou na 10.5 %</a:t>
+            </a:r>
+            <a:r>
+              <a:rPr lang="en-US" sz="2000" dirty="0"/>
+              <a:t> [4]</a:t>
+            </a:r>
+            <a:endParaRPr lang="sk-SK" sz="2000" dirty="0"/>
+          </a:p>
+          <a:p>
+            <a:pPr>
+              <a:lnSpc>
+                <a:spcPct val="100000"/>
+              </a:lnSpc>
+            </a:pPr>
+            <a:r>
+              <a:rPr lang="sk-SK" sz="2000" dirty="0" err="1"/>
+              <a:t>Fuzzy</a:t>
+            </a:r>
+            <a:r>
+              <a:rPr lang="sk-SK" sz="2000" dirty="0"/>
+              <a:t> logika založená na pravidlách</a:t>
+            </a:r>
+            <a:r>
+              <a:rPr lang="en-US" sz="2000" dirty="0"/>
+              <a:t> [5]</a:t>
+            </a:r>
+            <a:endParaRPr lang="sk-SK" sz="2000" dirty="0"/>
+          </a:p>
+          <a:p>
+            <a:pPr>
+              <a:lnSpc>
+                <a:spcPct val="100000"/>
+              </a:lnSpc>
+            </a:pPr>
+            <a:r>
+              <a:rPr lang="sk-SK" sz="2000" dirty="0"/>
+              <a:t>Výstupom je číslo označujúce stav pacienta</a:t>
+            </a:r>
+          </a:p>
+          <a:p>
+            <a:pPr>
+              <a:lnSpc>
+                <a:spcPct val="100000"/>
+              </a:lnSpc>
+            </a:pPr>
+            <a:r>
+              <a:rPr lang="sk-SK" sz="2000" dirty="0"/>
+              <a:t>Pomocou čísla sa dá určiť, či potrebuje akútnu lekársku starostlivosť</a:t>
+            </a:r>
+          </a:p>
+          <a:p>
+            <a:pPr>
+              <a:lnSpc>
+                <a:spcPct val="100000"/>
+              </a:lnSpc>
+            </a:pPr>
+            <a:r>
+              <a:rPr lang="sk-SK" sz="2000" dirty="0"/>
+              <a:t>Zabrániť zlým vedľajším komplikáciám </a:t>
+            </a:r>
+          </a:p>
+        </p:txBody>
+      </p:sp>
+      <p:pic>
+        <p:nvPicPr>
+          <p:cNvPr id="12" name="Picture 11" descr="Diagram&#10;&#10;Description automatically generated">
+            <a:extLst>
+              <a:ext uri="{FF2B5EF4-FFF2-40B4-BE49-F238E27FC236}">
+                <a16:creationId xmlns:a16="http://schemas.microsoft.com/office/drawing/2014/main" id="{E516EBF3-D42E-4317-B7B8-186F2D216E17}"/>
+              </a:ext>
+            </a:extLst>
+          </p:cNvPr>
+          <p:cNvPicPr>
+            <a:picLocks noChangeAspect="1"/>
+          </p:cNvPicPr>
+          <p:nvPr/>
+        </p:nvPicPr>
+        <p:blipFill>
+          <a:blip r:embed="rId2">
+            <a:extLst>
+              <a:ext uri="{28A0092B-C50C-407E-A947-70E740481C1C}">
+                <a14:useLocalDpi xmlns:a14="http://schemas.microsoft.com/office/drawing/2010/main" val="0"/>
+              </a:ext>
+            </a:extLst>
+          </a:blip>
+          <a:stretch>
+            <a:fillRect/>
+          </a:stretch>
+        </p:blipFill>
+        <p:spPr>
+          <a:xfrm>
+            <a:off x="6452633" y="47138"/>
+            <a:ext cx="4245788" cy="2059207"/>
+          </a:xfrm>
+          <a:prstGeom prst="rect">
+            <a:avLst/>
+          </a:prstGeom>
+        </p:spPr>
+      </p:pic>
+      <p:pic>
+        <p:nvPicPr>
+          <p:cNvPr id="15" name="Picture 14">
+            <a:extLst>
+              <a:ext uri="{FF2B5EF4-FFF2-40B4-BE49-F238E27FC236}">
+                <a16:creationId xmlns:a16="http://schemas.microsoft.com/office/drawing/2014/main" id="{A3D92E08-6A8F-4FE0-B7D4-CAE2666B1336}"/>
+              </a:ext>
+            </a:extLst>
+          </p:cNvPr>
+          <p:cNvPicPr>
+            <a:picLocks noChangeAspect="1"/>
+          </p:cNvPicPr>
+          <p:nvPr/>
+        </p:nvPicPr>
+        <p:blipFill>
+          <a:blip r:embed="rId3"/>
+          <a:stretch>
+            <a:fillRect/>
+          </a:stretch>
+        </p:blipFill>
+        <p:spPr>
+          <a:xfrm>
+            <a:off x="5741582" y="2719457"/>
+            <a:ext cx="5313514" cy="4091405"/>
+          </a:xfrm>
+          <a:prstGeom prst="rect">
+            <a:avLst/>
+          </a:prstGeom>
+        </p:spPr>
+      </p:pic>
+      <p:sp>
+        <p:nvSpPr>
+          <p:cNvPr id="16" name="TextBox 15">
+            <a:extLst>
+              <a:ext uri="{FF2B5EF4-FFF2-40B4-BE49-F238E27FC236}">
+                <a16:creationId xmlns:a16="http://schemas.microsoft.com/office/drawing/2014/main" id="{497AF34D-41F7-439C-8807-3B1E27FC4218}"/>
+              </a:ext>
+            </a:extLst>
+          </p:cNvPr>
+          <p:cNvSpPr txBox="1"/>
+          <p:nvPr/>
+        </p:nvSpPr>
+        <p:spPr>
+          <a:xfrm>
+            <a:off x="5738533" y="2149099"/>
+            <a:ext cx="5694515" cy="523220"/>
+          </a:xfrm>
+          <a:prstGeom prst="rect">
+            <a:avLst/>
+          </a:prstGeom>
+          <a:noFill/>
+        </p:spPr>
+        <p:txBody>
+          <a:bodyPr wrap="square" rtlCol="0">
+            <a:spAutoFit/>
+          </a:bodyPr>
+          <a:lstStyle/>
+          <a:p>
+            <a:r>
+              <a:rPr lang="en-US" sz="1400" dirty="0"/>
+              <a:t>Horn</a:t>
+            </a:r>
+            <a:r>
+              <a:rPr lang="sk-SK" sz="1400" dirty="0"/>
+              <a:t>ý obrázok ukazuje schému aktuálne testovaného systému</a:t>
+            </a:r>
+          </a:p>
+          <a:p>
+            <a:r>
+              <a:rPr lang="sk-SK" sz="1400" dirty="0"/>
+              <a:t>Spodný je naznačenie </a:t>
+            </a:r>
+            <a:r>
+              <a:rPr lang="sk-SK" sz="1400" dirty="0" err="1"/>
+              <a:t>fuzzy</a:t>
+            </a:r>
+            <a:r>
+              <a:rPr lang="sk-SK" sz="1400" dirty="0"/>
+              <a:t> logiky založenej na pravidlách</a:t>
+            </a:r>
+            <a:r>
+              <a:rPr lang="en-US" sz="1400" dirty="0"/>
+              <a:t> [5]</a:t>
+            </a:r>
+          </a:p>
+        </p:txBody>
+      </p:sp>
+    </p:spTree>
+    <p:extLst>
+      <p:ext uri="{BB962C8B-B14F-4D97-AF65-F5344CB8AC3E}">
+        <p14:creationId xmlns:p14="http://schemas.microsoft.com/office/powerpoint/2010/main" val="1876815841"/>
+      </p:ext>
+    </p:extLst>
+  </p:cSld>
+  <p:clrMapOvr>
+    <a:masterClrMapping/>
+  </p:clrMapOvr>
+</p:sld>
+</file>
+
+<file path=ppt/slides/slide8.xml><?xml version="1.0" encoding="utf-8"?>
+<p:sld xmlns:a="http://schemas.openxmlformats.org/drawingml/2006/main" xmlns:r="http://schemas.openxmlformats.org/officeDocument/2006/relationships" xmlns:p="http://schemas.openxmlformats.org/presentationml/2006/main">
+  <p:cSld>
+    <p:bg>
+      <p:bgPr>
+        <a:solidFill>
+          <a:schemeClr val="bg1"/>
+        </a:solidFill>
+        <a:effectLst/>
+      </p:bgPr>
+    </p:bg>
+    <p:spTree>
+      <p:nvGrpSpPr>
+        <p:cNvPr id="1" name=""/>
+        <p:cNvGrpSpPr/>
+        <p:nvPr/>
+      </p:nvGrpSpPr>
+      <p:grpSpPr>
+        <a:xfrm>
+          <a:off x="0" y="0"/>
+          <a:ext cx="0" cy="0"/>
+          <a:chOff x="0" y="0"/>
+          <a:chExt cx="0" cy="0"/>
+        </a:xfrm>
+      </p:grpSpPr>
+      <p:sp useBgFill="1">
+        <p:nvSpPr>
+          <p:cNvPr id="9" name="Rectangle 8">
+            <a:extLst>
+              <a:ext uri="{FF2B5EF4-FFF2-40B4-BE49-F238E27FC236}">
+                <a16:creationId xmlns:a16="http://schemas.microsoft.com/office/drawing/2014/main" id="{C868C70C-E5C4-CD47-888C-FCB3373B6D38}"/>
+              </a:ext>
+              <a:ext uri="{C183D7F6-B498-43B3-948B-1728B52AA6E4}">
+                <adec:decorative xmlns:adec="http://schemas.microsoft.com/office/drawing/2017/decorative" val="1"/>
+              </a:ext>
+            </a:extLst>
+          </p:cNvPr>
+          <p:cNvSpPr>
+            <a:spLocks noGrp="1" noRot="1" noChangeAspect="1" noMove="1" noResize="1" noEditPoints="1" noAdjustHandles="1" noChangeArrowheads="1" noChangeShapeType="1" noTextEdit="1"/>
+          </p:cNvSpPr>
+          <p:nvPr>
+            <p:extLst>
+              <p:ext uri="{386F3935-93C4-4BCD-93E2-E3B085C9AB24}">
+                <p16:designElem xmlns:p16="http://schemas.microsoft.com/office/powerpoint/2015/main" val="1"/>
+              </p:ext>
+            </p:extLst>
+          </p:nvPr>
+        </p:nvSpPr>
+        <p:spPr>
+          <a:xfrm>
+            <a:off x="0" y="0"/>
+            <a:ext cx="12188952" cy="6858000"/>
+          </a:xfrm>
+          <a:prstGeom prst="rect">
+            <a:avLst/>
+          </a:prstGeom>
+          <a:ln>
+            <a:noFill/>
+          </a:ln>
+        </p:spPr>
+        <p:style>
+          <a:lnRef idx="2">
+            <a:schemeClr val="accent1">
+              <a:shade val="50000"/>
+            </a:schemeClr>
+          </a:lnRef>
+          <a:fillRef idx="1">
+            <a:schemeClr val="accent1"/>
+          </a:fillRef>
+          <a:effectRef idx="0">
+            <a:schemeClr val="accent1"/>
+          </a:effectRef>
+          <a:fontRef idx="minor">
+            <a:schemeClr val="lt1"/>
+          </a:fontRef>
+        </p:style>
+        <p:txBody>
+          <a:bodyPr rtlCol="0" anchor="ctr"/>
+          <a:lstStyle/>
+          <a:p>
+            <a:pPr algn="ctr"/>
+            <a:endParaRPr lang="en-US"/>
+          </a:p>
+        </p:txBody>
+      </p:sp>
+      <p:sp>
+        <p:nvSpPr>
+          <p:cNvPr id="11" name="Rectangle 10">
+            <a:extLst>
+              <a:ext uri="{FF2B5EF4-FFF2-40B4-BE49-F238E27FC236}">
+                <a16:creationId xmlns:a16="http://schemas.microsoft.com/office/drawing/2014/main" id="{15A8DDA3-B4FC-D445-AA06-C92ABAE24BAB}"/>
+              </a:ext>
+              <a:ext uri="{C183D7F6-B498-43B3-948B-1728B52AA6E4}">
+                <adec:decorative xmlns:adec="http://schemas.microsoft.com/office/drawing/2017/decorative" val="1"/>
+              </a:ext>
+            </a:extLst>
+          </p:cNvPr>
+          <p:cNvSpPr>
+            <a:spLocks noGrp="1" noRot="1" noChangeAspect="1" noMove="1" noResize="1" noEditPoints="1" noAdjustHandles="1" noChangeArrowheads="1" noChangeShapeType="1" noTextEdit="1"/>
+          </p:cNvSpPr>
+          <p:nvPr>
+            <p:extLst>
+              <p:ext uri="{386F3935-93C4-4BCD-93E2-E3B085C9AB24}">
+                <p16:designElem xmlns:p16="http://schemas.microsoft.com/office/powerpoint/2015/main" val="1"/>
+              </p:ext>
+            </p:extLst>
+          </p:nvPr>
+        </p:nvSpPr>
+        <p:spPr>
+          <a:xfrm>
+            <a:off x="1388543" y="5476671"/>
+            <a:ext cx="2770698" cy="1381329"/>
+          </a:xfrm>
+          <a:prstGeom prst="rect">
+            <a:avLst/>
+          </a:prstGeom>
+          <a:gradFill flip="none" rotWithShape="1">
+            <a:gsLst>
+              <a:gs pos="0">
+                <a:schemeClr val="accent1">
+                  <a:alpha val="50000"/>
+                </a:schemeClr>
+              </a:gs>
+              <a:gs pos="81000">
+                <a:schemeClr val="accent4">
+                  <a:alpha val="50000"/>
+                </a:schemeClr>
+              </a:gs>
+              <a:gs pos="25000">
+                <a:schemeClr val="accent2">
+                  <a:alpha val="60000"/>
+                </a:schemeClr>
+              </a:gs>
+              <a:gs pos="50000">
+                <a:schemeClr val="accent3">
+                  <a:alpha val="55000"/>
+                </a:schemeClr>
+              </a:gs>
+              <a:gs pos="99000">
+                <a:schemeClr val="accent5">
+                  <a:alpha val="50000"/>
+                </a:schemeClr>
+              </a:gs>
+            </a:gsLst>
+            <a:path path="circle">
+              <a:fillToRect r="100000" b="100000"/>
+            </a:path>
+            <a:tileRect l="-100000" t="-100000"/>
+          </a:gradFill>
+          <a:ln>
+            <a:noFill/>
+          </a:ln>
+        </p:spPr>
+        <p:style>
+          <a:lnRef idx="2">
+            <a:schemeClr val="accent1">
+              <a:shade val="50000"/>
+            </a:schemeClr>
+          </a:lnRef>
+          <a:fillRef idx="1">
+            <a:schemeClr val="accent1"/>
+          </a:fillRef>
+          <a:effectRef idx="0">
+            <a:schemeClr val="accent1"/>
+          </a:effectRef>
+          <a:fontRef idx="minor">
+            <a:schemeClr val="lt1"/>
+          </a:fontRef>
+        </p:style>
+        <p:txBody>
+          <a:bodyPr rtlCol="0" anchor="ctr"/>
+          <a:lstStyle/>
+          <a:p>
+            <a:pPr lvl="0" algn="ctr"/>
+            <a:endParaRPr lang="en-US"/>
+          </a:p>
+        </p:txBody>
+      </p:sp>
+      <p:sp>
+        <p:nvSpPr>
+          <p:cNvPr id="13" name="Rectangle 12">
+            <a:extLst>
+              <a:ext uri="{FF2B5EF4-FFF2-40B4-BE49-F238E27FC236}">
+                <a16:creationId xmlns:a16="http://schemas.microsoft.com/office/drawing/2014/main" id="{9FD0692D-A304-5E4A-BCD9-C00690321FBC}"/>
+              </a:ext>
+              <a:ext uri="{C183D7F6-B498-43B3-948B-1728B52AA6E4}">
+                <adec:decorative xmlns:adec="http://schemas.microsoft.com/office/drawing/2017/decorative" val="1"/>
+              </a:ext>
+            </a:extLst>
+          </p:cNvPr>
+          <p:cNvSpPr>
+            <a:spLocks noGrp="1" noRot="1" noChangeAspect="1" noMove="1" noResize="1" noEditPoints="1" noAdjustHandles="1" noChangeArrowheads="1" noChangeShapeType="1" noTextEdit="1"/>
+          </p:cNvSpPr>
+          <p:nvPr>
+            <p:extLst>
+              <p:ext uri="{386F3935-93C4-4BCD-93E2-E3B085C9AB24}">
+                <p16:designElem xmlns:p16="http://schemas.microsoft.com/office/powerpoint/2015/main" val="1"/>
+              </p:ext>
+            </p:extLst>
+          </p:nvPr>
+        </p:nvSpPr>
+        <p:spPr>
+          <a:xfrm>
+            <a:off x="1388542" y="4101177"/>
+            <a:ext cx="1373567" cy="2756824"/>
+          </a:xfrm>
+          <a:prstGeom prst="rect">
+            <a:avLst/>
+          </a:prstGeom>
+          <a:gradFill flip="none" rotWithShape="1">
+            <a:gsLst>
+              <a:gs pos="0">
+                <a:schemeClr val="accent1">
+                  <a:alpha val="50000"/>
+                </a:schemeClr>
+              </a:gs>
+              <a:gs pos="81000">
+                <a:schemeClr val="accent4">
+                  <a:alpha val="50000"/>
+                </a:schemeClr>
+              </a:gs>
+              <a:gs pos="25000">
+                <a:schemeClr val="accent2">
+                  <a:alpha val="60000"/>
+                </a:schemeClr>
+              </a:gs>
+              <a:gs pos="50000">
+                <a:schemeClr val="accent3">
+                  <a:alpha val="55000"/>
+                </a:schemeClr>
+              </a:gs>
+              <a:gs pos="99000">
+                <a:schemeClr val="accent5">
+                  <a:alpha val="50000"/>
+                </a:schemeClr>
+              </a:gs>
+            </a:gsLst>
+            <a:path path="circle">
+              <a:fillToRect r="100000" b="100000"/>
+            </a:path>
+            <a:tileRect l="-100000" t="-100000"/>
+          </a:gradFill>
+          <a:ln>
+            <a:noFill/>
+          </a:ln>
+        </p:spPr>
+        <p:style>
+          <a:lnRef idx="2">
+            <a:schemeClr val="accent1">
+              <a:shade val="50000"/>
+            </a:schemeClr>
+          </a:lnRef>
+          <a:fillRef idx="1">
+            <a:schemeClr val="accent1"/>
+          </a:fillRef>
+          <a:effectRef idx="0">
+            <a:schemeClr val="accent1"/>
+          </a:effectRef>
+          <a:fontRef idx="minor">
+            <a:schemeClr val="lt1"/>
+          </a:fontRef>
+        </p:style>
+        <p:txBody>
+          <a:bodyPr rtlCol="0" anchor="ctr"/>
+          <a:lstStyle/>
+          <a:p>
+            <a:pPr lvl="0" algn="ctr"/>
+            <a:endParaRPr lang="en-US"/>
+          </a:p>
+        </p:txBody>
+      </p:sp>
+      <p:sp>
+        <p:nvSpPr>
+          <p:cNvPr id="2" name="Title 1">
+            <a:extLst>
+              <a:ext uri="{FF2B5EF4-FFF2-40B4-BE49-F238E27FC236}">
+                <a16:creationId xmlns:a16="http://schemas.microsoft.com/office/drawing/2014/main" id="{9420B09C-B1AF-4E00-ACE6-33BBA30D7E17}"/>
+              </a:ext>
+            </a:extLst>
+          </p:cNvPr>
+          <p:cNvSpPr>
+            <a:spLocks noGrp="1"/>
+          </p:cNvSpPr>
+          <p:nvPr>
+            <p:ph type="title"/>
+          </p:nvPr>
+        </p:nvSpPr>
+        <p:spPr>
+          <a:xfrm>
+            <a:off x="1388542" y="455362"/>
+            <a:ext cx="3183457" cy="3392972"/>
+          </a:xfrm>
+        </p:spPr>
+        <p:txBody>
+          <a:bodyPr>
+            <a:normAutofit/>
+          </a:bodyPr>
+          <a:lstStyle/>
+          <a:p>
+            <a:r>
+              <a:rPr lang="sk-SK" dirty="0"/>
+              <a:t>Záver</a:t>
+            </a:r>
+            <a:endParaRPr lang="en-US" dirty="0"/>
+          </a:p>
+        </p:txBody>
+      </p:sp>
+      <p:graphicFrame>
+        <p:nvGraphicFramePr>
+          <p:cNvPr id="5" name="Content Placeholder 2">
+            <a:extLst>
+              <a:ext uri="{FF2B5EF4-FFF2-40B4-BE49-F238E27FC236}">
+                <a16:creationId xmlns:a16="http://schemas.microsoft.com/office/drawing/2014/main" id="{8281A1D0-2E54-412B-B1FF-33697814B591}"/>
+              </a:ext>
+            </a:extLst>
+          </p:cNvPr>
+          <p:cNvGraphicFramePr>
+            <a:graphicFrameLocks noGrp="1"/>
+          </p:cNvGraphicFramePr>
+          <p:nvPr>
+            <p:ph idx="1"/>
+            <p:extLst>
+              <p:ext uri="{D42A27DB-BD31-4B8C-83A1-F6EECF244321}">
+                <p14:modId xmlns:p14="http://schemas.microsoft.com/office/powerpoint/2010/main" val="3905631745"/>
+              </p:ext>
+            </p:extLst>
+          </p:nvPr>
+        </p:nvGraphicFramePr>
+        <p:xfrm>
+          <a:off x="5224244" y="409518"/>
+          <a:ext cx="6034656" cy="5632254"/>
+        </p:xfrm>
+        <a:graphic>
+          <a:graphicData uri="http://schemas.openxmlformats.org/drawingml/2006/diagram">
+            <dgm:relIds xmlns:dgm="http://schemas.openxmlformats.org/drawingml/2006/diagram" xmlns:r="http://schemas.openxmlformats.org/officeDocument/2006/relationships" r:dm="rId2" r:lo="rId3" r:qs="rId4" r:cs="rId5"/>
+          </a:graphicData>
+        </a:graphic>
+      </p:graphicFrame>
+    </p:spTree>
+    <p:extLst>
+      <p:ext uri="{BB962C8B-B14F-4D97-AF65-F5344CB8AC3E}">
+        <p14:creationId xmlns:p14="http://schemas.microsoft.com/office/powerpoint/2010/main" val="348363208"/>
+      </p:ext>
+    </p:extLst>
+  </p:cSld>
+  <p:clrMapOvr>
+    <a:masterClrMapping/>
+  </p:clrMapOvr>
+</p:sld>
+</file>
+
+<file path=ppt/slides/slide9.xml><?xml version="1.0" encoding="utf-8"?>
+<p:sld xmlns:a="http://schemas.openxmlformats.org/drawingml/2006/main" xmlns:r="http://schemas.openxmlformats.org/officeDocument/2006/relationships" xmlns:p="http://schemas.openxmlformats.org/presentationml/2006/main">
+  <p:cSld>
+    <p:bg>
+      <p:bgPr>
+        <a:solidFill>
+          <a:schemeClr val="bg1"/>
+        </a:solidFill>
+        <a:effectLst/>
+      </p:bgPr>
+    </p:bg>
+    <p:spTree>
+      <p:nvGrpSpPr>
+        <p:cNvPr id="1" name=""/>
+        <p:cNvGrpSpPr/>
+        <p:nvPr/>
+      </p:nvGrpSpPr>
+      <p:grpSpPr>
+        <a:xfrm>
+          <a:off x="0" y="0"/>
+          <a:ext cx="0" cy="0"/>
+          <a:chOff x="0" y="0"/>
+          <a:chExt cx="0" cy="0"/>
+        </a:xfrm>
+      </p:grpSpPr>
+      <p:sp useBgFill="1">
+        <p:nvSpPr>
+          <p:cNvPr id="17" name="Rectangle 8">
+            <a:extLst>
+              <a:ext uri="{FF2B5EF4-FFF2-40B4-BE49-F238E27FC236}">
+                <a16:creationId xmlns:a16="http://schemas.microsoft.com/office/drawing/2014/main" id="{A88F843D-1C1B-C740-AC27-E3238D0F5F47}"/>
+              </a:ext>
+              <a:ext uri="{C183D7F6-B498-43B3-948B-1728B52AA6E4}">
+                <adec:decorative xmlns:adec="http://schemas.microsoft.com/office/drawing/2017/decorative" val="1"/>
+              </a:ext>
+            </a:extLst>
+          </p:cNvPr>
+          <p:cNvSpPr>
+            <a:spLocks noGrp="1" noRot="1" noChangeAspect="1" noMove="1" noResize="1" noEditPoints="1" noAdjustHandles="1" noChangeArrowheads="1" noChangeShapeType="1" noTextEdit="1"/>
+          </p:cNvSpPr>
+          <p:nvPr>
+            <p:extLst>
+              <p:ext uri="{386F3935-93C4-4BCD-93E2-E3B085C9AB24}">
+                <p16:designElem xmlns:p16="http://schemas.microsoft.com/office/powerpoint/2015/main" val="1"/>
+              </p:ext>
+            </p:extLst>
+          </p:nvPr>
+        </p:nvSpPr>
+        <p:spPr>
+          <a:xfrm>
+            <a:off x="0" y="0"/>
+            <a:ext cx="12188952" cy="6858000"/>
+          </a:xfrm>
+          <a:prstGeom prst="rect">
+            <a:avLst/>
+          </a:prstGeom>
+          <a:ln>
+            <a:noFill/>
+          </a:ln>
+        </p:spPr>
+        <p:style>
+          <a:lnRef idx="2">
+            <a:schemeClr val="accent1">
+              <a:shade val="50000"/>
+            </a:schemeClr>
+          </a:lnRef>
+          <a:fillRef idx="1">
+            <a:schemeClr val="accent1"/>
+          </a:fillRef>
+          <a:effectRef idx="0">
+            <a:schemeClr val="accent1"/>
+          </a:effectRef>
+          <a:fontRef idx="minor">
+            <a:schemeClr val="lt1"/>
+          </a:fontRef>
+        </p:style>
+        <p:txBody>
+          <a:bodyPr rtlCol="0" anchor="ctr"/>
+          <a:lstStyle/>
+          <a:p>
+            <a:pPr algn="ctr"/>
+            <a:endParaRPr lang="en-US"/>
+          </a:p>
+        </p:txBody>
+      </p:sp>
+      <p:pic>
+        <p:nvPicPr>
+          <p:cNvPr id="18" name="Picture 4" descr="Tmavé vznášajúce sa žiarovky, jedna svieti">
+            <a:extLst>
+              <a:ext uri="{FF2B5EF4-FFF2-40B4-BE49-F238E27FC236}">
+                <a16:creationId xmlns:a16="http://schemas.microsoft.com/office/drawing/2014/main" id="{E35233C8-230C-4702-AC56-FE2B06D4EE51}"/>
+              </a:ext>
+            </a:extLst>
+          </p:cNvPr>
+          <p:cNvPicPr>
+            <a:picLocks noChangeAspect="1"/>
+          </p:cNvPicPr>
+          <p:nvPr/>
+        </p:nvPicPr>
+        <p:blipFill rotWithShape="1">
+          <a:blip r:embed="rId2"/>
+          <a:srcRect r="-2" b="8025"/>
+          <a:stretch/>
+        </p:blipFill>
+        <p:spPr>
+          <a:xfrm>
+            <a:off x="-1" y="10"/>
+            <a:ext cx="7456513" cy="6857990"/>
+          </a:xfrm>
+          <a:custGeom>
+            <a:avLst/>
+            <a:gdLst/>
+            <a:ahLst/>
+            <a:cxnLst/>
+            <a:rect l="l" t="t" r="r" b="b"/>
+            <a:pathLst>
+              <a:path w="7456513" h="6858000">
+                <a:moveTo>
+                  <a:pt x="0" y="0"/>
+                </a:moveTo>
+                <a:lnTo>
+                  <a:pt x="6059386" y="0"/>
+                </a:lnTo>
+                <a:lnTo>
+                  <a:pt x="6059386" y="1375489"/>
+                </a:lnTo>
+                <a:lnTo>
+                  <a:pt x="7456513" y="1375489"/>
+                </a:lnTo>
+                <a:lnTo>
+                  <a:pt x="7456513" y="6858000"/>
+                </a:lnTo>
+                <a:lnTo>
+                  <a:pt x="0" y="6858000"/>
+                </a:lnTo>
+                <a:close/>
+              </a:path>
+            </a:pathLst>
+          </a:custGeom>
+        </p:spPr>
+      </p:pic>
+      <p:sp>
+        <p:nvSpPr>
+          <p:cNvPr id="19" name="Rectangle 10">
+            <a:extLst>
+              <a:ext uri="{FF2B5EF4-FFF2-40B4-BE49-F238E27FC236}">
+                <a16:creationId xmlns:a16="http://schemas.microsoft.com/office/drawing/2014/main" id="{A21C8291-E3D5-4240-8FF4-E5213CBCC453}"/>
+              </a:ext>
+              <a:ext uri="{C183D7F6-B498-43B3-948B-1728B52AA6E4}">
+                <adec:decorative xmlns:adec="http://schemas.microsoft.com/office/drawing/2017/decorative" val="1"/>
+              </a:ext>
+            </a:extLst>
+          </p:cNvPr>
+          <p:cNvSpPr>
+            <a:spLocks noGrp="1" noRot="1" noChangeAspect="1" noMove="1" noResize="1" noEditPoints="1" noAdjustHandles="1" noChangeArrowheads="1" noChangeShapeType="1" noTextEdit="1"/>
+          </p:cNvSpPr>
+          <p:nvPr>
+            <p:extLst>
+              <p:ext uri="{386F3935-93C4-4BCD-93E2-E3B085C9AB24}">
+                <p16:designElem xmlns:p16="http://schemas.microsoft.com/office/powerpoint/2015/main" val="1"/>
+              </p:ext>
+            </p:extLst>
+          </p:nvPr>
+        </p:nvSpPr>
+        <p:spPr>
+          <a:xfrm>
+            <a:off x="4685818" y="1375492"/>
+            <a:ext cx="2770698" cy="5482505"/>
+          </a:xfrm>
+          <a:prstGeom prst="rect">
+            <a:avLst/>
+          </a:prstGeom>
+          <a:gradFill flip="none" rotWithShape="1">
+            <a:gsLst>
+              <a:gs pos="0">
+                <a:schemeClr val="accent1">
+                  <a:alpha val="50000"/>
+                </a:schemeClr>
+              </a:gs>
+              <a:gs pos="81000">
+                <a:schemeClr val="accent4">
+                  <a:alpha val="50000"/>
+                </a:schemeClr>
+              </a:gs>
+              <a:gs pos="25000">
+                <a:schemeClr val="accent2">
+                  <a:alpha val="60000"/>
+                </a:schemeClr>
+              </a:gs>
+              <a:gs pos="50000">
+                <a:schemeClr val="accent3">
+                  <a:alpha val="55000"/>
+                </a:schemeClr>
+              </a:gs>
+              <a:gs pos="99000">
+                <a:schemeClr val="accent5">
+                  <a:alpha val="50000"/>
+                </a:schemeClr>
+              </a:gs>
+            </a:gsLst>
+            <a:path path="circle">
+              <a:fillToRect r="100000" b="100000"/>
+            </a:path>
+            <a:tileRect l="-100000" t="-100000"/>
+          </a:gradFill>
+          <a:ln>
+            <a:noFill/>
+          </a:ln>
+        </p:spPr>
+        <p:style>
+          <a:lnRef idx="2">
+            <a:schemeClr val="accent1">
+              <a:shade val="50000"/>
+            </a:schemeClr>
+          </a:lnRef>
+          <a:fillRef idx="1">
+            <a:schemeClr val="accent1"/>
+          </a:fillRef>
+          <a:effectRef idx="0">
+            <a:schemeClr val="accent1"/>
+          </a:effectRef>
+          <a:fontRef idx="minor">
+            <a:schemeClr val="lt1"/>
+          </a:fontRef>
+        </p:style>
+        <p:txBody>
+          <a:bodyPr rtlCol="0" anchor="ctr"/>
+          <a:lstStyle/>
+          <a:p>
+            <a:pPr lvl="0" algn="ctr"/>
+            <a:endParaRPr lang="en-US"/>
+          </a:p>
+        </p:txBody>
+      </p:sp>
+      <p:sp>
+        <p:nvSpPr>
+          <p:cNvPr id="20" name="Rectangle 12">
+            <a:extLst>
+              <a:ext uri="{FF2B5EF4-FFF2-40B4-BE49-F238E27FC236}">
+                <a16:creationId xmlns:a16="http://schemas.microsoft.com/office/drawing/2014/main" id="{08B44AFE-C181-7047-8CC9-CA00BD385EEA}"/>
+              </a:ext>
+              <a:ext uri="{C183D7F6-B498-43B3-948B-1728B52AA6E4}">
+                <adec:decorative xmlns:adec="http://schemas.microsoft.com/office/drawing/2017/decorative" val="1"/>
+              </a:ext>
+            </a:extLst>
+          </p:cNvPr>
+          <p:cNvSpPr>
+            <a:spLocks noGrp="1" noRot="1" noChangeAspect="1" noMove="1" noResize="1" noEditPoints="1" noAdjustHandles="1" noChangeArrowheads="1" noChangeShapeType="1" noTextEdit="1"/>
+          </p:cNvSpPr>
+          <p:nvPr>
+            <p:extLst>
+              <p:ext uri="{386F3935-93C4-4BCD-93E2-E3B085C9AB24}">
+                <p16:designElem xmlns:p16="http://schemas.microsoft.com/office/powerpoint/2015/main" val="1"/>
+              </p:ext>
+            </p:extLst>
+          </p:nvPr>
+        </p:nvSpPr>
+        <p:spPr>
+          <a:xfrm>
+            <a:off x="4685818" y="-3"/>
+            <a:ext cx="1373567" cy="6857999"/>
+          </a:xfrm>
+          <a:prstGeom prst="rect">
+            <a:avLst/>
+          </a:prstGeom>
+          <a:gradFill flip="none" rotWithShape="1">
+            <a:gsLst>
+              <a:gs pos="0">
+                <a:schemeClr val="accent1">
+                  <a:alpha val="50000"/>
+                </a:schemeClr>
+              </a:gs>
+              <a:gs pos="81000">
+                <a:schemeClr val="accent4">
+                  <a:alpha val="50000"/>
+                </a:schemeClr>
+              </a:gs>
+              <a:gs pos="25000">
+                <a:schemeClr val="accent2">
+                  <a:alpha val="60000"/>
+                </a:schemeClr>
+              </a:gs>
+              <a:gs pos="50000">
+                <a:schemeClr val="accent3">
+                  <a:alpha val="55000"/>
+                </a:schemeClr>
+              </a:gs>
+              <a:gs pos="99000">
+                <a:schemeClr val="accent5">
+                  <a:alpha val="50000"/>
+                </a:schemeClr>
+              </a:gs>
+            </a:gsLst>
+            <a:path path="circle">
+              <a:fillToRect r="100000" b="100000"/>
+            </a:path>
+            <a:tileRect l="-100000" t="-100000"/>
+          </a:gradFill>
+          <a:ln>
+            <a:noFill/>
+          </a:ln>
+        </p:spPr>
+        <p:style>
+          <a:lnRef idx="2">
+            <a:schemeClr val="accent1">
+              <a:shade val="50000"/>
+            </a:schemeClr>
+          </a:lnRef>
+          <a:fillRef idx="1">
+            <a:schemeClr val="accent1"/>
+          </a:fillRef>
+          <a:effectRef idx="0">
+            <a:schemeClr val="accent1"/>
+          </a:effectRef>
+          <a:fontRef idx="minor">
+            <a:schemeClr val="lt1"/>
+          </a:fontRef>
+        </p:style>
+        <p:txBody>
+          <a:bodyPr rtlCol="0" anchor="ctr"/>
+          <a:lstStyle/>
+          <a:p>
+            <a:pPr lvl="0" algn="ctr"/>
+            <a:endParaRPr lang="en-US"/>
+          </a:p>
+        </p:txBody>
+      </p:sp>
+      <p:sp>
+        <p:nvSpPr>
+          <p:cNvPr id="2" name="Title 1">
+            <a:extLst>
+              <a:ext uri="{FF2B5EF4-FFF2-40B4-BE49-F238E27FC236}">
+                <a16:creationId xmlns:a16="http://schemas.microsoft.com/office/drawing/2014/main" id="{E1104A08-582F-4B2D-BFA4-82D7560D08E4}"/>
+              </a:ext>
+            </a:extLst>
+          </p:cNvPr>
+          <p:cNvSpPr>
+            <a:spLocks noGrp="1"/>
+          </p:cNvSpPr>
+          <p:nvPr>
+            <p:ph type="ctrTitle"/>
+          </p:nvPr>
+        </p:nvSpPr>
+        <p:spPr>
+          <a:xfrm>
+            <a:off x="8018633" y="1247140"/>
+            <a:ext cx="3608208" cy="3450844"/>
+          </a:xfrm>
+        </p:spPr>
+        <p:txBody>
+          <a:bodyPr>
+            <a:normAutofit/>
+          </a:bodyPr>
+          <a:lstStyle/>
+          <a:p>
+            <a:r>
+              <a:rPr lang="sk-SK" sz="4800"/>
+              <a:t>Ďakujem za pozornosť</a:t>
+            </a:r>
+            <a:endParaRPr lang="en-US" sz="4800"/>
+          </a:p>
+        </p:txBody>
+      </p:sp>
+      <p:sp>
+        <p:nvSpPr>
+          <p:cNvPr id="3" name="Subtitle 2">
+            <a:extLst>
+              <a:ext uri="{FF2B5EF4-FFF2-40B4-BE49-F238E27FC236}">
+                <a16:creationId xmlns:a16="http://schemas.microsoft.com/office/drawing/2014/main" id="{19D62BBF-A08B-45FB-B9C6-C8F09FAEEB0E}"/>
+              </a:ext>
+            </a:extLst>
+          </p:cNvPr>
+          <p:cNvSpPr>
+            <a:spLocks noGrp="1"/>
+          </p:cNvSpPr>
+          <p:nvPr>
+            <p:ph type="subTitle" idx="1"/>
+          </p:nvPr>
+        </p:nvSpPr>
+        <p:spPr>
+          <a:xfrm>
+            <a:off x="8018633" y="4818126"/>
+            <a:ext cx="3608208" cy="1268984"/>
+          </a:xfrm>
+        </p:spPr>
+        <p:txBody>
+          <a:bodyPr>
+            <a:normAutofit/>
+          </a:bodyPr>
+          <a:lstStyle/>
+          <a:p>
+            <a:endParaRPr lang="en-US"/>
+          </a:p>
+        </p:txBody>
+      </p:sp>
+    </p:spTree>
+    <p:extLst>
+      <p:ext uri="{BB962C8B-B14F-4D97-AF65-F5344CB8AC3E}">
+        <p14:creationId xmlns:p14="http://schemas.microsoft.com/office/powerpoint/2010/main" val="1647254589"/>
       </p:ext>
     </p:extLst>
   </p:cSld>

--- a/prezentacia/Softvér pre diabetikov.pptx
+++ b/prezentacia/Softvér pre diabetikov.pptx
@@ -119,6 +119,907 @@
     </p:ext>
   </p:extLst>
 </p:presentation>
+</file>
+
+<file path=ppt/charts/chart1.xml><?xml version="1.0" encoding="utf-8"?>
+<c:chartSpace xmlns:c="http://schemas.openxmlformats.org/drawingml/2006/chart" xmlns:a="http://schemas.openxmlformats.org/drawingml/2006/main" xmlns:r="http://schemas.openxmlformats.org/officeDocument/2006/relationships" xmlns:c16r2="http://schemas.microsoft.com/office/drawing/2015/06/chart">
+  <c:date1904 val="0"/>
+  <c:lang val="en-US"/>
+  <c:roundedCorners val="0"/>
+  <mc:AlternateContent xmlns:mc="http://schemas.openxmlformats.org/markup-compatibility/2006">
+    <mc:Choice xmlns:c14="http://schemas.microsoft.com/office/drawing/2007/8/2/chart" Requires="c14">
+      <c14:style val="102"/>
+    </mc:Choice>
+    <mc:Fallback>
+      <c:style val="2"/>
+    </mc:Fallback>
+  </mc:AlternateContent>
+  <c:chart>
+    <c:title>
+      <c:tx>
+        <c:rich>
+          <a:bodyPr rot="0" spcFirstLastPara="1" vertOverflow="ellipsis" vert="horz" wrap="square" anchor="ctr" anchorCtr="1"/>
+          <a:lstStyle/>
+          <a:p>
+            <a:pPr>
+              <a:defRPr sz="2400" b="0" i="0" u="none" strike="noStrike" kern="1200" spc="0" baseline="0">
+                <a:solidFill>
+                  <a:schemeClr val="tx1">
+                    <a:lumMod val="65000"/>
+                    <a:lumOff val="35000"/>
+                  </a:schemeClr>
+                </a:solidFill>
+                <a:latin typeface="+mn-lt"/>
+                <a:ea typeface="+mn-ea"/>
+                <a:cs typeface="+mn-cs"/>
+              </a:defRPr>
+            </a:pPr>
+            <a:r>
+              <a:rPr lang="sk-SK" sz="2400"/>
+              <a:t>Top 10 krajín:</a:t>
+            </a:r>
+            <a:r>
+              <a:rPr lang="sk-SK" sz="2400" baseline="0"/>
+              <a:t> p</a:t>
+            </a:r>
+            <a:r>
+              <a:rPr lang="en-US" sz="2400"/>
+              <a:t>očet</a:t>
+            </a:r>
+            <a:r>
+              <a:rPr lang="sk-SK" sz="2400"/>
+              <a:t> Diabetikov v Miliónoch </a:t>
+            </a:r>
+            <a:endParaRPr lang="en-US" sz="2400"/>
+          </a:p>
+        </c:rich>
+      </c:tx>
+      <c:overlay val="0"/>
+      <c:spPr>
+        <a:noFill/>
+        <a:ln>
+          <a:noFill/>
+        </a:ln>
+        <a:effectLst/>
+      </c:spPr>
+      <c:txPr>
+        <a:bodyPr rot="0" spcFirstLastPara="1" vertOverflow="ellipsis" vert="horz" wrap="square" anchor="ctr" anchorCtr="1"/>
+        <a:lstStyle/>
+        <a:p>
+          <a:pPr>
+            <a:defRPr sz="2400" b="0" i="0" u="none" strike="noStrike" kern="1200" spc="0" baseline="0">
+              <a:solidFill>
+                <a:schemeClr val="tx1">
+                  <a:lumMod val="65000"/>
+                  <a:lumOff val="35000"/>
+                </a:schemeClr>
+              </a:solidFill>
+              <a:latin typeface="+mn-lt"/>
+              <a:ea typeface="+mn-ea"/>
+              <a:cs typeface="+mn-cs"/>
+            </a:defRPr>
+          </a:pPr>
+          <a:endParaRPr lang="en-US"/>
+        </a:p>
+      </c:txPr>
+    </c:title>
+    <c:autoTitleDeleted val="0"/>
+    <c:plotArea>
+      <c:layout/>
+      <c:barChart>
+        <c:barDir val="col"/>
+        <c:grouping val="clustered"/>
+        <c:varyColors val="0"/>
+        <c:ser>
+          <c:idx val="0"/>
+          <c:order val="0"/>
+          <c:tx>
+            <c:strRef>
+              <c:f>Sheet1!$C$2</c:f>
+              <c:strCache>
+                <c:ptCount val="1"/>
+                <c:pt idx="0">
+                  <c:v>Počet</c:v>
+                </c:pt>
+              </c:strCache>
+            </c:strRef>
+          </c:tx>
+          <c:spPr>
+            <a:solidFill>
+              <a:schemeClr val="accent1"/>
+            </a:solidFill>
+            <a:ln>
+              <a:noFill/>
+            </a:ln>
+            <a:effectLst/>
+          </c:spPr>
+          <c:invertIfNegative val="0"/>
+          <c:cat>
+            <c:strRef>
+              <c:f>Sheet1!$B$3:$B$12</c:f>
+              <c:strCache>
+                <c:ptCount val="10"/>
+                <c:pt idx="0">
+                  <c:v>China</c:v>
+                </c:pt>
+                <c:pt idx="1">
+                  <c:v>India</c:v>
+                </c:pt>
+                <c:pt idx="2">
+                  <c:v>United States</c:v>
+                </c:pt>
+                <c:pt idx="3">
+                  <c:v>Pakistan</c:v>
+                </c:pt>
+                <c:pt idx="4">
+                  <c:v>Brazil</c:v>
+                </c:pt>
+                <c:pt idx="5">
+                  <c:v>Mexico</c:v>
+                </c:pt>
+                <c:pt idx="6">
+                  <c:v>Indonesia</c:v>
+                </c:pt>
+                <c:pt idx="7">
+                  <c:v>Germany</c:v>
+                </c:pt>
+                <c:pt idx="8">
+                  <c:v>Egypt</c:v>
+                </c:pt>
+                <c:pt idx="9">
+                  <c:v>Bangladesh</c:v>
+                </c:pt>
+              </c:strCache>
+            </c:strRef>
+          </c:cat>
+          <c:val>
+            <c:numRef>
+              <c:f>Sheet1!$C$3:$C$12</c:f>
+              <c:numCache>
+                <c:formatCode>#,##0</c:formatCode>
+                <c:ptCount val="10"/>
+                <c:pt idx="0" formatCode="#,##0.##">
+                  <c:v>116.4</c:v>
+                </c:pt>
+                <c:pt idx="1">
+                  <c:v>77</c:v>
+                </c:pt>
+                <c:pt idx="2">
+                  <c:v>31</c:v>
+                </c:pt>
+                <c:pt idx="3" formatCode="#,##0.##">
+                  <c:v>19.399999999999999</c:v>
+                </c:pt>
+                <c:pt idx="4" formatCode="#,##0.##">
+                  <c:v>16.8</c:v>
+                </c:pt>
+                <c:pt idx="5" formatCode="#,##0.##">
+                  <c:v>12.8</c:v>
+                </c:pt>
+                <c:pt idx="6" formatCode="#,##0.##">
+                  <c:v>10.7</c:v>
+                </c:pt>
+                <c:pt idx="7" formatCode="#,##0.##">
+                  <c:v>9.5</c:v>
+                </c:pt>
+                <c:pt idx="8" formatCode="#,##0.##">
+                  <c:v>8.9</c:v>
+                </c:pt>
+                <c:pt idx="9" formatCode="#,##0.##">
+                  <c:v>8.4</c:v>
+                </c:pt>
+              </c:numCache>
+            </c:numRef>
+          </c:val>
+          <c:extLst>
+            <c:ext xmlns:c16="http://schemas.microsoft.com/office/drawing/2014/chart" uri="{C3380CC4-5D6E-409C-BE32-E72D297353CC}">
+              <c16:uniqueId val="{00000000-4176-445A-851F-6A68D7A10649}"/>
+            </c:ext>
+          </c:extLst>
+        </c:ser>
+        <c:dLbls>
+          <c:showLegendKey val="0"/>
+          <c:showVal val="0"/>
+          <c:showCatName val="0"/>
+          <c:showSerName val="0"/>
+          <c:showPercent val="0"/>
+          <c:showBubbleSize val="0"/>
+        </c:dLbls>
+        <c:gapWidth val="219"/>
+        <c:overlap val="-27"/>
+        <c:axId val="664655520"/>
+        <c:axId val="664662736"/>
+      </c:barChart>
+      <c:catAx>
+        <c:axId val="664655520"/>
+        <c:scaling>
+          <c:orientation val="minMax"/>
+        </c:scaling>
+        <c:delete val="0"/>
+        <c:axPos val="b"/>
+        <c:numFmt formatCode="General" sourceLinked="1"/>
+        <c:majorTickMark val="none"/>
+        <c:minorTickMark val="none"/>
+        <c:tickLblPos val="nextTo"/>
+        <c:spPr>
+          <a:noFill/>
+          <a:ln w="9525" cap="flat" cmpd="sng" algn="ctr">
+            <a:solidFill>
+              <a:schemeClr val="tx1">
+                <a:lumMod val="15000"/>
+                <a:lumOff val="85000"/>
+              </a:schemeClr>
+            </a:solidFill>
+            <a:round/>
+          </a:ln>
+          <a:effectLst/>
+        </c:spPr>
+        <c:txPr>
+          <a:bodyPr rot="-60000000" spcFirstLastPara="1" vertOverflow="ellipsis" vert="horz" wrap="square" anchor="ctr" anchorCtr="1"/>
+          <a:lstStyle/>
+          <a:p>
+            <a:pPr>
+              <a:defRPr sz="1400" b="0" i="0" u="none" strike="noStrike" kern="1200" baseline="0">
+                <a:solidFill>
+                  <a:schemeClr val="tx1">
+                    <a:lumMod val="65000"/>
+                    <a:lumOff val="35000"/>
+                  </a:schemeClr>
+                </a:solidFill>
+                <a:latin typeface="+mn-lt"/>
+                <a:ea typeface="+mn-ea"/>
+                <a:cs typeface="+mn-cs"/>
+              </a:defRPr>
+            </a:pPr>
+            <a:endParaRPr lang="en-US"/>
+          </a:p>
+        </c:txPr>
+        <c:crossAx val="664662736"/>
+        <c:crosses val="autoZero"/>
+        <c:auto val="1"/>
+        <c:lblAlgn val="ctr"/>
+        <c:lblOffset val="100"/>
+        <c:noMultiLvlLbl val="0"/>
+      </c:catAx>
+      <c:valAx>
+        <c:axId val="664662736"/>
+        <c:scaling>
+          <c:orientation val="minMax"/>
+        </c:scaling>
+        <c:delete val="0"/>
+        <c:axPos val="l"/>
+        <c:majorGridlines>
+          <c:spPr>
+            <a:ln w="9525" cap="flat" cmpd="sng" algn="ctr">
+              <a:solidFill>
+                <a:schemeClr val="tx1">
+                  <a:lumMod val="15000"/>
+                  <a:lumOff val="85000"/>
+                </a:schemeClr>
+              </a:solidFill>
+              <a:round/>
+            </a:ln>
+            <a:effectLst/>
+          </c:spPr>
+        </c:majorGridlines>
+        <c:numFmt formatCode="#,##0.##" sourceLinked="1"/>
+        <c:majorTickMark val="none"/>
+        <c:minorTickMark val="none"/>
+        <c:tickLblPos val="nextTo"/>
+        <c:spPr>
+          <a:noFill/>
+          <a:ln>
+            <a:noFill/>
+          </a:ln>
+          <a:effectLst/>
+        </c:spPr>
+        <c:txPr>
+          <a:bodyPr rot="-60000000" spcFirstLastPara="1" vertOverflow="ellipsis" vert="horz" wrap="square" anchor="ctr" anchorCtr="1"/>
+          <a:lstStyle/>
+          <a:p>
+            <a:pPr>
+              <a:defRPr sz="900" b="0" i="0" u="none" strike="noStrike" kern="1200" baseline="0">
+                <a:solidFill>
+                  <a:schemeClr val="tx1">
+                    <a:lumMod val="65000"/>
+                    <a:lumOff val="35000"/>
+                  </a:schemeClr>
+                </a:solidFill>
+                <a:latin typeface="+mn-lt"/>
+                <a:ea typeface="+mn-ea"/>
+                <a:cs typeface="+mn-cs"/>
+              </a:defRPr>
+            </a:pPr>
+            <a:endParaRPr lang="en-US"/>
+          </a:p>
+        </c:txPr>
+        <c:crossAx val="664655520"/>
+        <c:crosses val="autoZero"/>
+        <c:crossBetween val="between"/>
+      </c:valAx>
+      <c:spPr>
+        <a:noFill/>
+        <a:ln>
+          <a:noFill/>
+        </a:ln>
+        <a:effectLst/>
+      </c:spPr>
+    </c:plotArea>
+    <c:plotVisOnly val="1"/>
+    <c:dispBlanksAs val="gap"/>
+    <c:extLst>
+      <c:ext xmlns:c16r3="http://schemas.microsoft.com/office/drawing/2017/03/chart" uri="{56B9EC1D-385E-4148-901F-78D8002777C0}">
+        <c16r3:dataDisplayOptions16>
+          <c16r3:dispNaAsBlank val="1"/>
+        </c16r3:dataDisplayOptions16>
+      </c:ext>
+    </c:extLst>
+    <c:showDLblsOverMax val="0"/>
+  </c:chart>
+  <c:spPr>
+    <a:noFill/>
+    <a:ln>
+      <a:noFill/>
+    </a:ln>
+    <a:effectLst/>
+  </c:spPr>
+  <c:txPr>
+    <a:bodyPr/>
+    <a:lstStyle/>
+    <a:p>
+      <a:pPr>
+        <a:defRPr/>
+      </a:pPr>
+      <a:endParaRPr lang="en-US"/>
+    </a:p>
+  </c:txPr>
+  <c:externalData r:id="rId3">
+    <c:autoUpdate val="0"/>
+  </c:externalData>
+</c:chartSpace>
+</file>
+
+<file path=ppt/charts/colors1.xml><?xml version="1.0" encoding="utf-8"?>
+<cs:colorStyle xmlns:cs="http://schemas.microsoft.com/office/drawing/2012/chartStyle" xmlns:a="http://schemas.openxmlformats.org/drawingml/2006/main" meth="cycle" id="10">
+  <a:schemeClr val="accent1"/>
+  <a:schemeClr val="accent2"/>
+  <a:schemeClr val="accent3"/>
+  <a:schemeClr val="accent4"/>
+  <a:schemeClr val="accent5"/>
+  <a:schemeClr val="accent6"/>
+  <cs:variation/>
+  <cs:variation>
+    <a:lumMod val="60000"/>
+  </cs:variation>
+  <cs:variation>
+    <a:lumMod val="80000"/>
+    <a:lumOff val="20000"/>
+  </cs:variation>
+  <cs:variation>
+    <a:lumMod val="80000"/>
+  </cs:variation>
+  <cs:variation>
+    <a:lumMod val="60000"/>
+    <a:lumOff val="40000"/>
+  </cs:variation>
+  <cs:variation>
+    <a:lumMod val="50000"/>
+  </cs:variation>
+  <cs:variation>
+    <a:lumMod val="70000"/>
+    <a:lumOff val="30000"/>
+  </cs:variation>
+  <cs:variation>
+    <a:lumMod val="70000"/>
+  </cs:variation>
+  <cs:variation>
+    <a:lumMod val="50000"/>
+    <a:lumOff val="50000"/>
+  </cs:variation>
+</cs:colorStyle>
+</file>
+
+<file path=ppt/charts/style1.xml><?xml version="1.0" encoding="utf-8"?>
+<cs:chartStyle xmlns:cs="http://schemas.microsoft.com/office/drawing/2012/chartStyle" xmlns:a="http://schemas.openxmlformats.org/drawingml/2006/main" id="201">
+  <cs:axisTitle>
+    <cs:lnRef idx="0"/>
+    <cs:fillRef idx="0"/>
+    <cs:effectRef idx="0"/>
+    <cs:fontRef idx="minor">
+      <a:schemeClr val="tx1">
+        <a:lumMod val="65000"/>
+        <a:lumOff val="35000"/>
+      </a:schemeClr>
+    </cs:fontRef>
+    <cs:defRPr sz="1000" kern="1200"/>
+  </cs:axisTitle>
+  <cs:categoryAxis>
+    <cs:lnRef idx="0"/>
+    <cs:fillRef idx="0"/>
+    <cs:effectRef idx="0"/>
+    <cs:fontRef idx="minor">
+      <a:schemeClr val="tx1">
+        <a:lumMod val="65000"/>
+        <a:lumOff val="35000"/>
+      </a:schemeClr>
+    </cs:fontRef>
+    <cs:spPr>
+      <a:ln w="9525" cap="flat" cmpd="sng" algn="ctr">
+        <a:solidFill>
+          <a:schemeClr val="tx1">
+            <a:lumMod val="15000"/>
+            <a:lumOff val="85000"/>
+          </a:schemeClr>
+        </a:solidFill>
+        <a:round/>
+      </a:ln>
+    </cs:spPr>
+    <cs:defRPr sz="900" kern="1200"/>
+  </cs:categoryAxis>
+  <cs:chartArea mods="allowNoFillOverride allowNoLineOverride">
+    <cs:lnRef idx="0"/>
+    <cs:fillRef idx="0"/>
+    <cs:effectRef idx="0"/>
+    <cs:fontRef idx="minor">
+      <a:schemeClr val="tx1"/>
+    </cs:fontRef>
+    <cs:spPr>
+      <a:solidFill>
+        <a:schemeClr val="bg1"/>
+      </a:solidFill>
+      <a:ln w="9525" cap="flat" cmpd="sng" algn="ctr">
+        <a:solidFill>
+          <a:schemeClr val="tx1">
+            <a:lumMod val="15000"/>
+            <a:lumOff val="85000"/>
+          </a:schemeClr>
+        </a:solidFill>
+        <a:round/>
+      </a:ln>
+    </cs:spPr>
+    <cs:defRPr sz="1000" kern="1200"/>
+  </cs:chartArea>
+  <cs:dataLabel>
+    <cs:lnRef idx="0"/>
+    <cs:fillRef idx="0"/>
+    <cs:effectRef idx="0"/>
+    <cs:fontRef idx="minor">
+      <a:schemeClr val="tx1">
+        <a:lumMod val="75000"/>
+        <a:lumOff val="25000"/>
+      </a:schemeClr>
+    </cs:fontRef>
+    <cs:defRPr sz="900" kern="1200"/>
+  </cs:dataLabel>
+  <cs:dataLabelCallout>
+    <cs:lnRef idx="0"/>
+    <cs:fillRef idx="0"/>
+    <cs:effectRef idx="0"/>
+    <cs:fontRef idx="minor">
+      <a:schemeClr val="dk1">
+        <a:lumMod val="65000"/>
+        <a:lumOff val="35000"/>
+      </a:schemeClr>
+    </cs:fontRef>
+    <cs:spPr>
+      <a:solidFill>
+        <a:schemeClr val="lt1"/>
+      </a:solidFill>
+      <a:ln>
+        <a:solidFill>
+          <a:schemeClr val="dk1">
+            <a:lumMod val="25000"/>
+            <a:lumOff val="75000"/>
+          </a:schemeClr>
+        </a:solidFill>
+      </a:ln>
+    </cs:spPr>
+    <cs:defRPr sz="900" kern="1200"/>
+    <cs:bodyPr rot="0" spcFirstLastPara="1" vertOverflow="clip" horzOverflow="clip" vert="horz" wrap="square" lIns="36576" tIns="18288" rIns="36576" bIns="18288" anchor="ctr" anchorCtr="1">
+      <a:spAutoFit/>
+    </cs:bodyPr>
+  </cs:dataLabelCallout>
+  <cs:dataPoint>
+    <cs:lnRef idx="0"/>
+    <cs:fillRef idx="1">
+      <cs:styleClr val="auto"/>
+    </cs:fillRef>
+    <cs:effectRef idx="0"/>
+    <cs:fontRef idx="minor">
+      <a:schemeClr val="tx1"/>
+    </cs:fontRef>
+  </cs:dataPoint>
+  <cs:dataPoint3D>
+    <cs:lnRef idx="0"/>
+    <cs:fillRef idx="1">
+      <cs:styleClr val="auto"/>
+    </cs:fillRef>
+    <cs:effectRef idx="0"/>
+    <cs:fontRef idx="minor">
+      <a:schemeClr val="tx1"/>
+    </cs:fontRef>
+  </cs:dataPoint3D>
+  <cs:dataPointLine>
+    <cs:lnRef idx="0">
+      <cs:styleClr val="auto"/>
+    </cs:lnRef>
+    <cs:fillRef idx="1"/>
+    <cs:effectRef idx="0"/>
+    <cs:fontRef idx="minor">
+      <a:schemeClr val="tx1"/>
+    </cs:fontRef>
+    <cs:spPr>
+      <a:ln w="28575" cap="rnd">
+        <a:solidFill>
+          <a:schemeClr val="phClr"/>
+        </a:solidFill>
+        <a:round/>
+      </a:ln>
+    </cs:spPr>
+  </cs:dataPointLine>
+  <cs:dataPointMarker>
+    <cs:lnRef idx="0">
+      <cs:styleClr val="auto"/>
+    </cs:lnRef>
+    <cs:fillRef idx="1">
+      <cs:styleClr val="auto"/>
+    </cs:fillRef>
+    <cs:effectRef idx="0"/>
+    <cs:fontRef idx="minor">
+      <a:schemeClr val="tx1"/>
+    </cs:fontRef>
+    <cs:spPr>
+      <a:ln w="9525">
+        <a:solidFill>
+          <a:schemeClr val="phClr"/>
+        </a:solidFill>
+      </a:ln>
+    </cs:spPr>
+  </cs:dataPointMarker>
+  <cs:dataPointMarkerLayout symbol="circle" size="5"/>
+  <cs:dataPointWireframe>
+    <cs:lnRef idx="0">
+      <cs:styleClr val="auto"/>
+    </cs:lnRef>
+    <cs:fillRef idx="1"/>
+    <cs:effectRef idx="0"/>
+    <cs:fontRef idx="minor">
+      <a:schemeClr val="tx1"/>
+    </cs:fontRef>
+    <cs:spPr>
+      <a:ln w="9525" cap="rnd">
+        <a:solidFill>
+          <a:schemeClr val="phClr"/>
+        </a:solidFill>
+        <a:round/>
+      </a:ln>
+    </cs:spPr>
+  </cs:dataPointWireframe>
+  <cs:dataTable>
+    <cs:lnRef idx="0"/>
+    <cs:fillRef idx="0"/>
+    <cs:effectRef idx="0"/>
+    <cs:fontRef idx="minor">
+      <a:schemeClr val="tx1">
+        <a:lumMod val="65000"/>
+        <a:lumOff val="35000"/>
+      </a:schemeClr>
+    </cs:fontRef>
+    <cs:spPr>
+      <a:noFill/>
+      <a:ln w="9525" cap="flat" cmpd="sng" algn="ctr">
+        <a:solidFill>
+          <a:schemeClr val="tx1">
+            <a:lumMod val="15000"/>
+            <a:lumOff val="85000"/>
+          </a:schemeClr>
+        </a:solidFill>
+        <a:round/>
+      </a:ln>
+    </cs:spPr>
+    <cs:defRPr sz="900" kern="1200"/>
+  </cs:dataTable>
+  <cs:downBar>
+    <cs:lnRef idx="0"/>
+    <cs:fillRef idx="0"/>
+    <cs:effectRef idx="0"/>
+    <cs:fontRef idx="minor">
+      <a:schemeClr val="dk1"/>
+    </cs:fontRef>
+    <cs:spPr>
+      <a:solidFill>
+        <a:schemeClr val="dk1">
+          <a:lumMod val="65000"/>
+          <a:lumOff val="35000"/>
+        </a:schemeClr>
+      </a:solidFill>
+      <a:ln w="9525">
+        <a:solidFill>
+          <a:schemeClr val="tx1">
+            <a:lumMod val="65000"/>
+            <a:lumOff val="35000"/>
+          </a:schemeClr>
+        </a:solidFill>
+      </a:ln>
+    </cs:spPr>
+  </cs:downBar>
+  <cs:dropLine>
+    <cs:lnRef idx="0"/>
+    <cs:fillRef idx="0"/>
+    <cs:effectRef idx="0"/>
+    <cs:fontRef idx="minor">
+      <a:schemeClr val="tx1"/>
+    </cs:fontRef>
+    <cs:spPr>
+      <a:ln w="9525" cap="flat" cmpd="sng" algn="ctr">
+        <a:solidFill>
+          <a:schemeClr val="tx1">
+            <a:lumMod val="35000"/>
+            <a:lumOff val="65000"/>
+          </a:schemeClr>
+        </a:solidFill>
+        <a:round/>
+      </a:ln>
+    </cs:spPr>
+  </cs:dropLine>
+  <cs:errorBar>
+    <cs:lnRef idx="0"/>
+    <cs:fillRef idx="0"/>
+    <cs:effectRef idx="0"/>
+    <cs:fontRef idx="minor">
+      <a:schemeClr val="tx1"/>
+    </cs:fontRef>
+    <cs:spPr>
+      <a:ln w="9525" cap="flat" cmpd="sng" algn="ctr">
+        <a:solidFill>
+          <a:schemeClr val="tx1">
+            <a:lumMod val="65000"/>
+            <a:lumOff val="35000"/>
+          </a:schemeClr>
+        </a:solidFill>
+        <a:round/>
+      </a:ln>
+    </cs:spPr>
+  </cs:errorBar>
+  <cs:floor>
+    <cs:lnRef idx="0"/>
+    <cs:fillRef idx="0"/>
+    <cs:effectRef idx="0"/>
+    <cs:fontRef idx="minor">
+      <a:schemeClr val="tx1"/>
+    </cs:fontRef>
+    <cs:spPr>
+      <a:noFill/>
+      <a:ln>
+        <a:noFill/>
+      </a:ln>
+    </cs:spPr>
+  </cs:floor>
+  <cs:gridlineMajor>
+    <cs:lnRef idx="0"/>
+    <cs:fillRef idx="0"/>
+    <cs:effectRef idx="0"/>
+    <cs:fontRef idx="minor">
+      <a:schemeClr val="tx1"/>
+    </cs:fontRef>
+    <cs:spPr>
+      <a:ln w="9525" cap="flat" cmpd="sng" algn="ctr">
+        <a:solidFill>
+          <a:schemeClr val="tx1">
+            <a:lumMod val="15000"/>
+            <a:lumOff val="85000"/>
+          </a:schemeClr>
+        </a:solidFill>
+        <a:round/>
+      </a:ln>
+    </cs:spPr>
+  </cs:gridlineMajor>
+  <cs:gridlineMinor>
+    <cs:lnRef idx="0"/>
+    <cs:fillRef idx="0"/>
+    <cs:effectRef idx="0"/>
+    <cs:fontRef idx="minor">
+      <a:schemeClr val="tx1"/>
+    </cs:fontRef>
+    <cs:spPr>
+      <a:ln w="9525" cap="flat" cmpd="sng" algn="ctr">
+        <a:solidFill>
+          <a:schemeClr val="tx1">
+            <a:lumMod val="5000"/>
+            <a:lumOff val="95000"/>
+          </a:schemeClr>
+        </a:solidFill>
+        <a:round/>
+      </a:ln>
+    </cs:spPr>
+  </cs:gridlineMinor>
+  <cs:hiLoLine>
+    <cs:lnRef idx="0"/>
+    <cs:fillRef idx="0"/>
+    <cs:effectRef idx="0"/>
+    <cs:fontRef idx="minor">
+      <a:schemeClr val="tx1"/>
+    </cs:fontRef>
+    <cs:spPr>
+      <a:ln w="9525" cap="flat" cmpd="sng" algn="ctr">
+        <a:solidFill>
+          <a:schemeClr val="tx1">
+            <a:lumMod val="75000"/>
+            <a:lumOff val="25000"/>
+          </a:schemeClr>
+        </a:solidFill>
+        <a:round/>
+      </a:ln>
+    </cs:spPr>
+  </cs:hiLoLine>
+  <cs:leaderLine>
+    <cs:lnRef idx="0"/>
+    <cs:fillRef idx="0"/>
+    <cs:effectRef idx="0"/>
+    <cs:fontRef idx="minor">
+      <a:schemeClr val="tx1"/>
+    </cs:fontRef>
+    <cs:spPr>
+      <a:ln w="9525" cap="flat" cmpd="sng" algn="ctr">
+        <a:solidFill>
+          <a:schemeClr val="tx1">
+            <a:lumMod val="35000"/>
+            <a:lumOff val="65000"/>
+          </a:schemeClr>
+        </a:solidFill>
+        <a:round/>
+      </a:ln>
+    </cs:spPr>
+  </cs:leaderLine>
+  <cs:legend>
+    <cs:lnRef idx="0"/>
+    <cs:fillRef idx="0"/>
+    <cs:effectRef idx="0"/>
+    <cs:fontRef idx="minor">
+      <a:schemeClr val="tx1">
+        <a:lumMod val="65000"/>
+        <a:lumOff val="35000"/>
+      </a:schemeClr>
+    </cs:fontRef>
+    <cs:defRPr sz="900" kern="1200"/>
+  </cs:legend>
+  <cs:plotArea mods="allowNoFillOverride allowNoLineOverride">
+    <cs:lnRef idx="0"/>
+    <cs:fillRef idx="0"/>
+    <cs:effectRef idx="0"/>
+    <cs:fontRef idx="minor">
+      <a:schemeClr val="tx1"/>
+    </cs:fontRef>
+  </cs:plotArea>
+  <cs:plotArea3D mods="allowNoFillOverride allowNoLineOverride">
+    <cs:lnRef idx="0"/>
+    <cs:fillRef idx="0"/>
+    <cs:effectRef idx="0"/>
+    <cs:fontRef idx="minor">
+      <a:schemeClr val="tx1"/>
+    </cs:fontRef>
+  </cs:plotArea3D>
+  <cs:seriesAxis>
+    <cs:lnRef idx="0"/>
+    <cs:fillRef idx="0"/>
+    <cs:effectRef idx="0"/>
+    <cs:fontRef idx="minor">
+      <a:schemeClr val="tx1">
+        <a:lumMod val="65000"/>
+        <a:lumOff val="35000"/>
+      </a:schemeClr>
+    </cs:fontRef>
+    <cs:defRPr sz="900" kern="1200"/>
+  </cs:seriesAxis>
+  <cs:seriesLine>
+    <cs:lnRef idx="0"/>
+    <cs:fillRef idx="0"/>
+    <cs:effectRef idx="0"/>
+    <cs:fontRef idx="minor">
+      <a:schemeClr val="tx1"/>
+    </cs:fontRef>
+    <cs:spPr>
+      <a:ln w="9525" cap="flat" cmpd="sng" algn="ctr">
+        <a:solidFill>
+          <a:schemeClr val="tx1">
+            <a:lumMod val="35000"/>
+            <a:lumOff val="65000"/>
+          </a:schemeClr>
+        </a:solidFill>
+        <a:round/>
+      </a:ln>
+    </cs:spPr>
+  </cs:seriesLine>
+  <cs:title>
+    <cs:lnRef idx="0"/>
+    <cs:fillRef idx="0"/>
+    <cs:effectRef idx="0"/>
+    <cs:fontRef idx="minor">
+      <a:schemeClr val="tx1">
+        <a:lumMod val="65000"/>
+        <a:lumOff val="35000"/>
+      </a:schemeClr>
+    </cs:fontRef>
+    <cs:defRPr sz="1400" b="0" kern="1200" spc="0" baseline="0"/>
+  </cs:title>
+  <cs:trendline>
+    <cs:lnRef idx="0">
+      <cs:styleClr val="auto"/>
+    </cs:lnRef>
+    <cs:fillRef idx="0"/>
+    <cs:effectRef idx="0"/>
+    <cs:fontRef idx="minor">
+      <a:schemeClr val="tx1"/>
+    </cs:fontRef>
+    <cs:spPr>
+      <a:ln w="19050" cap="rnd">
+        <a:solidFill>
+          <a:schemeClr val="phClr"/>
+        </a:solidFill>
+        <a:prstDash val="sysDot"/>
+      </a:ln>
+    </cs:spPr>
+  </cs:trendline>
+  <cs:trendlineLabel>
+    <cs:lnRef idx="0"/>
+    <cs:fillRef idx="0"/>
+    <cs:effectRef idx="0"/>
+    <cs:fontRef idx="minor">
+      <a:schemeClr val="tx1">
+        <a:lumMod val="65000"/>
+        <a:lumOff val="35000"/>
+      </a:schemeClr>
+    </cs:fontRef>
+    <cs:defRPr sz="900" kern="1200"/>
+  </cs:trendlineLabel>
+  <cs:upBar>
+    <cs:lnRef idx="0"/>
+    <cs:fillRef idx="0"/>
+    <cs:effectRef idx="0"/>
+    <cs:fontRef idx="minor">
+      <a:schemeClr val="dk1"/>
+    </cs:fontRef>
+    <cs:spPr>
+      <a:solidFill>
+        <a:schemeClr val="lt1"/>
+      </a:solidFill>
+      <a:ln w="9525">
+        <a:solidFill>
+          <a:schemeClr val="tx1">
+            <a:lumMod val="15000"/>
+            <a:lumOff val="85000"/>
+          </a:schemeClr>
+        </a:solidFill>
+      </a:ln>
+    </cs:spPr>
+  </cs:upBar>
+  <cs:valueAxis>
+    <cs:lnRef idx="0"/>
+    <cs:fillRef idx="0"/>
+    <cs:effectRef idx="0"/>
+    <cs:fontRef idx="minor">
+      <a:schemeClr val="tx1">
+        <a:lumMod val="65000"/>
+        <a:lumOff val="35000"/>
+      </a:schemeClr>
+    </cs:fontRef>
+    <cs:defRPr sz="900" kern="1200"/>
+  </cs:valueAxis>
+  <cs:wall>
+    <cs:lnRef idx="0"/>
+    <cs:fillRef idx="0"/>
+    <cs:effectRef idx="0"/>
+    <cs:fontRef idx="minor">
+      <a:schemeClr val="tx1"/>
+    </cs:fontRef>
+    <cs:spPr>
+      <a:noFill/>
+      <a:ln>
+        <a:noFill/>
+      </a:ln>
+    </cs:spPr>
+  </cs:wall>
+</cs:chartStyle>
 </file>
 
 <file path=ppt/diagrams/colors1.xml><?xml version="1.0" encoding="utf-8"?>
@@ -5789,7 +6690,7 @@
             <a:fld id="{1449AA12-8195-4182-A7AC-2E7E59DFBDAF}" type="datetimeFigureOut">
               <a:rPr lang="en-US" smtClean="0"/>
               <a:pPr algn="r"/>
-              <a:t>11/30/2021</a:t>
+              <a:t>12/1/2021</a:t>
             </a:fld>
             <a:endParaRPr lang="en-US"/>
           </a:p>
@@ -6005,7 +6906,7 @@
           <a:p>
             <a:fld id="{1449AA12-8195-4182-A7AC-2E7E59DFBDAF}" type="datetimeFigureOut">
               <a:rPr lang="en-US" smtClean="0"/>
-              <a:t>11/30/2021</a:t>
+              <a:t>12/1/2021</a:t>
             </a:fld>
             <a:endParaRPr lang="en-US"/>
           </a:p>
@@ -6377,7 +7278,7 @@
           <a:p>
             <a:fld id="{1449AA12-8195-4182-A7AC-2E7E59DFBDAF}" type="datetimeFigureOut">
               <a:rPr lang="en-US" smtClean="0"/>
-              <a:t>11/30/2021</a:t>
+              <a:t>12/1/2021</a:t>
             </a:fld>
             <a:endParaRPr lang="en-US"/>
           </a:p>
@@ -6739,7 +7640,7 @@
           <a:p>
             <a:fld id="{1449AA12-8195-4182-A7AC-2E7E59DFBDAF}" type="datetimeFigureOut">
               <a:rPr lang="en-US" smtClean="0"/>
-              <a:t>11/30/2021</a:t>
+              <a:t>12/1/2021</a:t>
             </a:fld>
             <a:endParaRPr lang="en-US"/>
           </a:p>
@@ -7179,7 +8080,7 @@
           <a:p>
             <a:fld id="{1449AA12-8195-4182-A7AC-2E7E59DFBDAF}" type="datetimeFigureOut">
               <a:rPr lang="en-US" smtClean="0"/>
-              <a:t>11/30/2021</a:t>
+              <a:t>12/1/2021</a:t>
             </a:fld>
             <a:endParaRPr lang="en-US"/>
           </a:p>
@@ -7619,7 +8520,7 @@
           <a:p>
             <a:fld id="{1449AA12-8195-4182-A7AC-2E7E59DFBDAF}" type="datetimeFigureOut">
               <a:rPr lang="en-US" smtClean="0"/>
-              <a:t>11/30/2021</a:t>
+              <a:t>12/1/2021</a:t>
             </a:fld>
             <a:endParaRPr lang="en-US"/>
           </a:p>
@@ -8227,7 +9128,7 @@
           <a:p>
             <a:fld id="{1449AA12-8195-4182-A7AC-2E7E59DFBDAF}" type="datetimeFigureOut">
               <a:rPr lang="en-US" smtClean="0"/>
-              <a:t>11/30/2021</a:t>
+              <a:t>12/1/2021</a:t>
             </a:fld>
             <a:endParaRPr lang="en-US"/>
           </a:p>
@@ -8532,7 +9433,7 @@
           <a:p>
             <a:fld id="{1449AA12-8195-4182-A7AC-2E7E59DFBDAF}" type="datetimeFigureOut">
               <a:rPr lang="en-US" smtClean="0"/>
-              <a:t>11/30/2021</a:t>
+              <a:t>12/1/2021</a:t>
             </a:fld>
             <a:endParaRPr lang="en-US"/>
           </a:p>
@@ -8809,7 +9710,7 @@
           <a:p>
             <a:fld id="{1449AA12-8195-4182-A7AC-2E7E59DFBDAF}" type="datetimeFigureOut">
               <a:rPr lang="en-US" smtClean="0"/>
-              <a:t>11/30/2021</a:t>
+              <a:t>12/1/2021</a:t>
             </a:fld>
             <a:endParaRPr lang="en-US"/>
           </a:p>
@@ -9286,7 +10187,7 @@
           <a:p>
             <a:fld id="{1449AA12-8195-4182-A7AC-2E7E59DFBDAF}" type="datetimeFigureOut">
               <a:rPr lang="en-US" smtClean="0"/>
-              <a:t>11/30/2021</a:t>
+              <a:t>12/1/2021</a:t>
             </a:fld>
             <a:endParaRPr lang="en-US"/>
           </a:p>
@@ -9741,7 +10642,7 @@
           <a:p>
             <a:fld id="{1449AA12-8195-4182-A7AC-2E7E59DFBDAF}" type="datetimeFigureOut">
               <a:rPr lang="en-US" smtClean="0"/>
-              <a:t>11/30/2021</a:t>
+              <a:t>12/1/2021</a:t>
             </a:fld>
             <a:endParaRPr lang="en-US"/>
           </a:p>
@@ -10147,7 +11048,7 @@
             <a:fld id="{1449AA12-8195-4182-A7AC-2E7E59DFBDAF}" type="datetimeFigureOut">
               <a:rPr lang="en-US" smtClean="0"/>
               <a:pPr/>
-              <a:t>11/30/2021</a:t>
+              <a:t>12/1/2021</a:t>
             </a:fld>
             <a:endParaRPr lang="en-US"/>
           </a:p>
@@ -11619,42 +12520,6 @@
           </a:p>
         </p:txBody>
       </p:sp>
-      <p:pic>
-        <p:nvPicPr>
-          <p:cNvPr id="5" name="Picture 4" descr="Chart, bar chart&#10;&#10;Description automatically generated">
-            <a:extLst>
-              <a:ext uri="{FF2B5EF4-FFF2-40B4-BE49-F238E27FC236}">
-                <a16:creationId xmlns:a16="http://schemas.microsoft.com/office/drawing/2014/main" id="{A0374905-17F0-4526-9F12-8CD282813DF5}"/>
-              </a:ext>
-            </a:extLst>
-          </p:cNvPr>
-          <p:cNvPicPr>
-            <a:picLocks noChangeAspect="1"/>
-          </p:cNvPicPr>
-          <p:nvPr/>
-        </p:nvPicPr>
-        <p:blipFill>
-          <a:blip r:embed="rId2">
-            <a:extLst>
-              <a:ext uri="{28A0092B-C50C-407E-A947-70E740481C1C}">
-                <a14:useLocalDpi xmlns:a14="http://schemas.microsoft.com/office/drawing/2010/main" val="0"/>
-              </a:ext>
-            </a:extLst>
-          </a:blip>
-          <a:stretch>
-            <a:fillRect/>
-          </a:stretch>
-        </p:blipFill>
-        <p:spPr>
-          <a:xfrm>
-            <a:off x="54240" y="1633357"/>
-            <a:ext cx="5441599" cy="2887064"/>
-          </a:xfrm>
-          <a:prstGeom prst="rect">
-            <a:avLst/>
-          </a:prstGeom>
-        </p:spPr>
-      </p:pic>
       <p:sp>
         <p:nvSpPr>
           <p:cNvPr id="6" name="TextBox 5">
@@ -11694,6 +12559,36 @@
           </a:p>
         </p:txBody>
       </p:sp>
+      <p:graphicFrame>
+        <p:nvGraphicFramePr>
+          <p:cNvPr id="9" name="Chart 8">
+            <a:extLst>
+              <a:ext uri="{FF2B5EF4-FFF2-40B4-BE49-F238E27FC236}">
+                <a16:creationId xmlns:a16="http://schemas.microsoft.com/office/drawing/2014/main" id="{1BFBDE39-C99D-4854-A61D-F1FB4E862BB0}"/>
+              </a:ext>
+            </a:extLst>
+          </p:cNvPr>
+          <p:cNvGraphicFramePr>
+            <a:graphicFrameLocks/>
+          </p:cNvGraphicFramePr>
+          <p:nvPr>
+            <p:extLst>
+              <p:ext uri="{D42A27DB-BD31-4B8C-83A1-F6EECF244321}">
+                <p14:modId xmlns:p14="http://schemas.microsoft.com/office/powerpoint/2010/main" val="3152440194"/>
+              </p:ext>
+            </p:extLst>
+          </p:nvPr>
+        </p:nvGraphicFramePr>
+        <p:xfrm>
+          <a:off x="-2" y="1230571"/>
+          <a:ext cx="5106594" cy="3154709"/>
+        </p:xfrm>
+        <a:graphic>
+          <a:graphicData uri="http://schemas.openxmlformats.org/drawingml/2006/chart">
+            <c:chart xmlns:c="http://schemas.openxmlformats.org/drawingml/2006/chart" xmlns:r="http://schemas.openxmlformats.org/officeDocument/2006/relationships" r:id="rId2"/>
+          </a:graphicData>
+        </a:graphic>
+      </p:graphicFrame>
     </p:spTree>
     <p:extLst>
       <p:ext uri="{BB962C8B-B14F-4D97-AF65-F5344CB8AC3E}">
@@ -13076,7 +13971,7 @@
           <a:p>
             <a:r>
               <a:rPr lang="en-US" sz="1000" dirty="0"/>
-              <a:t>https://touchit.sk/ako-mozu-pomoct-pri-lieceni-cukrovky-informacne-technologie/352519d</a:t>
+              <a:t>https://touchit.sk/ako-mozu-pomoct-pri-lieceni-cukrovky-informacne-technologie/352519</a:t>
             </a:r>
           </a:p>
         </p:txBody>
@@ -13583,15 +14478,7 @@
             </a:r>
             <a:r>
               <a:rPr lang="sk-SK" sz="1400" dirty="0"/>
-              <a:t> ukazujú rozhranie </a:t>
-            </a:r>
-            <a:r>
-              <a:rPr lang="sk-SK" sz="1400" dirty="0" err="1"/>
-              <a:t>systemu</a:t>
-            </a:r>
-            <a:r>
-              <a:rPr lang="sk-SK" sz="1400" dirty="0"/>
-              <a:t> GIM </a:t>
+              <a:t> ukazujú rozhranie systému GIM </a:t>
             </a:r>
             <a:r>
               <a:rPr lang="en-US" sz="1400" dirty="0"/>
